--- a/파이썬기초(PPT)/파이썬 기초 3강_연산과 연산자.pptx
+++ b/파이썬기초(PPT)/파이썬 기초 3강_연산과 연산자.pptx
@@ -21,7 +21,8 @@
     <p:sldId id="283" r:id="rId15"/>
     <p:sldId id="284" r:id="rId16"/>
     <p:sldId id="285" r:id="rId17"/>
-    <p:sldId id="263" r:id="rId18"/>
+    <p:sldId id="294" r:id="rId18"/>
+    <p:sldId id="263" r:id="rId19"/>
   </p:sldIdLst>
   <p:sldSz cx="9144000" cy="6858000" type="screen4x3"/>
   <p:notesSz cx="6858000" cy="9144000"/>
@@ -318,7 +319,7 @@
           <a:p>
             <a:fld id="{FB30EDBD-1C2D-4C1E-B459-B60219FAB484}" type="datetimeFigureOut">
               <a:rPr lang="ko-KR" altLang="en-US" smtClean="0"/>
-              <a:t>2020-10-31</a:t>
+              <a:t>2020-11-01</a:t>
             </a:fld>
             <a:endParaRPr lang="ko-KR" altLang="en-US"/>
           </a:p>
@@ -481,7 +482,7 @@
           <a:p>
             <a:fld id="{FB30EDBD-1C2D-4C1E-B459-B60219FAB484}" type="datetimeFigureOut">
               <a:rPr lang="ko-KR" altLang="en-US" smtClean="0"/>
-              <a:t>2020-10-31</a:t>
+              <a:t>2020-11-01</a:t>
             </a:fld>
             <a:endParaRPr lang="ko-KR" altLang="en-US"/>
           </a:p>
@@ -654,7 +655,7 @@
           <a:p>
             <a:fld id="{FB30EDBD-1C2D-4C1E-B459-B60219FAB484}" type="datetimeFigureOut">
               <a:rPr lang="ko-KR" altLang="en-US" smtClean="0"/>
-              <a:t>2020-10-31</a:t>
+              <a:t>2020-11-01</a:t>
             </a:fld>
             <a:endParaRPr lang="ko-KR" altLang="en-US"/>
           </a:p>
@@ -817,7 +818,7 @@
           <a:p>
             <a:fld id="{FB30EDBD-1C2D-4C1E-B459-B60219FAB484}" type="datetimeFigureOut">
               <a:rPr lang="ko-KR" altLang="en-US" smtClean="0"/>
-              <a:t>2020-10-31</a:t>
+              <a:t>2020-11-01</a:t>
             </a:fld>
             <a:endParaRPr lang="ko-KR" altLang="en-US"/>
           </a:p>
@@ -1057,7 +1058,7 @@
           <a:p>
             <a:fld id="{FB30EDBD-1C2D-4C1E-B459-B60219FAB484}" type="datetimeFigureOut">
               <a:rPr lang="ko-KR" altLang="en-US" smtClean="0"/>
-              <a:t>2020-10-31</a:t>
+              <a:t>2020-11-01</a:t>
             </a:fld>
             <a:endParaRPr lang="ko-KR" altLang="en-US"/>
           </a:p>
@@ -1337,7 +1338,7 @@
           <a:p>
             <a:fld id="{FB30EDBD-1C2D-4C1E-B459-B60219FAB484}" type="datetimeFigureOut">
               <a:rPr lang="ko-KR" altLang="en-US" smtClean="0"/>
-              <a:t>2020-10-31</a:t>
+              <a:t>2020-11-01</a:t>
             </a:fld>
             <a:endParaRPr lang="ko-KR" altLang="en-US"/>
           </a:p>
@@ -1751,7 +1752,7 @@
           <a:p>
             <a:fld id="{FB30EDBD-1C2D-4C1E-B459-B60219FAB484}" type="datetimeFigureOut">
               <a:rPr lang="ko-KR" altLang="en-US" smtClean="0"/>
-              <a:t>2020-10-31</a:t>
+              <a:t>2020-11-01</a:t>
             </a:fld>
             <a:endParaRPr lang="ko-KR" altLang="en-US"/>
           </a:p>
@@ -1863,7 +1864,7 @@
           <a:p>
             <a:fld id="{FB30EDBD-1C2D-4C1E-B459-B60219FAB484}" type="datetimeFigureOut">
               <a:rPr lang="ko-KR" altLang="en-US" smtClean="0"/>
-              <a:t>2020-10-31</a:t>
+              <a:t>2020-11-01</a:t>
             </a:fld>
             <a:endParaRPr lang="ko-KR" altLang="en-US"/>
           </a:p>
@@ -1953,7 +1954,7 @@
           <a:p>
             <a:fld id="{FB30EDBD-1C2D-4C1E-B459-B60219FAB484}" type="datetimeFigureOut">
               <a:rPr lang="ko-KR" altLang="en-US" smtClean="0"/>
-              <a:t>2020-10-31</a:t>
+              <a:t>2020-11-01</a:t>
             </a:fld>
             <a:endParaRPr lang="ko-KR" altLang="en-US"/>
           </a:p>
@@ -2223,7 +2224,7 @@
           <a:p>
             <a:fld id="{FB30EDBD-1C2D-4C1E-B459-B60219FAB484}" type="datetimeFigureOut">
               <a:rPr lang="ko-KR" altLang="en-US" smtClean="0"/>
-              <a:t>2020-10-31</a:t>
+              <a:t>2020-11-01</a:t>
             </a:fld>
             <a:endParaRPr lang="ko-KR" altLang="en-US"/>
           </a:p>
@@ -2470,7 +2471,7 @@
           <a:p>
             <a:fld id="{FB30EDBD-1C2D-4C1E-B459-B60219FAB484}" type="datetimeFigureOut">
               <a:rPr lang="ko-KR" altLang="en-US" smtClean="0"/>
-              <a:t>2020-10-31</a:t>
+              <a:t>2020-11-01</a:t>
             </a:fld>
             <a:endParaRPr lang="ko-KR" altLang="en-US"/>
           </a:p>
@@ -2676,7 +2677,7 @@
           <a:p>
             <a:fld id="{FB30EDBD-1C2D-4C1E-B459-B60219FAB484}" type="datetimeFigureOut">
               <a:rPr lang="ko-KR" altLang="en-US" smtClean="0"/>
-              <a:t>2020-10-31</a:t>
+              <a:t>2020-11-01</a:t>
             </a:fld>
             <a:endParaRPr lang="ko-KR" altLang="en-US"/>
           </a:p>
@@ -4500,7 +4501,7 @@
           <p:nvPr>
             <p:extLst>
               <p:ext uri="{D42A27DB-BD31-4B8C-83A1-F6EECF244321}">
-                <p14:modId xmlns:p14="http://schemas.microsoft.com/office/powerpoint/2010/main" val="3314285846"/>
+                <p14:modId xmlns:p14="http://schemas.microsoft.com/office/powerpoint/2010/main" val="972662146"/>
               </p:ext>
             </p:extLst>
           </p:nvPr>
@@ -4735,7 +4736,7 @@
                       <a:pPr algn="ctr" latinLnBrk="1"/>
                       <a:r>
                         <a:rPr lang="en-US" altLang="ko-KR" dirty="0"/>
-                        <a:t>print(“str”===“str2”);</a:t>
+                        <a:t>print(“str”==“str2”);</a:t>
                       </a:r>
                       <a:endParaRPr lang="ko-KR" altLang="en-US" dirty="0"/>
                     </a:p>
@@ -4772,7 +4773,7 @@
                       <a:pPr algn="ctr" latinLnBrk="1"/>
                       <a:r>
                         <a:rPr lang="en-US" altLang="ko-KR" dirty="0"/>
-                        <a:t>print(10 !== 10);</a:t>
+                        <a:t>print(10 != 10);</a:t>
                       </a:r>
                       <a:endParaRPr lang="ko-KR" altLang="en-US" dirty="0"/>
                     </a:p>
@@ -5368,7 +5369,13 @@
           <p:cNvGraphicFramePr>
             <a:graphicFrameLocks noGrp="1"/>
           </p:cNvGraphicFramePr>
-          <p:nvPr/>
+          <p:nvPr>
+            <p:extLst>
+              <p:ext uri="{D42A27DB-BD31-4B8C-83A1-F6EECF244321}">
+                <p14:modId xmlns:p14="http://schemas.microsoft.com/office/powerpoint/2010/main" val="566247405"/>
+              </p:ext>
+            </p:extLst>
+          </p:nvPr>
         </p:nvGraphicFramePr>
         <p:xfrm>
           <a:off x="971600" y="2420888"/>
@@ -5507,7 +5514,7 @@
                             <a:schemeClr val="accent6"/>
                           </a:solidFill>
                         </a:rPr>
-                        <a:t>AND</a:t>
+                        <a:t>and</a:t>
                       </a:r>
                       <a:r>
                         <a:rPr lang="en-US" altLang="ko-KR" dirty="0"/>
@@ -5626,7 +5633,7 @@
                             <a:schemeClr val="accent6"/>
                           </a:solidFill>
                         </a:rPr>
-                        <a:t>OR</a:t>
+                        <a:t>or</a:t>
                       </a:r>
                     </a:p>
                     <a:p>
@@ -5722,7 +5729,7 @@
                             <a:schemeClr val="accent6"/>
                           </a:solidFill>
                         </a:rPr>
-                        <a:t>NOT</a:t>
+                        <a:t>not</a:t>
                       </a:r>
                       <a:r>
                         <a:rPr lang="en-US" altLang="ko-KR" dirty="0"/>
@@ -6013,7 +6020,13 @@
           <p:cNvGraphicFramePr>
             <a:graphicFrameLocks noGrp="1"/>
           </p:cNvGraphicFramePr>
-          <p:nvPr/>
+          <p:nvPr>
+            <p:extLst>
+              <p:ext uri="{D42A27DB-BD31-4B8C-83A1-F6EECF244321}">
+                <p14:modId xmlns:p14="http://schemas.microsoft.com/office/powerpoint/2010/main" val="188497587"/>
+              </p:ext>
+            </p:extLst>
+          </p:nvPr>
         </p:nvGraphicFramePr>
         <p:xfrm>
           <a:off x="971600" y="2420888"/>
@@ -6050,21 +6063,8 @@
                       <a:pPr algn="ctr" latinLnBrk="1"/>
                       <a:r>
                         <a:rPr lang="ko-KR" altLang="en-US" dirty="0"/>
-                        <a:t>연산자 </a:t>
-                      </a:r>
-                      <a:r>
-                        <a:rPr lang="en-US" altLang="ko-KR" dirty="0"/>
-                        <a:t>(</a:t>
-                      </a:r>
-                      <a:r>
-                        <a:rPr lang="ko-KR" altLang="en-US" dirty="0"/>
-                        <a:t>기호</a:t>
-                      </a:r>
-                      <a:r>
-                        <a:rPr lang="en-US" altLang="ko-KR" dirty="0"/>
-                        <a:t>)</a:t>
-                      </a:r>
-                      <a:endParaRPr lang="ko-KR" altLang="en-US" dirty="0"/>
+                        <a:t>연산자</a:t>
+                      </a:r>
                     </a:p>
                   </a:txBody>
                   <a:tcPr/>
@@ -6098,7 +6098,7 @@
                       <a:pPr algn="ctr" latinLnBrk="1"/>
                       <a:r>
                         <a:rPr lang="en-US" altLang="ko-KR" dirty="0"/>
-                        <a:t>AND (&amp;&amp;)</a:t>
+                        <a:t>and </a:t>
                       </a:r>
                       <a:endParaRPr lang="ko-KR" altLang="en-US" dirty="0"/>
                     </a:p>
@@ -6139,7 +6139,7 @@
                       <a:pPr algn="ctr" latinLnBrk="1"/>
                       <a:r>
                         <a:rPr lang="en-US" altLang="ko-KR" dirty="0"/>
-                        <a:t>OR ( || )</a:t>
+                        <a:t>or</a:t>
                       </a:r>
                       <a:endParaRPr lang="ko-KR" altLang="en-US" dirty="0"/>
                     </a:p>
@@ -6196,7 +6196,7 @@
                       </a:pPr>
                       <a:r>
                         <a:rPr lang="en-US" altLang="ko-KR" dirty="0"/>
-                        <a:t>NOT</a:t>
+                        <a:t>not</a:t>
                       </a:r>
                       <a:endParaRPr lang="ko-KR" altLang="en-US" dirty="0">
                         <a:solidFill>
@@ -7002,6 +7002,665 @@
 </file>
 
 <file path=ppt/slides/slide17.xml><?xml version="1.0" encoding="utf-8"?>
+<p:sld xmlns:a="http://schemas.openxmlformats.org/drawingml/2006/main" xmlns:r="http://schemas.openxmlformats.org/officeDocument/2006/relationships" xmlns:p="http://schemas.openxmlformats.org/presentationml/2006/main">
+  <p:cSld>
+    <p:spTree>
+      <p:nvGrpSpPr>
+        <p:cNvPr id="1" name=""/>
+        <p:cNvGrpSpPr/>
+        <p:nvPr/>
+      </p:nvGrpSpPr>
+      <p:grpSpPr>
+        <a:xfrm>
+          <a:off x="0" y="0"/>
+          <a:ext cx="0" cy="0"/>
+          <a:chOff x="0" y="0"/>
+          <a:chExt cx="0" cy="0"/>
+        </a:xfrm>
+      </p:grpSpPr>
+      <p:sp>
+        <p:nvSpPr>
+          <p:cNvPr id="2" name="제목 1"/>
+          <p:cNvSpPr>
+            <a:spLocks noGrp="1"/>
+          </p:cNvSpPr>
+          <p:nvPr>
+            <p:ph type="ctrTitle"/>
+          </p:nvPr>
+        </p:nvSpPr>
+        <p:spPr>
+          <a:xfrm>
+            <a:off x="685800" y="1340768"/>
+            <a:ext cx="7772400" cy="1470025"/>
+          </a:xfrm>
+        </p:spPr>
+        <p:txBody>
+          <a:bodyPr/>
+          <a:lstStyle/>
+          <a:p>
+            <a:r>
+              <a:rPr lang="ko-KR" altLang="en-US" dirty="0">
+                <a:latin typeface="배달의민족 주아" pitchFamily="18" charset="-127"/>
+                <a:ea typeface="배달의민족 주아" pitchFamily="18" charset="-127"/>
+              </a:rPr>
+              <a:t>논리연산</a:t>
+            </a:r>
+          </a:p>
+        </p:txBody>
+      </p:sp>
+      <p:sp>
+        <p:nvSpPr>
+          <p:cNvPr id="3" name="TextBox 2"/>
+          <p:cNvSpPr txBox="1"/>
+          <p:nvPr/>
+        </p:nvSpPr>
+        <p:spPr>
+          <a:xfrm>
+            <a:off x="6588224" y="6165304"/>
+            <a:ext cx="1838965" cy="369332"/>
+          </a:xfrm>
+          <a:prstGeom prst="rect">
+            <a:avLst/>
+          </a:prstGeom>
+          <a:noFill/>
+        </p:spPr>
+        <p:txBody>
+          <a:bodyPr wrap="none" rtlCol="0">
+            <a:spAutoFit/>
+          </a:bodyPr>
+          <a:lstStyle/>
+          <a:p>
+            <a:r>
+              <a:rPr lang="en-US" altLang="ko-KR" dirty="0">
+                <a:solidFill>
+                  <a:schemeClr val="accent5"/>
+                </a:solidFill>
+                <a:latin typeface="배달의민족 도현" pitchFamily="50" charset="-127"/>
+                <a:ea typeface="배달의민족 도현" pitchFamily="50" charset="-127"/>
+              </a:rPr>
+              <a:t>S</a:t>
+            </a:r>
+            <a:r>
+              <a:rPr lang="en-US" altLang="ko-KR" dirty="0">
+                <a:latin typeface="배달의민족 도현" pitchFamily="50" charset="-127"/>
+                <a:ea typeface="배달의민족 도현" pitchFamily="50" charset="-127"/>
+              </a:rPr>
+              <a:t>TART</a:t>
+            </a:r>
+            <a:r>
+              <a:rPr lang="en-US" altLang="ko-KR" dirty="0">
+                <a:solidFill>
+                  <a:schemeClr val="accent5"/>
+                </a:solidFill>
+                <a:latin typeface="배달의민족 도현" pitchFamily="50" charset="-127"/>
+                <a:ea typeface="배달의민족 도현" pitchFamily="50" charset="-127"/>
+              </a:rPr>
+              <a:t>C</a:t>
+            </a:r>
+            <a:r>
+              <a:rPr lang="en-US" altLang="ko-KR" dirty="0">
+                <a:latin typeface="배달의민족 도현" pitchFamily="50" charset="-127"/>
+                <a:ea typeface="배달의민족 도현" pitchFamily="50" charset="-127"/>
+              </a:rPr>
+              <a:t>ODING</a:t>
+            </a:r>
+            <a:endParaRPr lang="ko-KR" altLang="en-US" dirty="0">
+              <a:latin typeface="배달의민족 도현" pitchFamily="50" charset="-127"/>
+              <a:ea typeface="배달의민족 도현" pitchFamily="50" charset="-127"/>
+            </a:endParaRPr>
+          </a:p>
+        </p:txBody>
+      </p:sp>
+      <p:sp>
+        <p:nvSpPr>
+          <p:cNvPr id="6" name="직사각형 5"/>
+          <p:cNvSpPr/>
+          <p:nvPr/>
+        </p:nvSpPr>
+        <p:spPr>
+          <a:xfrm>
+            <a:off x="107504" y="116632"/>
+            <a:ext cx="2592288" cy="369332"/>
+          </a:xfrm>
+          <a:prstGeom prst="rect">
+            <a:avLst/>
+          </a:prstGeom>
+        </p:spPr>
+        <p:txBody>
+          <a:bodyPr wrap="square">
+            <a:spAutoFit/>
+          </a:bodyPr>
+          <a:lstStyle/>
+          <a:p>
+            <a:r>
+              <a:rPr lang="en-US" altLang="ko-KR" dirty="0">
+                <a:latin typeface="배달의민족 주아" pitchFamily="18" charset="-127"/>
+                <a:ea typeface="배달의민족 주아" pitchFamily="18" charset="-127"/>
+              </a:rPr>
+              <a:t>4</a:t>
+            </a:r>
+            <a:r>
+              <a:rPr lang="en-US" altLang="ko-KR">
+                <a:latin typeface="배달의민족 주아" pitchFamily="18" charset="-127"/>
+                <a:ea typeface="배달의민족 주아" pitchFamily="18" charset="-127"/>
+              </a:rPr>
+              <a:t>. </a:t>
+            </a:r>
+            <a:r>
+              <a:rPr lang="ko-KR" altLang="en-US" dirty="0">
+                <a:latin typeface="배달의민족 주아" pitchFamily="18" charset="-127"/>
+                <a:ea typeface="배달의민족 주아" pitchFamily="18" charset="-127"/>
+              </a:rPr>
+              <a:t>논리연산</a:t>
+            </a:r>
+            <a:endParaRPr lang="ko-KR" altLang="en-US" dirty="0"/>
+          </a:p>
+        </p:txBody>
+      </p:sp>
+      <p:sp>
+        <p:nvSpPr>
+          <p:cNvPr id="7" name="직사각형 6">
+            <a:extLst>
+              <a:ext uri="{FF2B5EF4-FFF2-40B4-BE49-F238E27FC236}">
+                <a16:creationId xmlns:a16="http://schemas.microsoft.com/office/drawing/2014/main" id="{5DEAFE40-DCE5-4845-95E4-A1D19C6B489B}"/>
+              </a:ext>
+            </a:extLst>
+          </p:cNvPr>
+          <p:cNvSpPr/>
+          <p:nvPr/>
+        </p:nvSpPr>
+        <p:spPr>
+          <a:xfrm>
+            <a:off x="899592" y="1574790"/>
+            <a:ext cx="7342584" cy="1754326"/>
+          </a:xfrm>
+          <a:prstGeom prst="rect">
+            <a:avLst/>
+          </a:prstGeom>
+          <a:solidFill>
+            <a:schemeClr val="tx1"/>
+          </a:solidFill>
+          <a:effectLst>
+            <a:softEdge rad="31750"/>
+          </a:effectLst>
+        </p:spPr>
+        <p:txBody>
+          <a:bodyPr wrap="square">
+            <a:spAutoFit/>
+          </a:bodyPr>
+          <a:lstStyle/>
+          <a:p>
+            <a:r>
+              <a:rPr lang="en-US" altLang="ko-KR" dirty="0">
+                <a:solidFill>
+                  <a:srgbClr val="DCDCAA"/>
+                </a:solidFill>
+                <a:latin typeface="Consolas" panose="020B0609020204030204" pitchFamily="49" charset="0"/>
+              </a:rPr>
+              <a:t>print</a:t>
+            </a:r>
+            <a:r>
+              <a:rPr lang="en-US" altLang="ko-KR" dirty="0">
+                <a:solidFill>
+                  <a:srgbClr val="D4D4D4"/>
+                </a:solidFill>
+                <a:latin typeface="Consolas" panose="020B0609020204030204" pitchFamily="49" charset="0"/>
+              </a:rPr>
+              <a:t>(</a:t>
+            </a:r>
+            <a:r>
+              <a:rPr lang="en-US" altLang="ko-KR" dirty="0">
+                <a:solidFill>
+                  <a:srgbClr val="B5CEA8"/>
+                </a:solidFill>
+                <a:latin typeface="Consolas" panose="020B0609020204030204" pitchFamily="49" charset="0"/>
+              </a:rPr>
+              <a:t>3</a:t>
+            </a:r>
+            <a:r>
+              <a:rPr lang="en-US" altLang="ko-KR" dirty="0">
+                <a:solidFill>
+                  <a:srgbClr val="D4D4D4"/>
+                </a:solidFill>
+                <a:latin typeface="Consolas" panose="020B0609020204030204" pitchFamily="49" charset="0"/>
+              </a:rPr>
+              <a:t> &lt; </a:t>
+            </a:r>
+            <a:r>
+              <a:rPr lang="en-US" altLang="ko-KR" dirty="0">
+                <a:solidFill>
+                  <a:srgbClr val="B5CEA8"/>
+                </a:solidFill>
+                <a:latin typeface="Consolas" panose="020B0609020204030204" pitchFamily="49" charset="0"/>
+              </a:rPr>
+              <a:t>6</a:t>
+            </a:r>
+            <a:r>
+              <a:rPr lang="en-US" altLang="ko-KR" dirty="0">
+                <a:solidFill>
+                  <a:srgbClr val="D4D4D4"/>
+                </a:solidFill>
+                <a:latin typeface="Consolas" panose="020B0609020204030204" pitchFamily="49" charset="0"/>
+              </a:rPr>
+              <a:t> </a:t>
+            </a:r>
+            <a:r>
+              <a:rPr lang="en-US" altLang="ko-KR" dirty="0">
+                <a:solidFill>
+                  <a:srgbClr val="C586C0"/>
+                </a:solidFill>
+                <a:latin typeface="Consolas" panose="020B0609020204030204" pitchFamily="49" charset="0"/>
+              </a:rPr>
+              <a:t>and</a:t>
+            </a:r>
+            <a:r>
+              <a:rPr lang="en-US" altLang="ko-KR" dirty="0">
+                <a:solidFill>
+                  <a:srgbClr val="D4D4D4"/>
+                </a:solidFill>
+                <a:latin typeface="Consolas" panose="020B0609020204030204" pitchFamily="49" charset="0"/>
+              </a:rPr>
+              <a:t> </a:t>
+            </a:r>
+            <a:r>
+              <a:rPr lang="en-US" altLang="ko-KR" dirty="0">
+                <a:solidFill>
+                  <a:srgbClr val="B5CEA8"/>
+                </a:solidFill>
+                <a:latin typeface="Consolas" panose="020B0609020204030204" pitchFamily="49" charset="0"/>
+              </a:rPr>
+              <a:t>10</a:t>
+            </a:r>
+            <a:r>
+              <a:rPr lang="en-US" altLang="ko-KR" dirty="0">
+                <a:solidFill>
+                  <a:srgbClr val="D4D4D4"/>
+                </a:solidFill>
+                <a:latin typeface="Consolas" panose="020B0609020204030204" pitchFamily="49" charset="0"/>
+              </a:rPr>
+              <a:t> &gt;= </a:t>
+            </a:r>
+            <a:r>
+              <a:rPr lang="en-US" altLang="ko-KR" dirty="0">
+                <a:solidFill>
+                  <a:srgbClr val="B5CEA8"/>
+                </a:solidFill>
+                <a:latin typeface="Consolas" panose="020B0609020204030204" pitchFamily="49" charset="0"/>
+              </a:rPr>
+              <a:t>7</a:t>
+            </a:r>
+            <a:r>
+              <a:rPr lang="en-US" altLang="ko-KR" dirty="0">
+                <a:solidFill>
+                  <a:srgbClr val="D4D4D4"/>
+                </a:solidFill>
+                <a:latin typeface="Consolas" panose="020B0609020204030204" pitchFamily="49" charset="0"/>
+              </a:rPr>
+              <a:t>)</a:t>
+            </a:r>
+          </a:p>
+          <a:p>
+            <a:r>
+              <a:rPr lang="en-US" altLang="ko-KR" dirty="0">
+                <a:solidFill>
+                  <a:srgbClr val="DCDCAA"/>
+                </a:solidFill>
+                <a:latin typeface="Consolas" panose="020B0609020204030204" pitchFamily="49" charset="0"/>
+              </a:rPr>
+              <a:t>print</a:t>
+            </a:r>
+            <a:r>
+              <a:rPr lang="en-US" altLang="ko-KR" dirty="0">
+                <a:solidFill>
+                  <a:srgbClr val="D4D4D4"/>
+                </a:solidFill>
+                <a:latin typeface="Consolas" panose="020B0609020204030204" pitchFamily="49" charset="0"/>
+              </a:rPr>
+              <a:t>(</a:t>
+            </a:r>
+            <a:r>
+              <a:rPr lang="en-US" altLang="ko-KR" dirty="0">
+                <a:solidFill>
+                  <a:srgbClr val="B5CEA8"/>
+                </a:solidFill>
+                <a:latin typeface="Consolas" panose="020B0609020204030204" pitchFamily="49" charset="0"/>
+              </a:rPr>
+              <a:t>1</a:t>
+            </a:r>
+            <a:r>
+              <a:rPr lang="en-US" altLang="ko-KR" dirty="0">
+                <a:solidFill>
+                  <a:srgbClr val="D4D4D4"/>
+                </a:solidFill>
+                <a:latin typeface="Consolas" panose="020B0609020204030204" pitchFamily="49" charset="0"/>
+              </a:rPr>
+              <a:t> == </a:t>
+            </a:r>
+            <a:r>
+              <a:rPr lang="en-US" altLang="ko-KR" dirty="0">
+                <a:solidFill>
+                  <a:srgbClr val="B5CEA8"/>
+                </a:solidFill>
+                <a:latin typeface="Consolas" panose="020B0609020204030204" pitchFamily="49" charset="0"/>
+              </a:rPr>
+              <a:t>1</a:t>
+            </a:r>
+            <a:r>
+              <a:rPr lang="en-US" altLang="ko-KR" dirty="0">
+                <a:solidFill>
+                  <a:srgbClr val="D4D4D4"/>
+                </a:solidFill>
+                <a:latin typeface="Consolas" panose="020B0609020204030204" pitchFamily="49" charset="0"/>
+              </a:rPr>
+              <a:t> </a:t>
+            </a:r>
+            <a:r>
+              <a:rPr lang="en-US" altLang="ko-KR" dirty="0">
+                <a:solidFill>
+                  <a:srgbClr val="C586C0"/>
+                </a:solidFill>
+                <a:latin typeface="Consolas" panose="020B0609020204030204" pitchFamily="49" charset="0"/>
+              </a:rPr>
+              <a:t>and</a:t>
+            </a:r>
+            <a:r>
+              <a:rPr lang="en-US" altLang="ko-KR" dirty="0">
+                <a:solidFill>
+                  <a:srgbClr val="D4D4D4"/>
+                </a:solidFill>
+                <a:latin typeface="Consolas" panose="020B0609020204030204" pitchFamily="49" charset="0"/>
+              </a:rPr>
+              <a:t> </a:t>
+            </a:r>
+            <a:r>
+              <a:rPr lang="en-US" altLang="ko-KR" dirty="0">
+                <a:solidFill>
+                  <a:srgbClr val="B5CEA8"/>
+                </a:solidFill>
+                <a:latin typeface="Consolas" panose="020B0609020204030204" pitchFamily="49" charset="0"/>
+              </a:rPr>
+              <a:t>4</a:t>
+            </a:r>
+            <a:r>
+              <a:rPr lang="en-US" altLang="ko-KR" dirty="0">
+                <a:solidFill>
+                  <a:srgbClr val="D4D4D4"/>
+                </a:solidFill>
+                <a:latin typeface="Consolas" panose="020B0609020204030204" pitchFamily="49" charset="0"/>
+              </a:rPr>
+              <a:t> &gt;= </a:t>
+            </a:r>
+            <a:r>
+              <a:rPr lang="en-US" altLang="ko-KR" dirty="0">
+                <a:solidFill>
+                  <a:srgbClr val="B5CEA8"/>
+                </a:solidFill>
+                <a:latin typeface="Consolas" panose="020B0609020204030204" pitchFamily="49" charset="0"/>
+              </a:rPr>
+              <a:t>7</a:t>
+            </a:r>
+            <a:r>
+              <a:rPr lang="en-US" altLang="ko-KR" dirty="0">
+                <a:solidFill>
+                  <a:srgbClr val="D4D4D4"/>
+                </a:solidFill>
+                <a:latin typeface="Consolas" panose="020B0609020204030204" pitchFamily="49" charset="0"/>
+              </a:rPr>
+              <a:t>)</a:t>
+            </a:r>
+          </a:p>
+          <a:p>
+            <a:r>
+              <a:rPr lang="en-US" altLang="ko-KR" dirty="0">
+                <a:solidFill>
+                  <a:srgbClr val="DCDCAA"/>
+                </a:solidFill>
+                <a:latin typeface="Consolas" panose="020B0609020204030204" pitchFamily="49" charset="0"/>
+              </a:rPr>
+              <a:t>print</a:t>
+            </a:r>
+            <a:r>
+              <a:rPr lang="en-US" altLang="ko-KR" dirty="0">
+                <a:solidFill>
+                  <a:srgbClr val="D4D4D4"/>
+                </a:solidFill>
+                <a:latin typeface="Consolas" panose="020B0609020204030204" pitchFamily="49" charset="0"/>
+              </a:rPr>
+              <a:t>(</a:t>
+            </a:r>
+            <a:r>
+              <a:rPr lang="en-US" altLang="ko-KR" dirty="0">
+                <a:solidFill>
+                  <a:srgbClr val="CE9178"/>
+                </a:solidFill>
+                <a:latin typeface="Consolas" panose="020B0609020204030204" pitchFamily="49" charset="0"/>
+              </a:rPr>
+              <a:t>"hello"</a:t>
+            </a:r>
+            <a:r>
+              <a:rPr lang="en-US" altLang="ko-KR" dirty="0">
+                <a:solidFill>
+                  <a:srgbClr val="D4D4D4"/>
+                </a:solidFill>
+                <a:latin typeface="Consolas" panose="020B0609020204030204" pitchFamily="49" charset="0"/>
+              </a:rPr>
+              <a:t> == </a:t>
+            </a:r>
+            <a:r>
+              <a:rPr lang="en-US" altLang="ko-KR" dirty="0">
+                <a:solidFill>
+                  <a:srgbClr val="CE9178"/>
+                </a:solidFill>
+                <a:latin typeface="Consolas" panose="020B0609020204030204" pitchFamily="49" charset="0"/>
+              </a:rPr>
+              <a:t>"hello"</a:t>
+            </a:r>
+            <a:r>
+              <a:rPr lang="en-US" altLang="ko-KR" dirty="0">
+                <a:solidFill>
+                  <a:srgbClr val="D4D4D4"/>
+                </a:solidFill>
+                <a:latin typeface="Consolas" panose="020B0609020204030204" pitchFamily="49" charset="0"/>
+              </a:rPr>
+              <a:t> </a:t>
+            </a:r>
+            <a:r>
+              <a:rPr lang="en-US" altLang="ko-KR" dirty="0">
+                <a:solidFill>
+                  <a:srgbClr val="C586C0"/>
+                </a:solidFill>
+                <a:latin typeface="Consolas" panose="020B0609020204030204" pitchFamily="49" charset="0"/>
+              </a:rPr>
+              <a:t>or</a:t>
+            </a:r>
+            <a:r>
+              <a:rPr lang="en-US" altLang="ko-KR" dirty="0">
+                <a:solidFill>
+                  <a:srgbClr val="D4D4D4"/>
+                </a:solidFill>
+                <a:latin typeface="Consolas" panose="020B0609020204030204" pitchFamily="49" charset="0"/>
+              </a:rPr>
+              <a:t> </a:t>
+            </a:r>
+            <a:r>
+              <a:rPr lang="en-US" altLang="ko-KR" dirty="0">
+                <a:solidFill>
+                  <a:srgbClr val="CE9178"/>
+                </a:solidFill>
+                <a:latin typeface="Consolas" panose="020B0609020204030204" pitchFamily="49" charset="0"/>
+              </a:rPr>
+              <a:t>"</a:t>
+            </a:r>
+            <a:r>
+              <a:rPr lang="en-US" altLang="ko-KR" dirty="0" err="1">
+                <a:solidFill>
+                  <a:srgbClr val="CE9178"/>
+                </a:solidFill>
+                <a:latin typeface="Consolas" panose="020B0609020204030204" pitchFamily="49" charset="0"/>
+              </a:rPr>
+              <a:t>kijun</a:t>
+            </a:r>
+            <a:r>
+              <a:rPr lang="en-US" altLang="ko-KR" dirty="0">
+                <a:solidFill>
+                  <a:srgbClr val="CE9178"/>
+                </a:solidFill>
+                <a:latin typeface="Consolas" panose="020B0609020204030204" pitchFamily="49" charset="0"/>
+              </a:rPr>
+              <a:t>"</a:t>
+            </a:r>
+            <a:r>
+              <a:rPr lang="en-US" altLang="ko-KR" dirty="0">
+                <a:solidFill>
+                  <a:srgbClr val="D4D4D4"/>
+                </a:solidFill>
+                <a:latin typeface="Consolas" panose="020B0609020204030204" pitchFamily="49" charset="0"/>
+              </a:rPr>
+              <a:t> != </a:t>
+            </a:r>
+            <a:r>
+              <a:rPr lang="en-US" altLang="ko-KR" dirty="0">
+                <a:solidFill>
+                  <a:srgbClr val="CE9178"/>
+                </a:solidFill>
+                <a:latin typeface="Consolas" panose="020B0609020204030204" pitchFamily="49" charset="0"/>
+              </a:rPr>
+              <a:t>"</a:t>
+            </a:r>
+            <a:r>
+              <a:rPr lang="en-US" altLang="ko-KR" dirty="0" err="1">
+                <a:solidFill>
+                  <a:srgbClr val="CE9178"/>
+                </a:solidFill>
+                <a:latin typeface="Consolas" panose="020B0609020204030204" pitchFamily="49" charset="0"/>
+              </a:rPr>
+              <a:t>kijun</a:t>
+            </a:r>
+            <a:r>
+              <a:rPr lang="en-US" altLang="ko-KR" dirty="0">
+                <a:solidFill>
+                  <a:srgbClr val="CE9178"/>
+                </a:solidFill>
+                <a:latin typeface="Consolas" panose="020B0609020204030204" pitchFamily="49" charset="0"/>
+              </a:rPr>
+              <a:t>"</a:t>
+            </a:r>
+            <a:r>
+              <a:rPr lang="en-US" altLang="ko-KR" dirty="0">
+                <a:solidFill>
+                  <a:srgbClr val="D4D4D4"/>
+                </a:solidFill>
+                <a:latin typeface="Consolas" panose="020B0609020204030204" pitchFamily="49" charset="0"/>
+              </a:rPr>
+              <a:t>)</a:t>
+            </a:r>
+          </a:p>
+          <a:p>
+            <a:r>
+              <a:rPr lang="en-US" altLang="ko-KR" dirty="0">
+                <a:solidFill>
+                  <a:srgbClr val="DCDCAA"/>
+                </a:solidFill>
+                <a:latin typeface="Consolas" panose="020B0609020204030204" pitchFamily="49" charset="0"/>
+              </a:rPr>
+              <a:t>print</a:t>
+            </a:r>
+            <a:r>
+              <a:rPr lang="en-US" altLang="ko-KR" dirty="0">
+                <a:solidFill>
+                  <a:srgbClr val="D4D4D4"/>
+                </a:solidFill>
+                <a:latin typeface="Consolas" panose="020B0609020204030204" pitchFamily="49" charset="0"/>
+              </a:rPr>
+              <a:t>(</a:t>
+            </a:r>
+            <a:r>
+              <a:rPr lang="en-US" altLang="ko-KR" dirty="0">
+                <a:solidFill>
+                  <a:srgbClr val="C586C0"/>
+                </a:solidFill>
+                <a:latin typeface="Consolas" panose="020B0609020204030204" pitchFamily="49" charset="0"/>
+              </a:rPr>
+              <a:t>not</a:t>
+            </a:r>
+            <a:r>
+              <a:rPr lang="en-US" altLang="ko-KR" dirty="0">
+                <a:solidFill>
+                  <a:srgbClr val="D4D4D4"/>
+                </a:solidFill>
+                <a:latin typeface="Consolas" panose="020B0609020204030204" pitchFamily="49" charset="0"/>
+              </a:rPr>
+              <a:t> </a:t>
+            </a:r>
+            <a:r>
+              <a:rPr lang="en-US" altLang="ko-KR" dirty="0">
+                <a:solidFill>
+                  <a:srgbClr val="B5CEA8"/>
+                </a:solidFill>
+                <a:latin typeface="Consolas" panose="020B0609020204030204" pitchFamily="49" charset="0"/>
+              </a:rPr>
+              <a:t>1</a:t>
+            </a:r>
+            <a:r>
+              <a:rPr lang="en-US" altLang="ko-KR" dirty="0">
+                <a:solidFill>
+                  <a:srgbClr val="D4D4D4"/>
+                </a:solidFill>
+                <a:latin typeface="Consolas" panose="020B0609020204030204" pitchFamily="49" charset="0"/>
+              </a:rPr>
+              <a:t> == </a:t>
+            </a:r>
+            <a:r>
+              <a:rPr lang="en-US" altLang="ko-KR" dirty="0">
+                <a:solidFill>
+                  <a:srgbClr val="B5CEA8"/>
+                </a:solidFill>
+                <a:latin typeface="Consolas" panose="020B0609020204030204" pitchFamily="49" charset="0"/>
+              </a:rPr>
+              <a:t>2</a:t>
+            </a:r>
+            <a:r>
+              <a:rPr lang="en-US" altLang="ko-KR" dirty="0">
+                <a:solidFill>
+                  <a:srgbClr val="D4D4D4"/>
+                </a:solidFill>
+                <a:latin typeface="Consolas" panose="020B0609020204030204" pitchFamily="49" charset="0"/>
+              </a:rPr>
+              <a:t>)</a:t>
+            </a:r>
+          </a:p>
+          <a:p>
+            <a:br>
+              <a:rPr lang="en-US" altLang="ko-KR" dirty="0">
+                <a:solidFill>
+                  <a:srgbClr val="D4D4D4"/>
+                </a:solidFill>
+                <a:latin typeface="Consolas" panose="020B0609020204030204" pitchFamily="49" charset="0"/>
+              </a:rPr>
+            </a:br>
+            <a:endParaRPr lang="en-US" altLang="ko-KR" dirty="0">
+              <a:solidFill>
+                <a:srgbClr val="D4D4D4"/>
+              </a:solidFill>
+              <a:latin typeface="Consolas" panose="020B0609020204030204" pitchFamily="49" charset="0"/>
+            </a:endParaRPr>
+          </a:p>
+        </p:txBody>
+      </p:sp>
+    </p:spTree>
+    <p:extLst>
+      <p:ext uri="{BB962C8B-B14F-4D97-AF65-F5344CB8AC3E}">
+        <p14:creationId xmlns:p14="http://schemas.microsoft.com/office/powerpoint/2010/main" val="2153980766"/>
+      </p:ext>
+    </p:extLst>
+  </p:cSld>
+  <p:clrMapOvr>
+    <a:masterClrMapping/>
+  </p:clrMapOvr>
+</p:sld>
+</file>
+
+<file path=ppt/slides/slide18.xml><?xml version="1.0" encoding="utf-8"?>
 <p:sld xmlns:a="http://schemas.openxmlformats.org/drawingml/2006/main" xmlns:r="http://schemas.openxmlformats.org/officeDocument/2006/relationships" xmlns:p="http://schemas.openxmlformats.org/presentationml/2006/main">
   <p:cSld>
     <p:spTree>

--- a/파이썬기초(PPT)/파이썬 기초 3강_연산과 연산자.pptx
+++ b/파이썬기초(PPT)/파이썬 기초 3강_연산과 연산자.pptx
@@ -11,18 +11,21 @@
     <p:sldId id="267" r:id="rId5"/>
     <p:sldId id="268" r:id="rId6"/>
     <p:sldId id="269" r:id="rId7"/>
-    <p:sldId id="289" r:id="rId8"/>
-    <p:sldId id="281" r:id="rId9"/>
-    <p:sldId id="290" r:id="rId10"/>
-    <p:sldId id="291" r:id="rId11"/>
-    <p:sldId id="292" r:id="rId12"/>
-    <p:sldId id="293" r:id="rId13"/>
-    <p:sldId id="282" r:id="rId14"/>
-    <p:sldId id="283" r:id="rId15"/>
-    <p:sldId id="284" r:id="rId16"/>
-    <p:sldId id="285" r:id="rId17"/>
-    <p:sldId id="294" r:id="rId18"/>
-    <p:sldId id="263" r:id="rId19"/>
+    <p:sldId id="295" r:id="rId8"/>
+    <p:sldId id="296" r:id="rId9"/>
+    <p:sldId id="289" r:id="rId10"/>
+    <p:sldId id="297" r:id="rId11"/>
+    <p:sldId id="281" r:id="rId12"/>
+    <p:sldId id="290" r:id="rId13"/>
+    <p:sldId id="291" r:id="rId14"/>
+    <p:sldId id="292" r:id="rId15"/>
+    <p:sldId id="293" r:id="rId16"/>
+    <p:sldId id="282" r:id="rId17"/>
+    <p:sldId id="283" r:id="rId18"/>
+    <p:sldId id="284" r:id="rId19"/>
+    <p:sldId id="285" r:id="rId20"/>
+    <p:sldId id="294" r:id="rId21"/>
+    <p:sldId id="263" r:id="rId22"/>
   </p:sldIdLst>
   <p:sldSz cx="9144000" cy="6858000" type="screen4x3"/>
   <p:notesSz cx="6858000" cy="9144000"/>
@@ -319,7 +322,7 @@
           <a:p>
             <a:fld id="{FB30EDBD-1C2D-4C1E-B459-B60219FAB484}" type="datetimeFigureOut">
               <a:rPr lang="ko-KR" altLang="en-US" smtClean="0"/>
-              <a:t>2020-11-01</a:t>
+              <a:t>2020-11-08</a:t>
             </a:fld>
             <a:endParaRPr lang="ko-KR" altLang="en-US"/>
           </a:p>
@@ -482,7 +485,7 @@
           <a:p>
             <a:fld id="{FB30EDBD-1C2D-4C1E-B459-B60219FAB484}" type="datetimeFigureOut">
               <a:rPr lang="ko-KR" altLang="en-US" smtClean="0"/>
-              <a:t>2020-11-01</a:t>
+              <a:t>2020-11-08</a:t>
             </a:fld>
             <a:endParaRPr lang="ko-KR" altLang="en-US"/>
           </a:p>
@@ -655,7 +658,7 @@
           <a:p>
             <a:fld id="{FB30EDBD-1C2D-4C1E-B459-B60219FAB484}" type="datetimeFigureOut">
               <a:rPr lang="ko-KR" altLang="en-US" smtClean="0"/>
-              <a:t>2020-11-01</a:t>
+              <a:t>2020-11-08</a:t>
             </a:fld>
             <a:endParaRPr lang="ko-KR" altLang="en-US"/>
           </a:p>
@@ -818,7 +821,7 @@
           <a:p>
             <a:fld id="{FB30EDBD-1C2D-4C1E-B459-B60219FAB484}" type="datetimeFigureOut">
               <a:rPr lang="ko-KR" altLang="en-US" smtClean="0"/>
-              <a:t>2020-11-01</a:t>
+              <a:t>2020-11-08</a:t>
             </a:fld>
             <a:endParaRPr lang="ko-KR" altLang="en-US"/>
           </a:p>
@@ -1058,7 +1061,7 @@
           <a:p>
             <a:fld id="{FB30EDBD-1C2D-4C1E-B459-B60219FAB484}" type="datetimeFigureOut">
               <a:rPr lang="ko-KR" altLang="en-US" smtClean="0"/>
-              <a:t>2020-11-01</a:t>
+              <a:t>2020-11-08</a:t>
             </a:fld>
             <a:endParaRPr lang="ko-KR" altLang="en-US"/>
           </a:p>
@@ -1338,7 +1341,7 @@
           <a:p>
             <a:fld id="{FB30EDBD-1C2D-4C1E-B459-B60219FAB484}" type="datetimeFigureOut">
               <a:rPr lang="ko-KR" altLang="en-US" smtClean="0"/>
-              <a:t>2020-11-01</a:t>
+              <a:t>2020-11-08</a:t>
             </a:fld>
             <a:endParaRPr lang="ko-KR" altLang="en-US"/>
           </a:p>
@@ -1752,7 +1755,7 @@
           <a:p>
             <a:fld id="{FB30EDBD-1C2D-4C1E-B459-B60219FAB484}" type="datetimeFigureOut">
               <a:rPr lang="ko-KR" altLang="en-US" smtClean="0"/>
-              <a:t>2020-11-01</a:t>
+              <a:t>2020-11-08</a:t>
             </a:fld>
             <a:endParaRPr lang="ko-KR" altLang="en-US"/>
           </a:p>
@@ -1864,7 +1867,7 @@
           <a:p>
             <a:fld id="{FB30EDBD-1C2D-4C1E-B459-B60219FAB484}" type="datetimeFigureOut">
               <a:rPr lang="ko-KR" altLang="en-US" smtClean="0"/>
-              <a:t>2020-11-01</a:t>
+              <a:t>2020-11-08</a:t>
             </a:fld>
             <a:endParaRPr lang="ko-KR" altLang="en-US"/>
           </a:p>
@@ -1954,7 +1957,7 @@
           <a:p>
             <a:fld id="{FB30EDBD-1C2D-4C1E-B459-B60219FAB484}" type="datetimeFigureOut">
               <a:rPr lang="ko-KR" altLang="en-US" smtClean="0"/>
-              <a:t>2020-11-01</a:t>
+              <a:t>2020-11-08</a:t>
             </a:fld>
             <a:endParaRPr lang="ko-KR" altLang="en-US"/>
           </a:p>
@@ -2224,7 +2227,7 @@
           <a:p>
             <a:fld id="{FB30EDBD-1C2D-4C1E-B459-B60219FAB484}" type="datetimeFigureOut">
               <a:rPr lang="ko-KR" altLang="en-US" smtClean="0"/>
-              <a:t>2020-11-01</a:t>
+              <a:t>2020-11-08</a:t>
             </a:fld>
             <a:endParaRPr lang="ko-KR" altLang="en-US"/>
           </a:p>
@@ -2471,7 +2474,7 @@
           <a:p>
             <a:fld id="{FB30EDBD-1C2D-4C1E-B459-B60219FAB484}" type="datetimeFigureOut">
               <a:rPr lang="ko-KR" altLang="en-US" smtClean="0"/>
-              <a:t>2020-11-01</a:t>
+              <a:t>2020-11-08</a:t>
             </a:fld>
             <a:endParaRPr lang="ko-KR" altLang="en-US"/>
           </a:p>
@@ -2677,7 +2680,7 @@
           <a:p>
             <a:fld id="{FB30EDBD-1C2D-4C1E-B459-B60219FAB484}" type="datetimeFigureOut">
               <a:rPr lang="ko-KR" altLang="en-US" smtClean="0"/>
-              <a:t>2020-11-01</a:t>
+              <a:t>2020-11-08</a:t>
             </a:fld>
             <a:endParaRPr lang="ko-KR" altLang="en-US"/>
           </a:p>
@@ -3357,6 +3360,1299 @@
         </p:nvSpPr>
         <p:spPr>
           <a:xfrm>
+            <a:off x="685800" y="620688"/>
+            <a:ext cx="7772400" cy="1470025"/>
+          </a:xfrm>
+        </p:spPr>
+        <p:txBody>
+          <a:bodyPr/>
+          <a:lstStyle/>
+          <a:p>
+            <a:r>
+              <a:rPr lang="en-US" altLang="ko-KR" dirty="0">
+                <a:latin typeface="배달의민족 주아" pitchFamily="18" charset="-127"/>
+                <a:ea typeface="배달의민족 주아" pitchFamily="18" charset="-127"/>
+              </a:rPr>
+              <a:t>QUIZ 2)</a:t>
+            </a:r>
+            <a:endParaRPr lang="ko-KR" altLang="en-US" dirty="0">
+              <a:latin typeface="배달의민족 주아" pitchFamily="18" charset="-127"/>
+              <a:ea typeface="배달의민족 주아" pitchFamily="18" charset="-127"/>
+            </a:endParaRPr>
+          </a:p>
+        </p:txBody>
+      </p:sp>
+      <p:sp>
+        <p:nvSpPr>
+          <p:cNvPr id="3" name="TextBox 2"/>
+          <p:cNvSpPr txBox="1"/>
+          <p:nvPr/>
+        </p:nvSpPr>
+        <p:spPr>
+          <a:xfrm>
+            <a:off x="6588224" y="6165304"/>
+            <a:ext cx="1838965" cy="369332"/>
+          </a:xfrm>
+          <a:prstGeom prst="rect">
+            <a:avLst/>
+          </a:prstGeom>
+          <a:noFill/>
+        </p:spPr>
+        <p:txBody>
+          <a:bodyPr wrap="none" rtlCol="0">
+            <a:spAutoFit/>
+          </a:bodyPr>
+          <a:lstStyle/>
+          <a:p>
+            <a:r>
+              <a:rPr lang="en-US" altLang="ko-KR" dirty="0">
+                <a:solidFill>
+                  <a:schemeClr val="accent5"/>
+                </a:solidFill>
+                <a:latin typeface="배달의민족 도현" pitchFamily="50" charset="-127"/>
+                <a:ea typeface="배달의민족 도현" pitchFamily="50" charset="-127"/>
+              </a:rPr>
+              <a:t>S</a:t>
+            </a:r>
+            <a:r>
+              <a:rPr lang="en-US" altLang="ko-KR" dirty="0">
+                <a:latin typeface="배달의민족 도현" pitchFamily="50" charset="-127"/>
+                <a:ea typeface="배달의민족 도현" pitchFamily="50" charset="-127"/>
+              </a:rPr>
+              <a:t>TART</a:t>
+            </a:r>
+            <a:r>
+              <a:rPr lang="en-US" altLang="ko-KR" dirty="0">
+                <a:solidFill>
+                  <a:schemeClr val="accent5"/>
+                </a:solidFill>
+                <a:latin typeface="배달의민족 도현" pitchFamily="50" charset="-127"/>
+                <a:ea typeface="배달의민족 도현" pitchFamily="50" charset="-127"/>
+              </a:rPr>
+              <a:t>C</a:t>
+            </a:r>
+            <a:r>
+              <a:rPr lang="en-US" altLang="ko-KR" dirty="0">
+                <a:latin typeface="배달의민족 도현" pitchFamily="50" charset="-127"/>
+                <a:ea typeface="배달의민족 도현" pitchFamily="50" charset="-127"/>
+              </a:rPr>
+              <a:t>ODING</a:t>
+            </a:r>
+            <a:endParaRPr lang="ko-KR" altLang="en-US" dirty="0">
+              <a:latin typeface="배달의민족 도현" pitchFamily="50" charset="-127"/>
+              <a:ea typeface="배달의민족 도현" pitchFamily="50" charset="-127"/>
+            </a:endParaRPr>
+          </a:p>
+        </p:txBody>
+      </p:sp>
+      <p:sp>
+        <p:nvSpPr>
+          <p:cNvPr id="8" name="직사각형 7"/>
+          <p:cNvSpPr/>
+          <p:nvPr/>
+        </p:nvSpPr>
+        <p:spPr>
+          <a:xfrm>
+            <a:off x="107504" y="116632"/>
+            <a:ext cx="2592288" cy="369332"/>
+          </a:xfrm>
+          <a:prstGeom prst="rect">
+            <a:avLst/>
+          </a:prstGeom>
+        </p:spPr>
+        <p:txBody>
+          <a:bodyPr wrap="square">
+            <a:spAutoFit/>
+          </a:bodyPr>
+          <a:lstStyle/>
+          <a:p>
+            <a:r>
+              <a:rPr lang="en-US" altLang="ko-KR" dirty="0">
+                <a:latin typeface="배달의민족 주아" pitchFamily="18" charset="-127"/>
+                <a:ea typeface="배달의민족 주아" pitchFamily="18" charset="-127"/>
+              </a:rPr>
+              <a:t>2</a:t>
+            </a:r>
+            <a:r>
+              <a:rPr lang="en-US" altLang="ko-KR">
+                <a:latin typeface="배달의민족 주아" pitchFamily="18" charset="-127"/>
+                <a:ea typeface="배달의민족 주아" pitchFamily="18" charset="-127"/>
+              </a:rPr>
+              <a:t>. </a:t>
+            </a:r>
+            <a:r>
+              <a:rPr lang="ko-KR" altLang="en-US" dirty="0">
+                <a:latin typeface="배달의민족 주아" pitchFamily="18" charset="-127"/>
+                <a:ea typeface="배달의민족 주아" pitchFamily="18" charset="-127"/>
+              </a:rPr>
+              <a:t>산술연산</a:t>
+            </a:r>
+            <a:endParaRPr lang="ko-KR" altLang="en-US" dirty="0"/>
+          </a:p>
+        </p:txBody>
+      </p:sp>
+      <p:sp>
+        <p:nvSpPr>
+          <p:cNvPr id="6" name="제목 1">
+            <a:extLst>
+              <a:ext uri="{FF2B5EF4-FFF2-40B4-BE49-F238E27FC236}">
+                <a16:creationId xmlns:a16="http://schemas.microsoft.com/office/drawing/2014/main" id="{0495BD54-2FB8-48CA-9AC2-8E6FAC9BC916}"/>
+              </a:ext>
+            </a:extLst>
+          </p:cNvPr>
+          <p:cNvSpPr txBox="1">
+            <a:spLocks/>
+          </p:cNvSpPr>
+          <p:nvPr/>
+        </p:nvSpPr>
+        <p:spPr>
+          <a:xfrm>
+            <a:off x="1187624" y="2657983"/>
+            <a:ext cx="6768752" cy="1470025"/>
+          </a:xfrm>
+          <a:prstGeom prst="rect">
+            <a:avLst/>
+          </a:prstGeom>
+        </p:spPr>
+        <p:txBody>
+          <a:bodyPr vert="horz" lIns="91440" tIns="45720" rIns="91440" bIns="45720" rtlCol="0" anchor="ctr">
+            <a:noAutofit/>
+          </a:bodyPr>
+          <a:lstStyle>
+            <a:lvl1pPr algn="ctr" defTabSz="914400" rtl="0" eaLnBrk="1" latinLnBrk="1" hangingPunct="1">
+              <a:spcBef>
+                <a:spcPct val="0"/>
+              </a:spcBef>
+              <a:buNone/>
+              <a:defRPr sz="4400" kern="1200">
+                <a:solidFill>
+                  <a:schemeClr val="tx1"/>
+                </a:solidFill>
+                <a:latin typeface="+mj-lt"/>
+                <a:ea typeface="+mj-ea"/>
+                <a:cs typeface="+mj-cs"/>
+              </a:defRPr>
+            </a:lvl1pPr>
+          </a:lstStyle>
+          <a:p>
+            <a:r>
+              <a:rPr lang="ko-KR" altLang="en-US" sz="3200" dirty="0">
+                <a:latin typeface="배달의민족 주아" pitchFamily="18" charset="-127"/>
+                <a:ea typeface="배달의민족 주아" pitchFamily="18" charset="-127"/>
+              </a:rPr>
+              <a:t>사용자로부터 이름을 입력 받고</a:t>
+            </a:r>
+            <a:r>
+              <a:rPr lang="en-US" altLang="ko-KR" sz="3200" dirty="0">
+                <a:latin typeface="배달의민족 주아" pitchFamily="18" charset="-127"/>
+                <a:ea typeface="배달의민족 주아" pitchFamily="18" charset="-127"/>
+              </a:rPr>
+              <a:t>,</a:t>
+            </a:r>
+          </a:p>
+          <a:p>
+            <a:endParaRPr lang="en-US" altLang="ko-KR" sz="3200" dirty="0">
+              <a:latin typeface="배달의민족 주아" pitchFamily="18" charset="-127"/>
+              <a:ea typeface="배달의민족 주아" pitchFamily="18" charset="-127"/>
+            </a:endParaRPr>
+          </a:p>
+          <a:p>
+            <a:r>
+              <a:rPr lang="en-US" altLang="ko-KR" sz="3200" dirty="0">
+                <a:latin typeface="배달의민족 주아" pitchFamily="18" charset="-127"/>
+                <a:ea typeface="배달의민족 주아" pitchFamily="18" charset="-127"/>
+              </a:rPr>
+              <a:t>"</a:t>
+            </a:r>
+            <a:r>
+              <a:rPr lang="ko-KR" altLang="en-US" sz="3200" dirty="0">
+                <a:latin typeface="배달의민족 주아" pitchFamily="18" charset="-127"/>
+                <a:ea typeface="배달의민족 주아" pitchFamily="18" charset="-127"/>
+              </a:rPr>
+              <a:t>님 반갑습니다</a:t>
+            </a:r>
+            <a:r>
+              <a:rPr lang="en-US" altLang="ko-KR" sz="3200" dirty="0">
+                <a:latin typeface="배달의민족 주아" pitchFamily="18" charset="-127"/>
+                <a:ea typeface="배달의민족 주아" pitchFamily="18" charset="-127"/>
+              </a:rPr>
+              <a:t>"</a:t>
+            </a:r>
+            <a:r>
+              <a:rPr lang="ko-KR" altLang="en-US" sz="3200" dirty="0">
+                <a:latin typeface="배달의민족 주아" pitchFamily="18" charset="-127"/>
+                <a:ea typeface="배달의민족 주아" pitchFamily="18" charset="-127"/>
+              </a:rPr>
+              <a:t>문자열과 합친 결과를 출력 </a:t>
+            </a:r>
+            <a:endParaRPr lang="en-US" altLang="ko-KR" sz="3200" dirty="0">
+              <a:latin typeface="배달의민족 주아" pitchFamily="18" charset="-127"/>
+              <a:ea typeface="배달의민족 주아" pitchFamily="18" charset="-127"/>
+            </a:endParaRPr>
+          </a:p>
+          <a:p>
+            <a:endParaRPr lang="en-US" altLang="ko-KR" sz="3200" dirty="0">
+              <a:latin typeface="배달의민족 주아" pitchFamily="18" charset="-127"/>
+              <a:ea typeface="배달의민족 주아" pitchFamily="18" charset="-127"/>
+            </a:endParaRPr>
+          </a:p>
+        </p:txBody>
+      </p:sp>
+    </p:spTree>
+    <p:extLst>
+      <p:ext uri="{BB962C8B-B14F-4D97-AF65-F5344CB8AC3E}">
+        <p14:creationId xmlns:p14="http://schemas.microsoft.com/office/powerpoint/2010/main" val="4214254623"/>
+      </p:ext>
+    </p:extLst>
+  </p:cSld>
+  <p:clrMapOvr>
+    <a:masterClrMapping/>
+  </p:clrMapOvr>
+  <p:timing>
+    <p:tnLst>
+      <p:par>
+        <p:cTn id="1" dur="indefinite" restart="never" nodeType="tmRoot">
+          <p:childTnLst>
+            <p:seq concurrent="1" nextAc="seek">
+              <p:cTn id="2" dur="indefinite" nodeType="mainSeq">
+                <p:childTnLst>
+                  <p:par>
+                    <p:cTn id="3" fill="hold">
+                      <p:stCondLst>
+                        <p:cond delay="indefinite"/>
+                      </p:stCondLst>
+                      <p:childTnLst>
+                        <p:par>
+                          <p:cTn id="4" fill="hold">
+                            <p:stCondLst>
+                              <p:cond delay="0"/>
+                            </p:stCondLst>
+                            <p:childTnLst>
+                              <p:par>
+                                <p:cTn id="5" presetID="10" presetClass="entr" presetSubtype="0" fill="hold" grpId="0" nodeType="clickEffect">
+                                  <p:stCondLst>
+                                    <p:cond delay="0"/>
+                                  </p:stCondLst>
+                                  <p:childTnLst>
+                                    <p:set>
+                                      <p:cBhvr>
+                                        <p:cTn id="6" dur="1" fill="hold">
+                                          <p:stCondLst>
+                                            <p:cond delay="0"/>
+                                          </p:stCondLst>
+                                        </p:cTn>
+                                        <p:tgtEl>
+                                          <p:spTgt spid="6"/>
+                                        </p:tgtEl>
+                                        <p:attrNameLst>
+                                          <p:attrName>style.visibility</p:attrName>
+                                        </p:attrNameLst>
+                                      </p:cBhvr>
+                                      <p:to>
+                                        <p:strVal val="visible"/>
+                                      </p:to>
+                                    </p:set>
+                                    <p:animEffect transition="in" filter="fade">
+                                      <p:cBhvr>
+                                        <p:cTn id="7" dur="500"/>
+                                        <p:tgtEl>
+                                          <p:spTgt spid="6"/>
+                                        </p:tgtEl>
+                                      </p:cBhvr>
+                                    </p:animEffect>
+                                  </p:childTnLst>
+                                </p:cTn>
+                              </p:par>
+                            </p:childTnLst>
+                          </p:cTn>
+                        </p:par>
+                      </p:childTnLst>
+                    </p:cTn>
+                  </p:par>
+                </p:childTnLst>
+              </p:cTn>
+              <p:prevCondLst>
+                <p:cond evt="onPrev" delay="0">
+                  <p:tgtEl>
+                    <p:sldTgt/>
+                  </p:tgtEl>
+                </p:cond>
+              </p:prevCondLst>
+              <p:nextCondLst>
+                <p:cond evt="onNext" delay="0">
+                  <p:tgtEl>
+                    <p:sldTgt/>
+                  </p:tgtEl>
+                </p:cond>
+              </p:nextCondLst>
+            </p:seq>
+          </p:childTnLst>
+        </p:cTn>
+      </p:par>
+    </p:tnLst>
+    <p:bldLst>
+      <p:bldP spid="6" grpId="0"/>
+    </p:bldLst>
+  </p:timing>
+</p:sld>
+</file>
+
+<file path=ppt/slides/slide11.xml><?xml version="1.0" encoding="utf-8"?>
+<p:sld xmlns:a="http://schemas.openxmlformats.org/drawingml/2006/main" xmlns:r="http://schemas.openxmlformats.org/officeDocument/2006/relationships" xmlns:p="http://schemas.openxmlformats.org/presentationml/2006/main">
+  <p:cSld>
+    <p:spTree>
+      <p:nvGrpSpPr>
+        <p:cNvPr id="1" name=""/>
+        <p:cNvGrpSpPr/>
+        <p:nvPr/>
+      </p:nvGrpSpPr>
+      <p:grpSpPr>
+        <a:xfrm>
+          <a:off x="0" y="0"/>
+          <a:ext cx="0" cy="0"/>
+          <a:chOff x="0" y="0"/>
+          <a:chExt cx="0" cy="0"/>
+        </a:xfrm>
+      </p:grpSpPr>
+      <p:sp>
+        <p:nvSpPr>
+          <p:cNvPr id="2" name="제목 1"/>
+          <p:cNvSpPr>
+            <a:spLocks noGrp="1"/>
+          </p:cNvSpPr>
+          <p:nvPr>
+            <p:ph type="ctrTitle"/>
+          </p:nvPr>
+        </p:nvSpPr>
+        <p:spPr>
+          <a:xfrm>
+            <a:off x="685800" y="1340768"/>
+            <a:ext cx="7772400" cy="1470025"/>
+          </a:xfrm>
+        </p:spPr>
+        <p:txBody>
+          <a:bodyPr/>
+          <a:lstStyle/>
+          <a:p>
+            <a:r>
+              <a:rPr lang="ko-KR" altLang="en-US" dirty="0">
+                <a:latin typeface="배달의민족 주아" pitchFamily="18" charset="-127"/>
+                <a:ea typeface="배달의민족 주아" pitchFamily="18" charset="-127"/>
+              </a:rPr>
+              <a:t>비교연산</a:t>
+            </a:r>
+          </a:p>
+        </p:txBody>
+      </p:sp>
+      <p:sp>
+        <p:nvSpPr>
+          <p:cNvPr id="3" name="TextBox 2"/>
+          <p:cNvSpPr txBox="1"/>
+          <p:nvPr/>
+        </p:nvSpPr>
+        <p:spPr>
+          <a:xfrm>
+            <a:off x="6588224" y="6165304"/>
+            <a:ext cx="1838965" cy="369332"/>
+          </a:xfrm>
+          <a:prstGeom prst="rect">
+            <a:avLst/>
+          </a:prstGeom>
+          <a:noFill/>
+        </p:spPr>
+        <p:txBody>
+          <a:bodyPr wrap="none" rtlCol="0">
+            <a:spAutoFit/>
+          </a:bodyPr>
+          <a:lstStyle/>
+          <a:p>
+            <a:r>
+              <a:rPr lang="en-US" altLang="ko-KR" dirty="0">
+                <a:solidFill>
+                  <a:schemeClr val="accent5"/>
+                </a:solidFill>
+                <a:latin typeface="배달의민족 도현" pitchFamily="50" charset="-127"/>
+                <a:ea typeface="배달의민족 도현" pitchFamily="50" charset="-127"/>
+              </a:rPr>
+              <a:t>S</a:t>
+            </a:r>
+            <a:r>
+              <a:rPr lang="en-US" altLang="ko-KR" dirty="0">
+                <a:latin typeface="배달의민족 도현" pitchFamily="50" charset="-127"/>
+                <a:ea typeface="배달의민족 도현" pitchFamily="50" charset="-127"/>
+              </a:rPr>
+              <a:t>TART</a:t>
+            </a:r>
+            <a:r>
+              <a:rPr lang="en-US" altLang="ko-KR" dirty="0">
+                <a:solidFill>
+                  <a:schemeClr val="accent5"/>
+                </a:solidFill>
+                <a:latin typeface="배달의민족 도현" pitchFamily="50" charset="-127"/>
+                <a:ea typeface="배달의민족 도현" pitchFamily="50" charset="-127"/>
+              </a:rPr>
+              <a:t>C</a:t>
+            </a:r>
+            <a:r>
+              <a:rPr lang="en-US" altLang="ko-KR" dirty="0">
+                <a:latin typeface="배달의민족 도현" pitchFamily="50" charset="-127"/>
+                <a:ea typeface="배달의민족 도현" pitchFamily="50" charset="-127"/>
+              </a:rPr>
+              <a:t>ODING</a:t>
+            </a:r>
+            <a:endParaRPr lang="ko-KR" altLang="en-US" dirty="0">
+              <a:latin typeface="배달의민족 도현" pitchFamily="50" charset="-127"/>
+              <a:ea typeface="배달의민족 도현" pitchFamily="50" charset="-127"/>
+            </a:endParaRPr>
+          </a:p>
+        </p:txBody>
+      </p:sp>
+      <p:pic>
+        <p:nvPicPr>
+          <p:cNvPr id="5" name="Picture 3" descr="C:\Users\Administrator\Downloads\free-icon-shirt-892458.png"/>
+          <p:cNvPicPr>
+            <a:picLocks noChangeAspect="1" noChangeArrowheads="1"/>
+          </p:cNvPicPr>
+          <p:nvPr/>
+        </p:nvPicPr>
+        <p:blipFill>
+          <a:blip r:embed="rId2" cstate="print">
+            <a:extLst>
+              <a:ext uri="{28A0092B-C50C-407E-A947-70E740481C1C}">
+                <a14:useLocalDpi xmlns:a14="http://schemas.microsoft.com/office/drawing/2010/main" val="0"/>
+              </a:ext>
+            </a:extLst>
+          </a:blip>
+          <a:srcRect/>
+          <a:stretch>
+            <a:fillRect/>
+          </a:stretch>
+        </p:blipFill>
+        <p:spPr bwMode="auto">
+          <a:xfrm>
+            <a:off x="3131840" y="3100098"/>
+            <a:ext cx="800125" cy="800125"/>
+          </a:xfrm>
+          <a:prstGeom prst="rect">
+            <a:avLst/>
+          </a:prstGeom>
+          <a:noFill/>
+          <a:extLst>
+            <a:ext uri="{909E8E84-426E-40DD-AFC4-6F175D3DCCD1}">
+              <a14:hiddenFill xmlns:a14="http://schemas.microsoft.com/office/drawing/2010/main">
+                <a:solidFill>
+                  <a:srgbClr val="FFFFFF"/>
+                </a:solidFill>
+              </a14:hiddenFill>
+            </a:ext>
+          </a:extLst>
+        </p:spPr>
+      </p:pic>
+      <p:pic>
+        <p:nvPicPr>
+          <p:cNvPr id="6" name="Picture 2" descr="C:\Users\Administrator\Downloads\free-icon-shirt-941419.png"/>
+          <p:cNvPicPr>
+            <a:picLocks noChangeAspect="1" noChangeArrowheads="1"/>
+          </p:cNvPicPr>
+          <p:nvPr/>
+        </p:nvPicPr>
+        <p:blipFill>
+          <a:blip r:embed="rId3" cstate="print">
+            <a:extLst>
+              <a:ext uri="{28A0092B-C50C-407E-A947-70E740481C1C}">
+                <a14:useLocalDpi xmlns:a14="http://schemas.microsoft.com/office/drawing/2010/main" val="0"/>
+              </a:ext>
+            </a:extLst>
+          </a:blip>
+          <a:srcRect/>
+          <a:stretch>
+            <a:fillRect/>
+          </a:stretch>
+        </p:blipFill>
+        <p:spPr bwMode="auto">
+          <a:xfrm>
+            <a:off x="5151622" y="3068960"/>
+            <a:ext cx="860538" cy="860538"/>
+          </a:xfrm>
+          <a:prstGeom prst="rect">
+            <a:avLst/>
+          </a:prstGeom>
+          <a:noFill/>
+          <a:extLst>
+            <a:ext uri="{909E8E84-426E-40DD-AFC4-6F175D3DCCD1}">
+              <a14:hiddenFill xmlns:a14="http://schemas.microsoft.com/office/drawing/2010/main">
+                <a:solidFill>
+                  <a:srgbClr val="FFFFFF"/>
+                </a:solidFill>
+              </a14:hiddenFill>
+            </a:ext>
+          </a:extLst>
+        </p:spPr>
+      </p:pic>
+      <p:sp>
+        <p:nvSpPr>
+          <p:cNvPr id="7" name="제목 1"/>
+          <p:cNvSpPr txBox="1">
+            <a:spLocks/>
+          </p:cNvSpPr>
+          <p:nvPr/>
+        </p:nvSpPr>
+        <p:spPr>
+          <a:xfrm>
+            <a:off x="674964" y="2852936"/>
+            <a:ext cx="7772400" cy="1470025"/>
+          </a:xfrm>
+          <a:prstGeom prst="rect">
+            <a:avLst/>
+          </a:prstGeom>
+        </p:spPr>
+        <p:txBody>
+          <a:bodyPr vert="horz" lIns="91440" tIns="45720" rIns="91440" bIns="45720" rtlCol="0" anchor="ctr">
+            <a:normAutofit/>
+          </a:bodyPr>
+          <a:lstStyle>
+            <a:lvl1pPr algn="ctr" defTabSz="914400" rtl="0" eaLnBrk="1" latinLnBrk="1" hangingPunct="1">
+              <a:spcBef>
+                <a:spcPct val="0"/>
+              </a:spcBef>
+              <a:buNone/>
+              <a:defRPr sz="4400" kern="1200">
+                <a:solidFill>
+                  <a:schemeClr val="tx1"/>
+                </a:solidFill>
+                <a:latin typeface="+mj-lt"/>
+                <a:ea typeface="+mj-ea"/>
+                <a:cs typeface="+mj-cs"/>
+              </a:defRPr>
+            </a:lvl1pPr>
+          </a:lstStyle>
+          <a:p>
+            <a:r>
+              <a:rPr lang="en-US" altLang="ko-KR" dirty="0">
+                <a:latin typeface="배달의민족 주아" pitchFamily="18" charset="-127"/>
+                <a:ea typeface="배달의민족 주아" pitchFamily="18" charset="-127"/>
+              </a:rPr>
+              <a:t>?</a:t>
+            </a:r>
+            <a:endParaRPr lang="ko-KR" altLang="en-US" dirty="0">
+              <a:latin typeface="배달의민족 주아" pitchFamily="18" charset="-127"/>
+              <a:ea typeface="배달의민족 주아" pitchFamily="18" charset="-127"/>
+            </a:endParaRPr>
+          </a:p>
+        </p:txBody>
+      </p:sp>
+      <p:sp>
+        <p:nvSpPr>
+          <p:cNvPr id="8" name="직사각형 7"/>
+          <p:cNvSpPr/>
+          <p:nvPr/>
+        </p:nvSpPr>
+        <p:spPr>
+          <a:xfrm>
+            <a:off x="107504" y="116632"/>
+            <a:ext cx="2592288" cy="369332"/>
+          </a:xfrm>
+          <a:prstGeom prst="rect">
+            <a:avLst/>
+          </a:prstGeom>
+        </p:spPr>
+        <p:txBody>
+          <a:bodyPr wrap="square">
+            <a:spAutoFit/>
+          </a:bodyPr>
+          <a:lstStyle/>
+          <a:p>
+            <a:r>
+              <a:rPr lang="en-US" altLang="ko-KR" dirty="0">
+                <a:latin typeface="배달의민족 주아" pitchFamily="18" charset="-127"/>
+                <a:ea typeface="배달의민족 주아" pitchFamily="18" charset="-127"/>
+              </a:rPr>
+              <a:t>3. </a:t>
+            </a:r>
+            <a:r>
+              <a:rPr lang="ko-KR" altLang="en-US" dirty="0">
+                <a:latin typeface="배달의민족 주아" pitchFamily="18" charset="-127"/>
+                <a:ea typeface="배달의민족 주아" pitchFamily="18" charset="-127"/>
+              </a:rPr>
+              <a:t>비교연산</a:t>
+            </a:r>
+            <a:endParaRPr lang="ko-KR" altLang="en-US" dirty="0"/>
+          </a:p>
+        </p:txBody>
+      </p:sp>
+      <p:sp>
+        <p:nvSpPr>
+          <p:cNvPr id="9" name="제목 1">
+            <a:extLst>
+              <a:ext uri="{FF2B5EF4-FFF2-40B4-BE49-F238E27FC236}">
+                <a16:creationId xmlns:a16="http://schemas.microsoft.com/office/drawing/2014/main" id="{9B3A82BD-509B-47DE-A15C-0D9B6F115EC3}"/>
+              </a:ext>
+            </a:extLst>
+          </p:cNvPr>
+          <p:cNvSpPr txBox="1">
+            <a:spLocks/>
+          </p:cNvSpPr>
+          <p:nvPr/>
+        </p:nvSpPr>
+        <p:spPr>
+          <a:xfrm>
+            <a:off x="685800" y="4039466"/>
+            <a:ext cx="7772400" cy="1470025"/>
+          </a:xfrm>
+          <a:prstGeom prst="rect">
+            <a:avLst/>
+          </a:prstGeom>
+        </p:spPr>
+        <p:txBody>
+          <a:bodyPr vert="horz" lIns="91440" tIns="45720" rIns="91440" bIns="45720" rtlCol="0" anchor="ctr">
+            <a:normAutofit/>
+          </a:bodyPr>
+          <a:lstStyle>
+            <a:lvl1pPr algn="ctr" defTabSz="914400" rtl="0" eaLnBrk="1" latinLnBrk="1" hangingPunct="1">
+              <a:spcBef>
+                <a:spcPct val="0"/>
+              </a:spcBef>
+              <a:buNone/>
+              <a:defRPr sz="4400" kern="1200">
+                <a:solidFill>
+                  <a:schemeClr val="tx1"/>
+                </a:solidFill>
+                <a:latin typeface="+mj-lt"/>
+                <a:ea typeface="+mj-ea"/>
+                <a:cs typeface="+mj-cs"/>
+              </a:defRPr>
+            </a:lvl1pPr>
+          </a:lstStyle>
+          <a:p>
+            <a:r>
+              <a:rPr lang="ko-KR" altLang="en-US" i="1" dirty="0">
+                <a:latin typeface="배달의민족 주아" pitchFamily="18" charset="-127"/>
+                <a:ea typeface="문체부 바탕체" panose="02030609000101010101" pitchFamily="17" charset="-127"/>
+              </a:rPr>
+              <a:t>어떤 게 더 비싸지</a:t>
+            </a:r>
+            <a:r>
+              <a:rPr lang="en-US" altLang="ko-KR" i="1" dirty="0">
+                <a:latin typeface="배달의민족 주아" pitchFamily="18" charset="-127"/>
+                <a:ea typeface="문체부 바탕체" panose="02030609000101010101" pitchFamily="17" charset="-127"/>
+              </a:rPr>
+              <a:t>?</a:t>
+            </a:r>
+            <a:endParaRPr lang="ko-KR" altLang="en-US" i="1" dirty="0">
+              <a:latin typeface="배달의민족 주아" pitchFamily="18" charset="-127"/>
+              <a:ea typeface="문체부 바탕체" panose="02030609000101010101" pitchFamily="17" charset="-127"/>
+            </a:endParaRPr>
+          </a:p>
+        </p:txBody>
+      </p:sp>
+    </p:spTree>
+    <p:extLst>
+      <p:ext uri="{BB962C8B-B14F-4D97-AF65-F5344CB8AC3E}">
+        <p14:creationId xmlns:p14="http://schemas.microsoft.com/office/powerpoint/2010/main" val="1463895024"/>
+      </p:ext>
+    </p:extLst>
+  </p:cSld>
+  <p:clrMapOvr>
+    <a:masterClrMapping/>
+  </p:clrMapOvr>
+</p:sld>
+</file>
+
+<file path=ppt/slides/slide12.xml><?xml version="1.0" encoding="utf-8"?>
+<p:sld xmlns:a="http://schemas.openxmlformats.org/drawingml/2006/main" xmlns:r="http://schemas.openxmlformats.org/officeDocument/2006/relationships" xmlns:p="http://schemas.openxmlformats.org/presentationml/2006/main">
+  <p:cSld>
+    <p:spTree>
+      <p:nvGrpSpPr>
+        <p:cNvPr id="1" name=""/>
+        <p:cNvGrpSpPr/>
+        <p:nvPr/>
+      </p:nvGrpSpPr>
+      <p:grpSpPr>
+        <a:xfrm>
+          <a:off x="0" y="0"/>
+          <a:ext cx="0" cy="0"/>
+          <a:chOff x="0" y="0"/>
+          <a:chExt cx="0" cy="0"/>
+        </a:xfrm>
+      </p:grpSpPr>
+      <p:sp>
+        <p:nvSpPr>
+          <p:cNvPr id="2" name="제목 1"/>
+          <p:cNvSpPr>
+            <a:spLocks noGrp="1"/>
+          </p:cNvSpPr>
+          <p:nvPr>
+            <p:ph type="ctrTitle"/>
+          </p:nvPr>
+        </p:nvSpPr>
+        <p:spPr>
+          <a:xfrm>
+            <a:off x="685800" y="1340768"/>
+            <a:ext cx="7772400" cy="1470025"/>
+          </a:xfrm>
+        </p:spPr>
+        <p:txBody>
+          <a:bodyPr/>
+          <a:lstStyle/>
+          <a:p>
+            <a:r>
+              <a:rPr lang="ko-KR" altLang="en-US" dirty="0">
+                <a:latin typeface="배달의민족 주아" pitchFamily="18" charset="-127"/>
+                <a:ea typeface="배달의민족 주아" pitchFamily="18" charset="-127"/>
+              </a:rPr>
+              <a:t>비교연산</a:t>
+            </a:r>
+          </a:p>
+        </p:txBody>
+      </p:sp>
+      <p:sp>
+        <p:nvSpPr>
+          <p:cNvPr id="3" name="TextBox 2"/>
+          <p:cNvSpPr txBox="1"/>
+          <p:nvPr/>
+        </p:nvSpPr>
+        <p:spPr>
+          <a:xfrm>
+            <a:off x="6588224" y="6165304"/>
+            <a:ext cx="1838965" cy="369332"/>
+          </a:xfrm>
+          <a:prstGeom prst="rect">
+            <a:avLst/>
+          </a:prstGeom>
+          <a:noFill/>
+        </p:spPr>
+        <p:txBody>
+          <a:bodyPr wrap="none" rtlCol="0">
+            <a:spAutoFit/>
+          </a:bodyPr>
+          <a:lstStyle/>
+          <a:p>
+            <a:r>
+              <a:rPr lang="en-US" altLang="ko-KR" dirty="0">
+                <a:solidFill>
+                  <a:schemeClr val="accent5"/>
+                </a:solidFill>
+                <a:latin typeface="배달의민족 도현" pitchFamily="50" charset="-127"/>
+                <a:ea typeface="배달의민족 도현" pitchFamily="50" charset="-127"/>
+              </a:rPr>
+              <a:t>S</a:t>
+            </a:r>
+            <a:r>
+              <a:rPr lang="en-US" altLang="ko-KR" dirty="0">
+                <a:latin typeface="배달의민족 도현" pitchFamily="50" charset="-127"/>
+                <a:ea typeface="배달의민족 도현" pitchFamily="50" charset="-127"/>
+              </a:rPr>
+              <a:t>TART</a:t>
+            </a:r>
+            <a:r>
+              <a:rPr lang="en-US" altLang="ko-KR" dirty="0">
+                <a:solidFill>
+                  <a:schemeClr val="accent5"/>
+                </a:solidFill>
+                <a:latin typeface="배달의민족 도현" pitchFamily="50" charset="-127"/>
+                <a:ea typeface="배달의민족 도현" pitchFamily="50" charset="-127"/>
+              </a:rPr>
+              <a:t>C</a:t>
+            </a:r>
+            <a:r>
+              <a:rPr lang="en-US" altLang="ko-KR" dirty="0">
+                <a:latin typeface="배달의민족 도현" pitchFamily="50" charset="-127"/>
+                <a:ea typeface="배달의민족 도현" pitchFamily="50" charset="-127"/>
+              </a:rPr>
+              <a:t>ODING</a:t>
+            </a:r>
+            <a:endParaRPr lang="ko-KR" altLang="en-US" dirty="0">
+              <a:latin typeface="배달의민족 도현" pitchFamily="50" charset="-127"/>
+              <a:ea typeface="배달의민족 도현" pitchFamily="50" charset="-127"/>
+            </a:endParaRPr>
+          </a:p>
+        </p:txBody>
+      </p:sp>
+      <p:graphicFrame>
+        <p:nvGraphicFramePr>
+          <p:cNvPr id="4" name="표 3"/>
+          <p:cNvGraphicFramePr>
+            <a:graphicFrameLocks noGrp="1"/>
+          </p:cNvGraphicFramePr>
+          <p:nvPr>
+            <p:extLst>
+              <p:ext uri="{D42A27DB-BD31-4B8C-83A1-F6EECF244321}">
+                <p14:modId xmlns:p14="http://schemas.microsoft.com/office/powerpoint/2010/main" val="3721668856"/>
+              </p:ext>
+            </p:extLst>
+          </p:nvPr>
+        </p:nvGraphicFramePr>
+        <p:xfrm>
+          <a:off x="1547664" y="2636912"/>
+          <a:ext cx="6096000" cy="2595880"/>
+        </p:xfrm>
+        <a:graphic>
+          <a:graphicData uri="http://schemas.openxmlformats.org/drawingml/2006/table">
+            <a:tbl>
+              <a:tblPr firstRow="1" bandRow="1">
+                <a:tableStyleId>{5C22544A-7EE6-4342-B048-85BDC9FD1C3A}</a:tableStyleId>
+              </a:tblPr>
+              <a:tblGrid>
+                <a:gridCol w="3048000">
+                  <a:extLst>
+                    <a:ext uri="{9D8B030D-6E8A-4147-A177-3AD203B41FA5}">
+                      <a16:colId xmlns:a16="http://schemas.microsoft.com/office/drawing/2014/main" val="20000"/>
+                    </a:ext>
+                  </a:extLst>
+                </a:gridCol>
+                <a:gridCol w="3048000">
+                  <a:extLst>
+                    <a:ext uri="{9D8B030D-6E8A-4147-A177-3AD203B41FA5}">
+                      <a16:colId xmlns:a16="http://schemas.microsoft.com/office/drawing/2014/main" val="20001"/>
+                    </a:ext>
+                  </a:extLst>
+                </a:gridCol>
+              </a:tblGrid>
+              <a:tr h="370840">
+                <a:tc>
+                  <a:txBody>
+                    <a:bodyPr/>
+                    <a:lstStyle/>
+                    <a:p>
+                      <a:pPr algn="ctr" latinLnBrk="1"/>
+                      <a:r>
+                        <a:rPr lang="ko-KR" altLang="en-US" dirty="0"/>
+                        <a:t>연산자</a:t>
+                      </a:r>
+                      <a:r>
+                        <a:rPr lang="en-US" altLang="ko-KR" dirty="0"/>
+                        <a:t>(</a:t>
+                      </a:r>
+                      <a:r>
+                        <a:rPr lang="ko-KR" altLang="en-US" dirty="0"/>
+                        <a:t>연산기호</a:t>
+                      </a:r>
+                      <a:r>
+                        <a:rPr lang="en-US" altLang="ko-KR" dirty="0"/>
+                        <a:t>)</a:t>
+                      </a:r>
+                      <a:endParaRPr lang="ko-KR" altLang="en-US" dirty="0"/>
+                    </a:p>
+                  </a:txBody>
+                  <a:tcPr/>
+                </a:tc>
+                <a:tc>
+                  <a:txBody>
+                    <a:bodyPr/>
+                    <a:lstStyle/>
+                    <a:p>
+                      <a:pPr algn="ctr" latinLnBrk="1"/>
+                      <a:r>
+                        <a:rPr lang="ko-KR" altLang="en-US" dirty="0"/>
+                        <a:t>설명</a:t>
+                      </a:r>
+                      <a:r>
+                        <a:rPr lang="en-US" altLang="ko-KR" dirty="0"/>
+                        <a:t>(</a:t>
+                      </a:r>
+                      <a:r>
+                        <a:rPr lang="ko-KR" altLang="en-US" dirty="0"/>
+                        <a:t>왼쪽이 오른쪽보다</a:t>
+                      </a:r>
+                      <a:r>
+                        <a:rPr lang="en-US" altLang="ko-KR" dirty="0"/>
+                        <a:t>)</a:t>
+                      </a:r>
+                      <a:endParaRPr lang="ko-KR" altLang="en-US" dirty="0"/>
+                    </a:p>
+                  </a:txBody>
+                  <a:tcPr/>
+                </a:tc>
+                <a:extLst>
+                  <a:ext uri="{0D108BD9-81ED-4DB2-BD59-A6C34878D82A}">
+                    <a16:rowId xmlns:a16="http://schemas.microsoft.com/office/drawing/2014/main" val="10000"/>
+                  </a:ext>
+                </a:extLst>
+              </a:tr>
+              <a:tr h="370840">
+                <a:tc>
+                  <a:txBody>
+                    <a:bodyPr/>
+                    <a:lstStyle/>
+                    <a:p>
+                      <a:pPr algn="ctr" latinLnBrk="1"/>
+                      <a:r>
+                        <a:rPr lang="en-US" altLang="ko-KR" dirty="0"/>
+                        <a:t>&gt;</a:t>
+                      </a:r>
+                      <a:endParaRPr lang="ko-KR" altLang="en-US" dirty="0"/>
+                    </a:p>
+                  </a:txBody>
+                  <a:tcPr/>
+                </a:tc>
+                <a:tc>
+                  <a:txBody>
+                    <a:bodyPr/>
+                    <a:lstStyle/>
+                    <a:p>
+                      <a:pPr algn="ctr" latinLnBrk="1"/>
+                      <a:r>
+                        <a:rPr lang="ko-KR" altLang="en-US" dirty="0"/>
+                        <a:t>크다</a:t>
+                      </a:r>
+                    </a:p>
+                  </a:txBody>
+                  <a:tcPr/>
+                </a:tc>
+                <a:extLst>
+                  <a:ext uri="{0D108BD9-81ED-4DB2-BD59-A6C34878D82A}">
+                    <a16:rowId xmlns:a16="http://schemas.microsoft.com/office/drawing/2014/main" val="10001"/>
+                  </a:ext>
+                </a:extLst>
+              </a:tr>
+              <a:tr h="370840">
+                <a:tc>
+                  <a:txBody>
+                    <a:bodyPr/>
+                    <a:lstStyle/>
+                    <a:p>
+                      <a:pPr algn="ctr" latinLnBrk="1"/>
+                      <a:r>
+                        <a:rPr lang="en-US" altLang="ko-KR" dirty="0"/>
+                        <a:t>&lt;</a:t>
+                      </a:r>
+                      <a:endParaRPr lang="ko-KR" altLang="en-US" dirty="0"/>
+                    </a:p>
+                  </a:txBody>
+                  <a:tcPr/>
+                </a:tc>
+                <a:tc>
+                  <a:txBody>
+                    <a:bodyPr/>
+                    <a:lstStyle/>
+                    <a:p>
+                      <a:pPr algn="ctr" latinLnBrk="1"/>
+                      <a:r>
+                        <a:rPr lang="ko-KR" altLang="en-US" dirty="0"/>
+                        <a:t>작다</a:t>
+                      </a:r>
+                    </a:p>
+                  </a:txBody>
+                  <a:tcPr/>
+                </a:tc>
+                <a:extLst>
+                  <a:ext uri="{0D108BD9-81ED-4DB2-BD59-A6C34878D82A}">
+                    <a16:rowId xmlns:a16="http://schemas.microsoft.com/office/drawing/2014/main" val="10002"/>
+                  </a:ext>
+                </a:extLst>
+              </a:tr>
+              <a:tr h="370840">
+                <a:tc>
+                  <a:txBody>
+                    <a:bodyPr/>
+                    <a:lstStyle/>
+                    <a:p>
+                      <a:pPr algn="ctr" latinLnBrk="1"/>
+                      <a:r>
+                        <a:rPr lang="en-US" altLang="ko-KR" dirty="0"/>
+                        <a:t>&gt;=</a:t>
+                      </a:r>
+                      <a:endParaRPr lang="ko-KR" altLang="en-US" dirty="0"/>
+                    </a:p>
+                  </a:txBody>
+                  <a:tcPr/>
+                </a:tc>
+                <a:tc>
+                  <a:txBody>
+                    <a:bodyPr/>
+                    <a:lstStyle/>
+                    <a:p>
+                      <a:pPr algn="ctr" latinLnBrk="1"/>
+                      <a:r>
+                        <a:rPr lang="ko-KR" altLang="en-US" dirty="0"/>
+                        <a:t>크거나 같다</a:t>
+                      </a:r>
+                    </a:p>
+                  </a:txBody>
+                  <a:tcPr/>
+                </a:tc>
+                <a:extLst>
+                  <a:ext uri="{0D108BD9-81ED-4DB2-BD59-A6C34878D82A}">
+                    <a16:rowId xmlns:a16="http://schemas.microsoft.com/office/drawing/2014/main" val="10003"/>
+                  </a:ext>
+                </a:extLst>
+              </a:tr>
+              <a:tr h="370840">
+                <a:tc>
+                  <a:txBody>
+                    <a:bodyPr/>
+                    <a:lstStyle/>
+                    <a:p>
+                      <a:pPr algn="ctr" latinLnBrk="1"/>
+                      <a:r>
+                        <a:rPr lang="en-US" altLang="ko-KR" dirty="0"/>
+                        <a:t>&lt;=</a:t>
+                      </a:r>
+                      <a:endParaRPr lang="ko-KR" altLang="en-US" dirty="0"/>
+                    </a:p>
+                  </a:txBody>
+                  <a:tcPr/>
+                </a:tc>
+                <a:tc>
+                  <a:txBody>
+                    <a:bodyPr/>
+                    <a:lstStyle/>
+                    <a:p>
+                      <a:pPr algn="ctr" latinLnBrk="1"/>
+                      <a:r>
+                        <a:rPr lang="ko-KR" altLang="en-US" dirty="0"/>
+                        <a:t>작거나 같다</a:t>
+                      </a:r>
+                    </a:p>
+                  </a:txBody>
+                  <a:tcPr/>
+                </a:tc>
+                <a:extLst>
+                  <a:ext uri="{0D108BD9-81ED-4DB2-BD59-A6C34878D82A}">
+                    <a16:rowId xmlns:a16="http://schemas.microsoft.com/office/drawing/2014/main" val="10004"/>
+                  </a:ext>
+                </a:extLst>
+              </a:tr>
+              <a:tr h="370840">
+                <a:tc>
+                  <a:txBody>
+                    <a:bodyPr/>
+                    <a:lstStyle/>
+                    <a:p>
+                      <a:pPr algn="ctr" latinLnBrk="1"/>
+                      <a:r>
+                        <a:rPr lang="en-US" altLang="ko-KR" dirty="0"/>
+                        <a:t>==</a:t>
+                      </a:r>
+                      <a:endParaRPr lang="ko-KR" altLang="en-US" dirty="0"/>
+                    </a:p>
+                  </a:txBody>
+                  <a:tcPr/>
+                </a:tc>
+                <a:tc>
+                  <a:txBody>
+                    <a:bodyPr/>
+                    <a:lstStyle/>
+                    <a:p>
+                      <a:pPr algn="ctr" latinLnBrk="1"/>
+                      <a:r>
+                        <a:rPr lang="ko-KR" altLang="en-US" dirty="0"/>
+                        <a:t>같다</a:t>
+                      </a:r>
+                    </a:p>
+                  </a:txBody>
+                  <a:tcPr/>
+                </a:tc>
+                <a:extLst>
+                  <a:ext uri="{0D108BD9-81ED-4DB2-BD59-A6C34878D82A}">
+                    <a16:rowId xmlns:a16="http://schemas.microsoft.com/office/drawing/2014/main" val="10005"/>
+                  </a:ext>
+                </a:extLst>
+              </a:tr>
+              <a:tr h="370840">
+                <a:tc>
+                  <a:txBody>
+                    <a:bodyPr/>
+                    <a:lstStyle/>
+                    <a:p>
+                      <a:pPr algn="ctr" latinLnBrk="1"/>
+                      <a:r>
+                        <a:rPr lang="en-US" altLang="ko-KR" dirty="0"/>
+                        <a:t>!=</a:t>
+                      </a:r>
+                      <a:endParaRPr lang="ko-KR" altLang="en-US" dirty="0"/>
+                    </a:p>
+                  </a:txBody>
+                  <a:tcPr/>
+                </a:tc>
+                <a:tc>
+                  <a:txBody>
+                    <a:bodyPr/>
+                    <a:lstStyle/>
+                    <a:p>
+                      <a:pPr algn="ctr" latinLnBrk="1"/>
+                      <a:r>
+                        <a:rPr lang="ko-KR" altLang="en-US" dirty="0"/>
+                        <a:t>다르다</a:t>
+                      </a:r>
+                    </a:p>
+                  </a:txBody>
+                  <a:tcPr/>
+                </a:tc>
+                <a:extLst>
+                  <a:ext uri="{0D108BD9-81ED-4DB2-BD59-A6C34878D82A}">
+                    <a16:rowId xmlns:a16="http://schemas.microsoft.com/office/drawing/2014/main" val="10006"/>
+                  </a:ext>
+                </a:extLst>
+              </a:tr>
+            </a:tbl>
+          </a:graphicData>
+        </a:graphic>
+      </p:graphicFrame>
+      <p:sp>
+        <p:nvSpPr>
+          <p:cNvPr id="5" name="직사각형 4"/>
+          <p:cNvSpPr/>
+          <p:nvPr/>
+        </p:nvSpPr>
+        <p:spPr>
+          <a:xfrm>
+            <a:off x="107504" y="116632"/>
+            <a:ext cx="2592288" cy="369332"/>
+          </a:xfrm>
+          <a:prstGeom prst="rect">
+            <a:avLst/>
+          </a:prstGeom>
+        </p:spPr>
+        <p:txBody>
+          <a:bodyPr wrap="square">
+            <a:spAutoFit/>
+          </a:bodyPr>
+          <a:lstStyle/>
+          <a:p>
+            <a:r>
+              <a:rPr lang="en-US" altLang="ko-KR" dirty="0">
+                <a:latin typeface="배달의민족 주아" pitchFamily="18" charset="-127"/>
+                <a:ea typeface="배달의민족 주아" pitchFamily="18" charset="-127"/>
+              </a:rPr>
+              <a:t>3. </a:t>
+            </a:r>
+            <a:r>
+              <a:rPr lang="ko-KR" altLang="en-US" dirty="0">
+                <a:latin typeface="배달의민족 주아" pitchFamily="18" charset="-127"/>
+                <a:ea typeface="배달의민족 주아" pitchFamily="18" charset="-127"/>
+              </a:rPr>
+              <a:t>비교연산</a:t>
+            </a:r>
+            <a:endParaRPr lang="ko-KR" altLang="en-US" dirty="0"/>
+          </a:p>
+        </p:txBody>
+      </p:sp>
+    </p:spTree>
+    <p:extLst>
+      <p:ext uri="{BB962C8B-B14F-4D97-AF65-F5344CB8AC3E}">
+        <p14:creationId xmlns:p14="http://schemas.microsoft.com/office/powerpoint/2010/main" val="688092413"/>
+      </p:ext>
+    </p:extLst>
+  </p:cSld>
+  <p:clrMapOvr>
+    <a:masterClrMapping/>
+  </p:clrMapOvr>
+  <p:timing>
+    <p:tnLst>
+      <p:par>
+        <p:cTn id="1" dur="indefinite" restart="never" nodeType="tmRoot">
+          <p:childTnLst>
+            <p:seq concurrent="1" nextAc="seek">
+              <p:cTn id="2" dur="indefinite" nodeType="mainSeq">
+                <p:childTnLst>
+                  <p:par>
+                    <p:cTn id="3" fill="hold">
+                      <p:stCondLst>
+                        <p:cond delay="indefinite"/>
+                      </p:stCondLst>
+                      <p:childTnLst>
+                        <p:par>
+                          <p:cTn id="4" fill="hold">
+                            <p:stCondLst>
+                              <p:cond delay="0"/>
+                            </p:stCondLst>
+                            <p:childTnLst>
+                              <p:par>
+                                <p:cTn id="5" presetID="10" presetClass="entr" presetSubtype="0" fill="hold" nodeType="clickEffect">
+                                  <p:stCondLst>
+                                    <p:cond delay="0"/>
+                                  </p:stCondLst>
+                                  <p:childTnLst>
+                                    <p:set>
+                                      <p:cBhvr>
+                                        <p:cTn id="6" dur="1" fill="hold">
+                                          <p:stCondLst>
+                                            <p:cond delay="0"/>
+                                          </p:stCondLst>
+                                        </p:cTn>
+                                        <p:tgtEl>
+                                          <p:spTgt spid="4"/>
+                                        </p:tgtEl>
+                                        <p:attrNameLst>
+                                          <p:attrName>style.visibility</p:attrName>
+                                        </p:attrNameLst>
+                                      </p:cBhvr>
+                                      <p:to>
+                                        <p:strVal val="visible"/>
+                                      </p:to>
+                                    </p:set>
+                                    <p:animEffect transition="in" filter="fade">
+                                      <p:cBhvr>
+                                        <p:cTn id="7" dur="500"/>
+                                        <p:tgtEl>
+                                          <p:spTgt spid="4"/>
+                                        </p:tgtEl>
+                                      </p:cBhvr>
+                                    </p:animEffect>
+                                  </p:childTnLst>
+                                </p:cTn>
+                              </p:par>
+                            </p:childTnLst>
+                          </p:cTn>
+                        </p:par>
+                      </p:childTnLst>
+                    </p:cTn>
+                  </p:par>
+                </p:childTnLst>
+              </p:cTn>
+              <p:prevCondLst>
+                <p:cond evt="onPrev" delay="0">
+                  <p:tgtEl>
+                    <p:sldTgt/>
+                  </p:tgtEl>
+                </p:cond>
+              </p:prevCondLst>
+              <p:nextCondLst>
+                <p:cond evt="onNext" delay="0">
+                  <p:tgtEl>
+                    <p:sldTgt/>
+                  </p:tgtEl>
+                </p:cond>
+              </p:nextCondLst>
+            </p:seq>
+          </p:childTnLst>
+        </p:cTn>
+      </p:par>
+    </p:tnLst>
+  </p:timing>
+</p:sld>
+</file>
+
+<file path=ppt/slides/slide13.xml><?xml version="1.0" encoding="utf-8"?>
+<p:sld xmlns:a="http://schemas.openxmlformats.org/drawingml/2006/main" xmlns:r="http://schemas.openxmlformats.org/officeDocument/2006/relationships" xmlns:p="http://schemas.openxmlformats.org/presentationml/2006/main">
+  <p:cSld>
+    <p:spTree>
+      <p:nvGrpSpPr>
+        <p:cNvPr id="1" name=""/>
+        <p:cNvGrpSpPr/>
+        <p:nvPr/>
+      </p:nvGrpSpPr>
+      <p:grpSpPr>
+        <a:xfrm>
+          <a:off x="0" y="0"/>
+          <a:ext cx="0" cy="0"/>
+          <a:chOff x="0" y="0"/>
+          <a:chExt cx="0" cy="0"/>
+        </a:xfrm>
+      </p:grpSpPr>
+      <p:sp>
+        <p:nvSpPr>
+          <p:cNvPr id="2" name="제목 1"/>
+          <p:cNvSpPr>
+            <a:spLocks noGrp="1"/>
+          </p:cNvSpPr>
+          <p:nvPr>
+            <p:ph type="ctrTitle"/>
+          </p:nvPr>
+        </p:nvSpPr>
+        <p:spPr>
+          <a:xfrm>
             <a:off x="685800" y="1340768"/>
             <a:ext cx="7772400" cy="1470025"/>
           </a:xfrm>
@@ -3753,7 +5049,7 @@
 </p:sld>
 </file>
 
-<file path=ppt/slides/slide11.xml><?xml version="1.0" encoding="utf-8"?>
+<file path=ppt/slides/slide14.xml><?xml version="1.0" encoding="utf-8"?>
 <p:sld xmlns:a="http://schemas.openxmlformats.org/drawingml/2006/main" xmlns:r="http://schemas.openxmlformats.org/officeDocument/2006/relationships" xmlns:p="http://schemas.openxmlformats.org/presentationml/2006/main">
   <p:cSld>
     <p:spTree>
@@ -4382,7 +5678,7 @@
 </p:sld>
 </file>
 
-<file path=ppt/slides/slide12.xml><?xml version="1.0" encoding="utf-8"?>
+<file path=ppt/slides/slide15.xml><?xml version="1.0" encoding="utf-8"?>
 <p:sld xmlns:a="http://schemas.openxmlformats.org/drawingml/2006/main" xmlns:r="http://schemas.openxmlformats.org/officeDocument/2006/relationships" xmlns:p="http://schemas.openxmlformats.org/presentationml/2006/main">
   <p:cSld>
     <p:spTree>
@@ -4947,7 +6243,7 @@
 </p:sld>
 </file>
 
-<file path=ppt/slides/slide13.xml><?xml version="1.0" encoding="utf-8"?>
+<file path=ppt/slides/slide16.xml><?xml version="1.0" encoding="utf-8"?>
 <p:sld xmlns:a="http://schemas.openxmlformats.org/drawingml/2006/main" xmlns:r="http://schemas.openxmlformats.org/officeDocument/2006/relationships" xmlns:p="http://schemas.openxmlformats.org/presentationml/2006/main">
   <p:cSld>
     <p:spTree>
@@ -5253,7 +6549,7 @@
 </p:sld>
 </file>
 
-<file path=ppt/slides/slide14.xml><?xml version="1.0" encoding="utf-8"?>
+<file path=ppt/slides/slide17.xml><?xml version="1.0" encoding="utf-8"?>
 <p:sld xmlns:a="http://schemas.openxmlformats.org/drawingml/2006/main" xmlns:r="http://schemas.openxmlformats.org/officeDocument/2006/relationships" xmlns:p="http://schemas.openxmlformats.org/presentationml/2006/main">
   <p:cSld>
     <p:spTree>
@@ -5904,7 +7200,7 @@
 </p:sld>
 </file>
 
-<file path=ppt/slides/slide15.xml><?xml version="1.0" encoding="utf-8"?>
+<file path=ppt/slides/slide18.xml><?xml version="1.0" encoding="utf-8"?>
 <p:sld xmlns:a="http://schemas.openxmlformats.org/drawingml/2006/main" xmlns:r="http://schemas.openxmlformats.org/officeDocument/2006/relationships" xmlns:p="http://schemas.openxmlformats.org/presentationml/2006/main">
   <p:cSld>
     <p:spTree>
@@ -6390,7 +7686,7 @@
 </p:sld>
 </file>
 
-<file path=ppt/slides/slide16.xml><?xml version="1.0" encoding="utf-8"?>
+<file path=ppt/slides/slide19.xml><?xml version="1.0" encoding="utf-8"?>
 <p:sld xmlns:a="http://schemas.openxmlformats.org/drawingml/2006/main" xmlns:r="http://schemas.openxmlformats.org/officeDocument/2006/relationships" xmlns:p="http://schemas.openxmlformats.org/presentationml/2006/main">
   <p:cSld>
     <p:spTree>
@@ -7001,840 +8297,6 @@
 </p:sld>
 </file>
 
-<file path=ppt/slides/slide17.xml><?xml version="1.0" encoding="utf-8"?>
-<p:sld xmlns:a="http://schemas.openxmlformats.org/drawingml/2006/main" xmlns:r="http://schemas.openxmlformats.org/officeDocument/2006/relationships" xmlns:p="http://schemas.openxmlformats.org/presentationml/2006/main">
-  <p:cSld>
-    <p:spTree>
-      <p:nvGrpSpPr>
-        <p:cNvPr id="1" name=""/>
-        <p:cNvGrpSpPr/>
-        <p:nvPr/>
-      </p:nvGrpSpPr>
-      <p:grpSpPr>
-        <a:xfrm>
-          <a:off x="0" y="0"/>
-          <a:ext cx="0" cy="0"/>
-          <a:chOff x="0" y="0"/>
-          <a:chExt cx="0" cy="0"/>
-        </a:xfrm>
-      </p:grpSpPr>
-      <p:sp>
-        <p:nvSpPr>
-          <p:cNvPr id="2" name="제목 1"/>
-          <p:cNvSpPr>
-            <a:spLocks noGrp="1"/>
-          </p:cNvSpPr>
-          <p:nvPr>
-            <p:ph type="ctrTitle"/>
-          </p:nvPr>
-        </p:nvSpPr>
-        <p:spPr>
-          <a:xfrm>
-            <a:off x="685800" y="1340768"/>
-            <a:ext cx="7772400" cy="1470025"/>
-          </a:xfrm>
-        </p:spPr>
-        <p:txBody>
-          <a:bodyPr/>
-          <a:lstStyle/>
-          <a:p>
-            <a:r>
-              <a:rPr lang="ko-KR" altLang="en-US" dirty="0">
-                <a:latin typeface="배달의민족 주아" pitchFamily="18" charset="-127"/>
-                <a:ea typeface="배달의민족 주아" pitchFamily="18" charset="-127"/>
-              </a:rPr>
-              <a:t>논리연산</a:t>
-            </a:r>
-          </a:p>
-        </p:txBody>
-      </p:sp>
-      <p:sp>
-        <p:nvSpPr>
-          <p:cNvPr id="3" name="TextBox 2"/>
-          <p:cNvSpPr txBox="1"/>
-          <p:nvPr/>
-        </p:nvSpPr>
-        <p:spPr>
-          <a:xfrm>
-            <a:off x="6588224" y="6165304"/>
-            <a:ext cx="1838965" cy="369332"/>
-          </a:xfrm>
-          <a:prstGeom prst="rect">
-            <a:avLst/>
-          </a:prstGeom>
-          <a:noFill/>
-        </p:spPr>
-        <p:txBody>
-          <a:bodyPr wrap="none" rtlCol="0">
-            <a:spAutoFit/>
-          </a:bodyPr>
-          <a:lstStyle/>
-          <a:p>
-            <a:r>
-              <a:rPr lang="en-US" altLang="ko-KR" dirty="0">
-                <a:solidFill>
-                  <a:schemeClr val="accent5"/>
-                </a:solidFill>
-                <a:latin typeface="배달의민족 도현" pitchFamily="50" charset="-127"/>
-                <a:ea typeface="배달의민족 도현" pitchFamily="50" charset="-127"/>
-              </a:rPr>
-              <a:t>S</a:t>
-            </a:r>
-            <a:r>
-              <a:rPr lang="en-US" altLang="ko-KR" dirty="0">
-                <a:latin typeface="배달의민족 도현" pitchFamily="50" charset="-127"/>
-                <a:ea typeface="배달의민족 도현" pitchFamily="50" charset="-127"/>
-              </a:rPr>
-              <a:t>TART</a:t>
-            </a:r>
-            <a:r>
-              <a:rPr lang="en-US" altLang="ko-KR" dirty="0">
-                <a:solidFill>
-                  <a:schemeClr val="accent5"/>
-                </a:solidFill>
-                <a:latin typeface="배달의민족 도현" pitchFamily="50" charset="-127"/>
-                <a:ea typeface="배달의민족 도현" pitchFamily="50" charset="-127"/>
-              </a:rPr>
-              <a:t>C</a:t>
-            </a:r>
-            <a:r>
-              <a:rPr lang="en-US" altLang="ko-KR" dirty="0">
-                <a:latin typeface="배달의민족 도현" pitchFamily="50" charset="-127"/>
-                <a:ea typeface="배달의민족 도현" pitchFamily="50" charset="-127"/>
-              </a:rPr>
-              <a:t>ODING</a:t>
-            </a:r>
-            <a:endParaRPr lang="ko-KR" altLang="en-US" dirty="0">
-              <a:latin typeface="배달의민족 도현" pitchFamily="50" charset="-127"/>
-              <a:ea typeface="배달의민족 도현" pitchFamily="50" charset="-127"/>
-            </a:endParaRPr>
-          </a:p>
-        </p:txBody>
-      </p:sp>
-      <p:sp>
-        <p:nvSpPr>
-          <p:cNvPr id="6" name="직사각형 5"/>
-          <p:cNvSpPr/>
-          <p:nvPr/>
-        </p:nvSpPr>
-        <p:spPr>
-          <a:xfrm>
-            <a:off x="107504" y="116632"/>
-            <a:ext cx="2592288" cy="369332"/>
-          </a:xfrm>
-          <a:prstGeom prst="rect">
-            <a:avLst/>
-          </a:prstGeom>
-        </p:spPr>
-        <p:txBody>
-          <a:bodyPr wrap="square">
-            <a:spAutoFit/>
-          </a:bodyPr>
-          <a:lstStyle/>
-          <a:p>
-            <a:r>
-              <a:rPr lang="en-US" altLang="ko-KR" dirty="0">
-                <a:latin typeface="배달의민족 주아" pitchFamily="18" charset="-127"/>
-                <a:ea typeface="배달의민족 주아" pitchFamily="18" charset="-127"/>
-              </a:rPr>
-              <a:t>4</a:t>
-            </a:r>
-            <a:r>
-              <a:rPr lang="en-US" altLang="ko-KR">
-                <a:latin typeface="배달의민족 주아" pitchFamily="18" charset="-127"/>
-                <a:ea typeface="배달의민족 주아" pitchFamily="18" charset="-127"/>
-              </a:rPr>
-              <a:t>. </a:t>
-            </a:r>
-            <a:r>
-              <a:rPr lang="ko-KR" altLang="en-US" dirty="0">
-                <a:latin typeface="배달의민족 주아" pitchFamily="18" charset="-127"/>
-                <a:ea typeface="배달의민족 주아" pitchFamily="18" charset="-127"/>
-              </a:rPr>
-              <a:t>논리연산</a:t>
-            </a:r>
-            <a:endParaRPr lang="ko-KR" altLang="en-US" dirty="0"/>
-          </a:p>
-        </p:txBody>
-      </p:sp>
-      <p:sp>
-        <p:nvSpPr>
-          <p:cNvPr id="7" name="직사각형 6">
-            <a:extLst>
-              <a:ext uri="{FF2B5EF4-FFF2-40B4-BE49-F238E27FC236}">
-                <a16:creationId xmlns:a16="http://schemas.microsoft.com/office/drawing/2014/main" id="{5DEAFE40-DCE5-4845-95E4-A1D19C6B489B}"/>
-              </a:ext>
-            </a:extLst>
-          </p:cNvPr>
-          <p:cNvSpPr/>
-          <p:nvPr/>
-        </p:nvSpPr>
-        <p:spPr>
-          <a:xfrm>
-            <a:off x="899592" y="1574790"/>
-            <a:ext cx="7342584" cy="1754326"/>
-          </a:xfrm>
-          <a:prstGeom prst="rect">
-            <a:avLst/>
-          </a:prstGeom>
-          <a:solidFill>
-            <a:schemeClr val="tx1"/>
-          </a:solidFill>
-          <a:effectLst>
-            <a:softEdge rad="31750"/>
-          </a:effectLst>
-        </p:spPr>
-        <p:txBody>
-          <a:bodyPr wrap="square">
-            <a:spAutoFit/>
-          </a:bodyPr>
-          <a:lstStyle/>
-          <a:p>
-            <a:r>
-              <a:rPr lang="en-US" altLang="ko-KR" dirty="0">
-                <a:solidFill>
-                  <a:srgbClr val="DCDCAA"/>
-                </a:solidFill>
-                <a:latin typeface="Consolas" panose="020B0609020204030204" pitchFamily="49" charset="0"/>
-              </a:rPr>
-              <a:t>print</a:t>
-            </a:r>
-            <a:r>
-              <a:rPr lang="en-US" altLang="ko-KR" dirty="0">
-                <a:solidFill>
-                  <a:srgbClr val="D4D4D4"/>
-                </a:solidFill>
-                <a:latin typeface="Consolas" panose="020B0609020204030204" pitchFamily="49" charset="0"/>
-              </a:rPr>
-              <a:t>(</a:t>
-            </a:r>
-            <a:r>
-              <a:rPr lang="en-US" altLang="ko-KR" dirty="0">
-                <a:solidFill>
-                  <a:srgbClr val="B5CEA8"/>
-                </a:solidFill>
-                <a:latin typeface="Consolas" panose="020B0609020204030204" pitchFamily="49" charset="0"/>
-              </a:rPr>
-              <a:t>3</a:t>
-            </a:r>
-            <a:r>
-              <a:rPr lang="en-US" altLang="ko-KR" dirty="0">
-                <a:solidFill>
-                  <a:srgbClr val="D4D4D4"/>
-                </a:solidFill>
-                <a:latin typeface="Consolas" panose="020B0609020204030204" pitchFamily="49" charset="0"/>
-              </a:rPr>
-              <a:t> &lt; </a:t>
-            </a:r>
-            <a:r>
-              <a:rPr lang="en-US" altLang="ko-KR" dirty="0">
-                <a:solidFill>
-                  <a:srgbClr val="B5CEA8"/>
-                </a:solidFill>
-                <a:latin typeface="Consolas" panose="020B0609020204030204" pitchFamily="49" charset="0"/>
-              </a:rPr>
-              <a:t>6</a:t>
-            </a:r>
-            <a:r>
-              <a:rPr lang="en-US" altLang="ko-KR" dirty="0">
-                <a:solidFill>
-                  <a:srgbClr val="D4D4D4"/>
-                </a:solidFill>
-                <a:latin typeface="Consolas" panose="020B0609020204030204" pitchFamily="49" charset="0"/>
-              </a:rPr>
-              <a:t> </a:t>
-            </a:r>
-            <a:r>
-              <a:rPr lang="en-US" altLang="ko-KR" dirty="0">
-                <a:solidFill>
-                  <a:srgbClr val="C586C0"/>
-                </a:solidFill>
-                <a:latin typeface="Consolas" panose="020B0609020204030204" pitchFamily="49" charset="0"/>
-              </a:rPr>
-              <a:t>and</a:t>
-            </a:r>
-            <a:r>
-              <a:rPr lang="en-US" altLang="ko-KR" dirty="0">
-                <a:solidFill>
-                  <a:srgbClr val="D4D4D4"/>
-                </a:solidFill>
-                <a:latin typeface="Consolas" panose="020B0609020204030204" pitchFamily="49" charset="0"/>
-              </a:rPr>
-              <a:t> </a:t>
-            </a:r>
-            <a:r>
-              <a:rPr lang="en-US" altLang="ko-KR" dirty="0">
-                <a:solidFill>
-                  <a:srgbClr val="B5CEA8"/>
-                </a:solidFill>
-                <a:latin typeface="Consolas" panose="020B0609020204030204" pitchFamily="49" charset="0"/>
-              </a:rPr>
-              <a:t>10</a:t>
-            </a:r>
-            <a:r>
-              <a:rPr lang="en-US" altLang="ko-KR" dirty="0">
-                <a:solidFill>
-                  <a:srgbClr val="D4D4D4"/>
-                </a:solidFill>
-                <a:latin typeface="Consolas" panose="020B0609020204030204" pitchFamily="49" charset="0"/>
-              </a:rPr>
-              <a:t> &gt;= </a:t>
-            </a:r>
-            <a:r>
-              <a:rPr lang="en-US" altLang="ko-KR" dirty="0">
-                <a:solidFill>
-                  <a:srgbClr val="B5CEA8"/>
-                </a:solidFill>
-                <a:latin typeface="Consolas" panose="020B0609020204030204" pitchFamily="49" charset="0"/>
-              </a:rPr>
-              <a:t>7</a:t>
-            </a:r>
-            <a:r>
-              <a:rPr lang="en-US" altLang="ko-KR" dirty="0">
-                <a:solidFill>
-                  <a:srgbClr val="D4D4D4"/>
-                </a:solidFill>
-                <a:latin typeface="Consolas" panose="020B0609020204030204" pitchFamily="49" charset="0"/>
-              </a:rPr>
-              <a:t>)</a:t>
-            </a:r>
-          </a:p>
-          <a:p>
-            <a:r>
-              <a:rPr lang="en-US" altLang="ko-KR" dirty="0">
-                <a:solidFill>
-                  <a:srgbClr val="DCDCAA"/>
-                </a:solidFill>
-                <a:latin typeface="Consolas" panose="020B0609020204030204" pitchFamily="49" charset="0"/>
-              </a:rPr>
-              <a:t>print</a:t>
-            </a:r>
-            <a:r>
-              <a:rPr lang="en-US" altLang="ko-KR" dirty="0">
-                <a:solidFill>
-                  <a:srgbClr val="D4D4D4"/>
-                </a:solidFill>
-                <a:latin typeface="Consolas" panose="020B0609020204030204" pitchFamily="49" charset="0"/>
-              </a:rPr>
-              <a:t>(</a:t>
-            </a:r>
-            <a:r>
-              <a:rPr lang="en-US" altLang="ko-KR" dirty="0">
-                <a:solidFill>
-                  <a:srgbClr val="B5CEA8"/>
-                </a:solidFill>
-                <a:latin typeface="Consolas" panose="020B0609020204030204" pitchFamily="49" charset="0"/>
-              </a:rPr>
-              <a:t>1</a:t>
-            </a:r>
-            <a:r>
-              <a:rPr lang="en-US" altLang="ko-KR" dirty="0">
-                <a:solidFill>
-                  <a:srgbClr val="D4D4D4"/>
-                </a:solidFill>
-                <a:latin typeface="Consolas" panose="020B0609020204030204" pitchFamily="49" charset="0"/>
-              </a:rPr>
-              <a:t> == </a:t>
-            </a:r>
-            <a:r>
-              <a:rPr lang="en-US" altLang="ko-KR" dirty="0">
-                <a:solidFill>
-                  <a:srgbClr val="B5CEA8"/>
-                </a:solidFill>
-                <a:latin typeface="Consolas" panose="020B0609020204030204" pitchFamily="49" charset="0"/>
-              </a:rPr>
-              <a:t>1</a:t>
-            </a:r>
-            <a:r>
-              <a:rPr lang="en-US" altLang="ko-KR" dirty="0">
-                <a:solidFill>
-                  <a:srgbClr val="D4D4D4"/>
-                </a:solidFill>
-                <a:latin typeface="Consolas" panose="020B0609020204030204" pitchFamily="49" charset="0"/>
-              </a:rPr>
-              <a:t> </a:t>
-            </a:r>
-            <a:r>
-              <a:rPr lang="en-US" altLang="ko-KR" dirty="0">
-                <a:solidFill>
-                  <a:srgbClr val="C586C0"/>
-                </a:solidFill>
-                <a:latin typeface="Consolas" panose="020B0609020204030204" pitchFamily="49" charset="0"/>
-              </a:rPr>
-              <a:t>and</a:t>
-            </a:r>
-            <a:r>
-              <a:rPr lang="en-US" altLang="ko-KR" dirty="0">
-                <a:solidFill>
-                  <a:srgbClr val="D4D4D4"/>
-                </a:solidFill>
-                <a:latin typeface="Consolas" panose="020B0609020204030204" pitchFamily="49" charset="0"/>
-              </a:rPr>
-              <a:t> </a:t>
-            </a:r>
-            <a:r>
-              <a:rPr lang="en-US" altLang="ko-KR" dirty="0">
-                <a:solidFill>
-                  <a:srgbClr val="B5CEA8"/>
-                </a:solidFill>
-                <a:latin typeface="Consolas" panose="020B0609020204030204" pitchFamily="49" charset="0"/>
-              </a:rPr>
-              <a:t>4</a:t>
-            </a:r>
-            <a:r>
-              <a:rPr lang="en-US" altLang="ko-KR" dirty="0">
-                <a:solidFill>
-                  <a:srgbClr val="D4D4D4"/>
-                </a:solidFill>
-                <a:latin typeface="Consolas" panose="020B0609020204030204" pitchFamily="49" charset="0"/>
-              </a:rPr>
-              <a:t> &gt;= </a:t>
-            </a:r>
-            <a:r>
-              <a:rPr lang="en-US" altLang="ko-KR" dirty="0">
-                <a:solidFill>
-                  <a:srgbClr val="B5CEA8"/>
-                </a:solidFill>
-                <a:latin typeface="Consolas" panose="020B0609020204030204" pitchFamily="49" charset="0"/>
-              </a:rPr>
-              <a:t>7</a:t>
-            </a:r>
-            <a:r>
-              <a:rPr lang="en-US" altLang="ko-KR" dirty="0">
-                <a:solidFill>
-                  <a:srgbClr val="D4D4D4"/>
-                </a:solidFill>
-                <a:latin typeface="Consolas" panose="020B0609020204030204" pitchFamily="49" charset="0"/>
-              </a:rPr>
-              <a:t>)</a:t>
-            </a:r>
-          </a:p>
-          <a:p>
-            <a:r>
-              <a:rPr lang="en-US" altLang="ko-KR" dirty="0">
-                <a:solidFill>
-                  <a:srgbClr val="DCDCAA"/>
-                </a:solidFill>
-                <a:latin typeface="Consolas" panose="020B0609020204030204" pitchFamily="49" charset="0"/>
-              </a:rPr>
-              <a:t>print</a:t>
-            </a:r>
-            <a:r>
-              <a:rPr lang="en-US" altLang="ko-KR" dirty="0">
-                <a:solidFill>
-                  <a:srgbClr val="D4D4D4"/>
-                </a:solidFill>
-                <a:latin typeface="Consolas" panose="020B0609020204030204" pitchFamily="49" charset="0"/>
-              </a:rPr>
-              <a:t>(</a:t>
-            </a:r>
-            <a:r>
-              <a:rPr lang="en-US" altLang="ko-KR" dirty="0">
-                <a:solidFill>
-                  <a:srgbClr val="CE9178"/>
-                </a:solidFill>
-                <a:latin typeface="Consolas" panose="020B0609020204030204" pitchFamily="49" charset="0"/>
-              </a:rPr>
-              <a:t>"hello"</a:t>
-            </a:r>
-            <a:r>
-              <a:rPr lang="en-US" altLang="ko-KR" dirty="0">
-                <a:solidFill>
-                  <a:srgbClr val="D4D4D4"/>
-                </a:solidFill>
-                <a:latin typeface="Consolas" panose="020B0609020204030204" pitchFamily="49" charset="0"/>
-              </a:rPr>
-              <a:t> == </a:t>
-            </a:r>
-            <a:r>
-              <a:rPr lang="en-US" altLang="ko-KR" dirty="0">
-                <a:solidFill>
-                  <a:srgbClr val="CE9178"/>
-                </a:solidFill>
-                <a:latin typeface="Consolas" panose="020B0609020204030204" pitchFamily="49" charset="0"/>
-              </a:rPr>
-              <a:t>"hello"</a:t>
-            </a:r>
-            <a:r>
-              <a:rPr lang="en-US" altLang="ko-KR" dirty="0">
-                <a:solidFill>
-                  <a:srgbClr val="D4D4D4"/>
-                </a:solidFill>
-                <a:latin typeface="Consolas" panose="020B0609020204030204" pitchFamily="49" charset="0"/>
-              </a:rPr>
-              <a:t> </a:t>
-            </a:r>
-            <a:r>
-              <a:rPr lang="en-US" altLang="ko-KR" dirty="0">
-                <a:solidFill>
-                  <a:srgbClr val="C586C0"/>
-                </a:solidFill>
-                <a:latin typeface="Consolas" panose="020B0609020204030204" pitchFamily="49" charset="0"/>
-              </a:rPr>
-              <a:t>or</a:t>
-            </a:r>
-            <a:r>
-              <a:rPr lang="en-US" altLang="ko-KR" dirty="0">
-                <a:solidFill>
-                  <a:srgbClr val="D4D4D4"/>
-                </a:solidFill>
-                <a:latin typeface="Consolas" panose="020B0609020204030204" pitchFamily="49" charset="0"/>
-              </a:rPr>
-              <a:t> </a:t>
-            </a:r>
-            <a:r>
-              <a:rPr lang="en-US" altLang="ko-KR" dirty="0">
-                <a:solidFill>
-                  <a:srgbClr val="CE9178"/>
-                </a:solidFill>
-                <a:latin typeface="Consolas" panose="020B0609020204030204" pitchFamily="49" charset="0"/>
-              </a:rPr>
-              <a:t>"</a:t>
-            </a:r>
-            <a:r>
-              <a:rPr lang="en-US" altLang="ko-KR" dirty="0" err="1">
-                <a:solidFill>
-                  <a:srgbClr val="CE9178"/>
-                </a:solidFill>
-                <a:latin typeface="Consolas" panose="020B0609020204030204" pitchFamily="49" charset="0"/>
-              </a:rPr>
-              <a:t>kijun</a:t>
-            </a:r>
-            <a:r>
-              <a:rPr lang="en-US" altLang="ko-KR" dirty="0">
-                <a:solidFill>
-                  <a:srgbClr val="CE9178"/>
-                </a:solidFill>
-                <a:latin typeface="Consolas" panose="020B0609020204030204" pitchFamily="49" charset="0"/>
-              </a:rPr>
-              <a:t>"</a:t>
-            </a:r>
-            <a:r>
-              <a:rPr lang="en-US" altLang="ko-KR" dirty="0">
-                <a:solidFill>
-                  <a:srgbClr val="D4D4D4"/>
-                </a:solidFill>
-                <a:latin typeface="Consolas" panose="020B0609020204030204" pitchFamily="49" charset="0"/>
-              </a:rPr>
-              <a:t> != </a:t>
-            </a:r>
-            <a:r>
-              <a:rPr lang="en-US" altLang="ko-KR" dirty="0">
-                <a:solidFill>
-                  <a:srgbClr val="CE9178"/>
-                </a:solidFill>
-                <a:latin typeface="Consolas" panose="020B0609020204030204" pitchFamily="49" charset="0"/>
-              </a:rPr>
-              <a:t>"</a:t>
-            </a:r>
-            <a:r>
-              <a:rPr lang="en-US" altLang="ko-KR" dirty="0" err="1">
-                <a:solidFill>
-                  <a:srgbClr val="CE9178"/>
-                </a:solidFill>
-                <a:latin typeface="Consolas" panose="020B0609020204030204" pitchFamily="49" charset="0"/>
-              </a:rPr>
-              <a:t>kijun</a:t>
-            </a:r>
-            <a:r>
-              <a:rPr lang="en-US" altLang="ko-KR" dirty="0">
-                <a:solidFill>
-                  <a:srgbClr val="CE9178"/>
-                </a:solidFill>
-                <a:latin typeface="Consolas" panose="020B0609020204030204" pitchFamily="49" charset="0"/>
-              </a:rPr>
-              <a:t>"</a:t>
-            </a:r>
-            <a:r>
-              <a:rPr lang="en-US" altLang="ko-KR" dirty="0">
-                <a:solidFill>
-                  <a:srgbClr val="D4D4D4"/>
-                </a:solidFill>
-                <a:latin typeface="Consolas" panose="020B0609020204030204" pitchFamily="49" charset="0"/>
-              </a:rPr>
-              <a:t>)</a:t>
-            </a:r>
-          </a:p>
-          <a:p>
-            <a:r>
-              <a:rPr lang="en-US" altLang="ko-KR" dirty="0">
-                <a:solidFill>
-                  <a:srgbClr val="DCDCAA"/>
-                </a:solidFill>
-                <a:latin typeface="Consolas" panose="020B0609020204030204" pitchFamily="49" charset="0"/>
-              </a:rPr>
-              <a:t>print</a:t>
-            </a:r>
-            <a:r>
-              <a:rPr lang="en-US" altLang="ko-KR" dirty="0">
-                <a:solidFill>
-                  <a:srgbClr val="D4D4D4"/>
-                </a:solidFill>
-                <a:latin typeface="Consolas" panose="020B0609020204030204" pitchFamily="49" charset="0"/>
-              </a:rPr>
-              <a:t>(</a:t>
-            </a:r>
-            <a:r>
-              <a:rPr lang="en-US" altLang="ko-KR" dirty="0">
-                <a:solidFill>
-                  <a:srgbClr val="C586C0"/>
-                </a:solidFill>
-                <a:latin typeface="Consolas" panose="020B0609020204030204" pitchFamily="49" charset="0"/>
-              </a:rPr>
-              <a:t>not</a:t>
-            </a:r>
-            <a:r>
-              <a:rPr lang="en-US" altLang="ko-KR" dirty="0">
-                <a:solidFill>
-                  <a:srgbClr val="D4D4D4"/>
-                </a:solidFill>
-                <a:latin typeface="Consolas" panose="020B0609020204030204" pitchFamily="49" charset="0"/>
-              </a:rPr>
-              <a:t> </a:t>
-            </a:r>
-            <a:r>
-              <a:rPr lang="en-US" altLang="ko-KR" dirty="0">
-                <a:solidFill>
-                  <a:srgbClr val="B5CEA8"/>
-                </a:solidFill>
-                <a:latin typeface="Consolas" panose="020B0609020204030204" pitchFamily="49" charset="0"/>
-              </a:rPr>
-              <a:t>1</a:t>
-            </a:r>
-            <a:r>
-              <a:rPr lang="en-US" altLang="ko-KR" dirty="0">
-                <a:solidFill>
-                  <a:srgbClr val="D4D4D4"/>
-                </a:solidFill>
-                <a:latin typeface="Consolas" panose="020B0609020204030204" pitchFamily="49" charset="0"/>
-              </a:rPr>
-              <a:t> == </a:t>
-            </a:r>
-            <a:r>
-              <a:rPr lang="en-US" altLang="ko-KR" dirty="0">
-                <a:solidFill>
-                  <a:srgbClr val="B5CEA8"/>
-                </a:solidFill>
-                <a:latin typeface="Consolas" panose="020B0609020204030204" pitchFamily="49" charset="0"/>
-              </a:rPr>
-              <a:t>2</a:t>
-            </a:r>
-            <a:r>
-              <a:rPr lang="en-US" altLang="ko-KR" dirty="0">
-                <a:solidFill>
-                  <a:srgbClr val="D4D4D4"/>
-                </a:solidFill>
-                <a:latin typeface="Consolas" panose="020B0609020204030204" pitchFamily="49" charset="0"/>
-              </a:rPr>
-              <a:t>)</a:t>
-            </a:r>
-          </a:p>
-          <a:p>
-            <a:br>
-              <a:rPr lang="en-US" altLang="ko-KR" dirty="0">
-                <a:solidFill>
-                  <a:srgbClr val="D4D4D4"/>
-                </a:solidFill>
-                <a:latin typeface="Consolas" panose="020B0609020204030204" pitchFamily="49" charset="0"/>
-              </a:rPr>
-            </a:br>
-            <a:endParaRPr lang="en-US" altLang="ko-KR" dirty="0">
-              <a:solidFill>
-                <a:srgbClr val="D4D4D4"/>
-              </a:solidFill>
-              <a:latin typeface="Consolas" panose="020B0609020204030204" pitchFamily="49" charset="0"/>
-            </a:endParaRPr>
-          </a:p>
-        </p:txBody>
-      </p:sp>
-    </p:spTree>
-    <p:extLst>
-      <p:ext uri="{BB962C8B-B14F-4D97-AF65-F5344CB8AC3E}">
-        <p14:creationId xmlns:p14="http://schemas.microsoft.com/office/powerpoint/2010/main" val="2153980766"/>
-      </p:ext>
-    </p:extLst>
-  </p:cSld>
-  <p:clrMapOvr>
-    <a:masterClrMapping/>
-  </p:clrMapOvr>
-</p:sld>
-</file>
-
-<file path=ppt/slides/slide18.xml><?xml version="1.0" encoding="utf-8"?>
-<p:sld xmlns:a="http://schemas.openxmlformats.org/drawingml/2006/main" xmlns:r="http://schemas.openxmlformats.org/officeDocument/2006/relationships" xmlns:p="http://schemas.openxmlformats.org/presentationml/2006/main">
-  <p:cSld>
-    <p:spTree>
-      <p:nvGrpSpPr>
-        <p:cNvPr id="1" name=""/>
-        <p:cNvGrpSpPr/>
-        <p:nvPr/>
-      </p:nvGrpSpPr>
-      <p:grpSpPr>
-        <a:xfrm>
-          <a:off x="0" y="0"/>
-          <a:ext cx="0" cy="0"/>
-          <a:chOff x="0" y="0"/>
-          <a:chExt cx="0" cy="0"/>
-        </a:xfrm>
-      </p:grpSpPr>
-      <p:sp>
-        <p:nvSpPr>
-          <p:cNvPr id="5" name="제목 1"/>
-          <p:cNvSpPr txBox="1">
-            <a:spLocks/>
-          </p:cNvSpPr>
-          <p:nvPr/>
-        </p:nvSpPr>
-        <p:spPr>
-          <a:xfrm>
-            <a:off x="827584" y="2204864"/>
-            <a:ext cx="7772400" cy="1470025"/>
-          </a:xfrm>
-          <a:prstGeom prst="rect">
-            <a:avLst/>
-          </a:prstGeom>
-        </p:spPr>
-        <p:txBody>
-          <a:bodyPr vert="horz" lIns="91440" tIns="45720" rIns="91440" bIns="45720" rtlCol="0" anchor="ctr">
-            <a:normAutofit/>
-          </a:bodyPr>
-          <a:lstStyle>
-            <a:lvl1pPr algn="ctr" defTabSz="914400" rtl="0" eaLnBrk="1" latinLnBrk="1" hangingPunct="1">
-              <a:spcBef>
-                <a:spcPct val="0"/>
-              </a:spcBef>
-              <a:buNone/>
-              <a:defRPr sz="4400" kern="1200">
-                <a:solidFill>
-                  <a:schemeClr val="tx1"/>
-                </a:solidFill>
-                <a:latin typeface="+mj-lt"/>
-                <a:ea typeface="+mj-ea"/>
-                <a:cs typeface="+mj-cs"/>
-              </a:defRPr>
-            </a:lvl1pPr>
-          </a:lstStyle>
-          <a:p>
-            <a:r>
-              <a:rPr lang="ko-KR" altLang="en-US" dirty="0">
-                <a:latin typeface="배달의민족 주아" pitchFamily="18" charset="-127"/>
-                <a:ea typeface="배달의민족 주아" pitchFamily="18" charset="-127"/>
-              </a:rPr>
-              <a:t>감사합니다</a:t>
-            </a:r>
-          </a:p>
-        </p:txBody>
-      </p:sp>
-      <p:sp>
-        <p:nvSpPr>
-          <p:cNvPr id="3" name="TextBox 2"/>
-          <p:cNvSpPr txBox="1"/>
-          <p:nvPr/>
-        </p:nvSpPr>
-        <p:spPr>
-          <a:xfrm>
-            <a:off x="6588224" y="6165304"/>
-            <a:ext cx="1838965" cy="369332"/>
-          </a:xfrm>
-          <a:prstGeom prst="rect">
-            <a:avLst/>
-          </a:prstGeom>
-          <a:noFill/>
-        </p:spPr>
-        <p:txBody>
-          <a:bodyPr wrap="none" rtlCol="0">
-            <a:spAutoFit/>
-          </a:bodyPr>
-          <a:lstStyle/>
-          <a:p>
-            <a:r>
-              <a:rPr lang="en-US" altLang="ko-KR" dirty="0">
-                <a:solidFill>
-                  <a:schemeClr val="accent5"/>
-                </a:solidFill>
-                <a:latin typeface="배달의민족 도현" pitchFamily="50" charset="-127"/>
-                <a:ea typeface="배달의민족 도현" pitchFamily="50" charset="-127"/>
-              </a:rPr>
-              <a:t>S</a:t>
-            </a:r>
-            <a:r>
-              <a:rPr lang="en-US" altLang="ko-KR" dirty="0">
-                <a:latin typeface="배달의민족 도현" pitchFamily="50" charset="-127"/>
-                <a:ea typeface="배달의민족 도현" pitchFamily="50" charset="-127"/>
-              </a:rPr>
-              <a:t>TART</a:t>
-            </a:r>
-            <a:r>
-              <a:rPr lang="en-US" altLang="ko-KR" dirty="0">
-                <a:solidFill>
-                  <a:schemeClr val="accent5"/>
-                </a:solidFill>
-                <a:latin typeface="배달의민족 도현" pitchFamily="50" charset="-127"/>
-                <a:ea typeface="배달의민족 도현" pitchFamily="50" charset="-127"/>
-              </a:rPr>
-              <a:t>C</a:t>
-            </a:r>
-            <a:r>
-              <a:rPr lang="en-US" altLang="ko-KR" dirty="0">
-                <a:latin typeface="배달의민족 도현" pitchFamily="50" charset="-127"/>
-                <a:ea typeface="배달의민족 도현" pitchFamily="50" charset="-127"/>
-              </a:rPr>
-              <a:t>ODING</a:t>
-            </a:r>
-            <a:endParaRPr lang="ko-KR" altLang="en-US" dirty="0">
-              <a:latin typeface="배달의민족 도현" pitchFamily="50" charset="-127"/>
-              <a:ea typeface="배달의민족 도현" pitchFamily="50" charset="-127"/>
-            </a:endParaRPr>
-          </a:p>
-        </p:txBody>
-      </p:sp>
-      <p:sp>
-        <p:nvSpPr>
-          <p:cNvPr id="4" name="직사각형 3"/>
-          <p:cNvSpPr/>
-          <p:nvPr/>
-        </p:nvSpPr>
-        <p:spPr>
-          <a:xfrm>
-            <a:off x="3054547" y="5723964"/>
-            <a:ext cx="3171061" cy="369332"/>
-          </a:xfrm>
-          <a:prstGeom prst="rect">
-            <a:avLst/>
-          </a:prstGeom>
-        </p:spPr>
-        <p:txBody>
-          <a:bodyPr wrap="none">
-            <a:spAutoFit/>
-          </a:bodyPr>
-          <a:lstStyle/>
-          <a:p>
-            <a:r>
-              <a:rPr lang="en-US" altLang="ko-KR" i="1" dirty="0">
-                <a:latin typeface="Adobe Ming Std L" pitchFamily="18" charset="-128"/>
-                <a:ea typeface="Adobe Ming Std L" pitchFamily="18" charset="-128"/>
-              </a:rPr>
-              <a:t>design icon from flaticon.com</a:t>
-            </a:r>
-            <a:endParaRPr lang="ko-KR" altLang="en-US" i="1" dirty="0">
-              <a:latin typeface="Adobe Ming Std L" pitchFamily="18" charset="-128"/>
-            </a:endParaRPr>
-          </a:p>
-        </p:txBody>
-      </p:sp>
-    </p:spTree>
-    <p:extLst>
-      <p:ext uri="{BB962C8B-B14F-4D97-AF65-F5344CB8AC3E}">
-        <p14:creationId xmlns:p14="http://schemas.microsoft.com/office/powerpoint/2010/main" val="984902709"/>
-      </p:ext>
-    </p:extLst>
-  </p:cSld>
-  <p:clrMapOvr>
-    <a:masterClrMapping/>
-  </p:clrMapOvr>
-</p:sld>
-</file>
-
 <file path=ppt/slides/slide2.xml><?xml version="1.0" encoding="utf-8"?>
 <p:sld xmlns:a="http://schemas.openxmlformats.org/drawingml/2006/main" xmlns:r="http://schemas.openxmlformats.org/officeDocument/2006/relationships" xmlns:p="http://schemas.openxmlformats.org/presentationml/2006/main">
   <p:cSld>
@@ -8026,6 +8488,45 @@
                 <a:latin typeface="배달의민족 주아" pitchFamily="18" charset="-127"/>
                 <a:ea typeface="배달의민족 주아" pitchFamily="18" charset="-127"/>
               </a:rPr>
+              <a:t>사용자로부터 </a:t>
+            </a:r>
+            <a:r>
+              <a:rPr lang="ko-KR" altLang="en-US" sz="2800" dirty="0" err="1">
+                <a:solidFill>
+                  <a:schemeClr val="bg1"/>
+                </a:solidFill>
+                <a:latin typeface="배달의민족 주아" pitchFamily="18" charset="-127"/>
+                <a:ea typeface="배달의민족 주아" pitchFamily="18" charset="-127"/>
+              </a:rPr>
+              <a:t>입력받기</a:t>
+            </a:r>
+            <a:br>
+              <a:rPr lang="en-US" altLang="ko-KR" sz="2800" dirty="0">
+                <a:solidFill>
+                  <a:schemeClr val="bg1"/>
+                </a:solidFill>
+                <a:latin typeface="배달의민족 주아" pitchFamily="18" charset="-127"/>
+                <a:ea typeface="배달의민족 주아" pitchFamily="18" charset="-127"/>
+              </a:rPr>
+            </a:br>
+            <a:r>
+              <a:rPr lang="en-US" altLang="ko-KR" sz="2800" dirty="0">
+                <a:solidFill>
+                  <a:schemeClr val="bg1"/>
+                </a:solidFill>
+                <a:latin typeface="배달의민족 주아" pitchFamily="18" charset="-127"/>
+                <a:ea typeface="배달의민족 주아" pitchFamily="18" charset="-127"/>
+              </a:rPr>
+              <a:t>	2.3 </a:t>
+            </a:r>
+            <a:r>
+              <a:rPr lang="ko-KR" altLang="en-US" sz="2800" dirty="0">
+                <a:solidFill>
+                  <a:schemeClr val="bg1"/>
+                </a:solidFill>
+                <a:latin typeface="배달의민족 주아" pitchFamily="18" charset="-127"/>
+                <a:ea typeface="배달의민족 주아" pitchFamily="18" charset="-127"/>
+              </a:rPr>
               <a:t>문자열연산</a:t>
             </a:r>
             <a:br>
@@ -8289,6 +8790,884 @@
     <p:extLst>
       <p:ext uri="{BB962C8B-B14F-4D97-AF65-F5344CB8AC3E}">
         <p14:creationId xmlns:p14="http://schemas.microsoft.com/office/powerpoint/2010/main" val="339691684"/>
+      </p:ext>
+    </p:extLst>
+  </p:cSld>
+  <p:clrMapOvr>
+    <a:masterClrMapping/>
+  </p:clrMapOvr>
+</p:sld>
+</file>
+
+<file path=ppt/slides/slide20.xml><?xml version="1.0" encoding="utf-8"?>
+<p:sld xmlns:a="http://schemas.openxmlformats.org/drawingml/2006/main" xmlns:r="http://schemas.openxmlformats.org/officeDocument/2006/relationships" xmlns:p="http://schemas.openxmlformats.org/presentationml/2006/main">
+  <p:cSld>
+    <p:spTree>
+      <p:nvGrpSpPr>
+        <p:cNvPr id="1" name=""/>
+        <p:cNvGrpSpPr/>
+        <p:nvPr/>
+      </p:nvGrpSpPr>
+      <p:grpSpPr>
+        <a:xfrm>
+          <a:off x="0" y="0"/>
+          <a:ext cx="0" cy="0"/>
+          <a:chOff x="0" y="0"/>
+          <a:chExt cx="0" cy="0"/>
+        </a:xfrm>
+      </p:grpSpPr>
+      <p:sp>
+        <p:nvSpPr>
+          <p:cNvPr id="2" name="제목 1"/>
+          <p:cNvSpPr>
+            <a:spLocks noGrp="1"/>
+          </p:cNvSpPr>
+          <p:nvPr>
+            <p:ph type="ctrTitle"/>
+          </p:nvPr>
+        </p:nvSpPr>
+        <p:spPr>
+          <a:xfrm>
+            <a:off x="685800" y="1340768"/>
+            <a:ext cx="7772400" cy="1470025"/>
+          </a:xfrm>
+        </p:spPr>
+        <p:txBody>
+          <a:bodyPr>
+            <a:normAutofit/>
+          </a:bodyPr>
+          <a:lstStyle/>
+          <a:p>
+            <a:r>
+              <a:rPr lang="ko-KR" altLang="en-US" sz="3200" dirty="0">
+                <a:latin typeface="배달의민족 주아" pitchFamily="18" charset="-127"/>
+                <a:ea typeface="배달의민족 주아" pitchFamily="18" charset="-127"/>
+              </a:rPr>
+              <a:t>결과를 예측해보세요</a:t>
+            </a:r>
+          </a:p>
+        </p:txBody>
+      </p:sp>
+      <p:sp>
+        <p:nvSpPr>
+          <p:cNvPr id="3" name="TextBox 2"/>
+          <p:cNvSpPr txBox="1"/>
+          <p:nvPr/>
+        </p:nvSpPr>
+        <p:spPr>
+          <a:xfrm>
+            <a:off x="6588224" y="6165304"/>
+            <a:ext cx="1838965" cy="369332"/>
+          </a:xfrm>
+          <a:prstGeom prst="rect">
+            <a:avLst/>
+          </a:prstGeom>
+          <a:noFill/>
+        </p:spPr>
+        <p:txBody>
+          <a:bodyPr wrap="none" rtlCol="0">
+            <a:spAutoFit/>
+          </a:bodyPr>
+          <a:lstStyle/>
+          <a:p>
+            <a:r>
+              <a:rPr lang="en-US" altLang="ko-KR" dirty="0">
+                <a:solidFill>
+                  <a:schemeClr val="accent5"/>
+                </a:solidFill>
+                <a:latin typeface="배달의민족 도현" pitchFamily="50" charset="-127"/>
+                <a:ea typeface="배달의민족 도현" pitchFamily="50" charset="-127"/>
+              </a:rPr>
+              <a:t>S</a:t>
+            </a:r>
+            <a:r>
+              <a:rPr lang="en-US" altLang="ko-KR" dirty="0">
+                <a:latin typeface="배달의민족 도현" pitchFamily="50" charset="-127"/>
+                <a:ea typeface="배달의민족 도현" pitchFamily="50" charset="-127"/>
+              </a:rPr>
+              <a:t>TART</a:t>
+            </a:r>
+            <a:r>
+              <a:rPr lang="en-US" altLang="ko-KR" dirty="0">
+                <a:solidFill>
+                  <a:schemeClr val="accent5"/>
+                </a:solidFill>
+                <a:latin typeface="배달의민족 도현" pitchFamily="50" charset="-127"/>
+                <a:ea typeface="배달의민족 도현" pitchFamily="50" charset="-127"/>
+              </a:rPr>
+              <a:t>C</a:t>
+            </a:r>
+            <a:r>
+              <a:rPr lang="en-US" altLang="ko-KR" dirty="0">
+                <a:latin typeface="배달의민족 도현" pitchFamily="50" charset="-127"/>
+                <a:ea typeface="배달의민족 도현" pitchFamily="50" charset="-127"/>
+              </a:rPr>
+              <a:t>ODING</a:t>
+            </a:r>
+            <a:endParaRPr lang="ko-KR" altLang="en-US" dirty="0">
+              <a:latin typeface="배달의민족 도현" pitchFamily="50" charset="-127"/>
+              <a:ea typeface="배달의민족 도현" pitchFamily="50" charset="-127"/>
+            </a:endParaRPr>
+          </a:p>
+        </p:txBody>
+      </p:sp>
+      <p:sp>
+        <p:nvSpPr>
+          <p:cNvPr id="6" name="직사각형 5"/>
+          <p:cNvSpPr/>
+          <p:nvPr/>
+        </p:nvSpPr>
+        <p:spPr>
+          <a:xfrm>
+            <a:off x="107504" y="116632"/>
+            <a:ext cx="2592288" cy="369332"/>
+          </a:xfrm>
+          <a:prstGeom prst="rect">
+            <a:avLst/>
+          </a:prstGeom>
+        </p:spPr>
+        <p:txBody>
+          <a:bodyPr wrap="square">
+            <a:spAutoFit/>
+          </a:bodyPr>
+          <a:lstStyle/>
+          <a:p>
+            <a:r>
+              <a:rPr lang="en-US" altLang="ko-KR" dirty="0">
+                <a:latin typeface="배달의민족 주아" pitchFamily="18" charset="-127"/>
+                <a:ea typeface="배달의민족 주아" pitchFamily="18" charset="-127"/>
+              </a:rPr>
+              <a:t>4</a:t>
+            </a:r>
+            <a:r>
+              <a:rPr lang="en-US" altLang="ko-KR">
+                <a:latin typeface="배달의민족 주아" pitchFamily="18" charset="-127"/>
+                <a:ea typeface="배달의민족 주아" pitchFamily="18" charset="-127"/>
+              </a:rPr>
+              <a:t>. </a:t>
+            </a:r>
+            <a:r>
+              <a:rPr lang="ko-KR" altLang="en-US" dirty="0">
+                <a:latin typeface="배달의민족 주아" pitchFamily="18" charset="-127"/>
+                <a:ea typeface="배달의민족 주아" pitchFamily="18" charset="-127"/>
+              </a:rPr>
+              <a:t>논리연산</a:t>
+            </a:r>
+            <a:endParaRPr lang="ko-KR" altLang="en-US" dirty="0"/>
+          </a:p>
+        </p:txBody>
+      </p:sp>
+      <p:sp>
+        <p:nvSpPr>
+          <p:cNvPr id="7" name="직사각형 6">
+            <a:extLst>
+              <a:ext uri="{FF2B5EF4-FFF2-40B4-BE49-F238E27FC236}">
+                <a16:creationId xmlns:a16="http://schemas.microsoft.com/office/drawing/2014/main" id="{5DEAFE40-DCE5-4845-95E4-A1D19C6B489B}"/>
+              </a:ext>
+            </a:extLst>
+          </p:cNvPr>
+          <p:cNvSpPr/>
+          <p:nvPr/>
+        </p:nvSpPr>
+        <p:spPr>
+          <a:xfrm>
+            <a:off x="900708" y="2759336"/>
+            <a:ext cx="7342584" cy="1200329"/>
+          </a:xfrm>
+          <a:prstGeom prst="rect">
+            <a:avLst/>
+          </a:prstGeom>
+          <a:solidFill>
+            <a:schemeClr val="tx1"/>
+          </a:solidFill>
+          <a:effectLst>
+            <a:softEdge rad="31750"/>
+          </a:effectLst>
+        </p:spPr>
+        <p:txBody>
+          <a:bodyPr wrap="square">
+            <a:spAutoFit/>
+          </a:bodyPr>
+          <a:lstStyle/>
+          <a:p>
+            <a:r>
+              <a:rPr lang="en-US" altLang="ko-KR" dirty="0">
+                <a:solidFill>
+                  <a:srgbClr val="DCDCAA"/>
+                </a:solidFill>
+                <a:latin typeface="Consolas" panose="020B0609020204030204" pitchFamily="49" charset="0"/>
+              </a:rPr>
+              <a:t>print</a:t>
+            </a:r>
+            <a:r>
+              <a:rPr lang="en-US" altLang="ko-KR" dirty="0">
+                <a:solidFill>
+                  <a:srgbClr val="D4D4D4"/>
+                </a:solidFill>
+                <a:latin typeface="Consolas" panose="020B0609020204030204" pitchFamily="49" charset="0"/>
+              </a:rPr>
+              <a:t>(</a:t>
+            </a:r>
+            <a:r>
+              <a:rPr lang="en-US" altLang="ko-KR" dirty="0">
+                <a:solidFill>
+                  <a:srgbClr val="B5CEA8"/>
+                </a:solidFill>
+                <a:latin typeface="Consolas" panose="020B0609020204030204" pitchFamily="49" charset="0"/>
+              </a:rPr>
+              <a:t>3</a:t>
+            </a:r>
+            <a:r>
+              <a:rPr lang="en-US" altLang="ko-KR" dirty="0">
+                <a:solidFill>
+                  <a:srgbClr val="D4D4D4"/>
+                </a:solidFill>
+                <a:latin typeface="Consolas" panose="020B0609020204030204" pitchFamily="49" charset="0"/>
+              </a:rPr>
+              <a:t> &lt; </a:t>
+            </a:r>
+            <a:r>
+              <a:rPr lang="en-US" altLang="ko-KR" dirty="0">
+                <a:solidFill>
+                  <a:srgbClr val="B5CEA8"/>
+                </a:solidFill>
+                <a:latin typeface="Consolas" panose="020B0609020204030204" pitchFamily="49" charset="0"/>
+              </a:rPr>
+              <a:t>6</a:t>
+            </a:r>
+            <a:r>
+              <a:rPr lang="en-US" altLang="ko-KR" dirty="0">
+                <a:solidFill>
+                  <a:srgbClr val="D4D4D4"/>
+                </a:solidFill>
+                <a:latin typeface="Consolas" panose="020B0609020204030204" pitchFamily="49" charset="0"/>
+              </a:rPr>
+              <a:t> </a:t>
+            </a:r>
+            <a:r>
+              <a:rPr lang="en-US" altLang="ko-KR" dirty="0">
+                <a:solidFill>
+                  <a:srgbClr val="C586C0"/>
+                </a:solidFill>
+                <a:latin typeface="Consolas" panose="020B0609020204030204" pitchFamily="49" charset="0"/>
+              </a:rPr>
+              <a:t>and</a:t>
+            </a:r>
+            <a:r>
+              <a:rPr lang="en-US" altLang="ko-KR" dirty="0">
+                <a:solidFill>
+                  <a:srgbClr val="D4D4D4"/>
+                </a:solidFill>
+                <a:latin typeface="Consolas" panose="020B0609020204030204" pitchFamily="49" charset="0"/>
+              </a:rPr>
+              <a:t> </a:t>
+            </a:r>
+            <a:r>
+              <a:rPr lang="en-US" altLang="ko-KR" dirty="0">
+                <a:solidFill>
+                  <a:srgbClr val="B5CEA8"/>
+                </a:solidFill>
+                <a:latin typeface="Consolas" panose="020B0609020204030204" pitchFamily="49" charset="0"/>
+              </a:rPr>
+              <a:t>10</a:t>
+            </a:r>
+            <a:r>
+              <a:rPr lang="en-US" altLang="ko-KR" dirty="0">
+                <a:solidFill>
+                  <a:srgbClr val="D4D4D4"/>
+                </a:solidFill>
+                <a:latin typeface="Consolas" panose="020B0609020204030204" pitchFamily="49" charset="0"/>
+              </a:rPr>
+              <a:t> &gt;= </a:t>
+            </a:r>
+            <a:r>
+              <a:rPr lang="en-US" altLang="ko-KR" dirty="0">
+                <a:solidFill>
+                  <a:srgbClr val="B5CEA8"/>
+                </a:solidFill>
+                <a:latin typeface="Consolas" panose="020B0609020204030204" pitchFamily="49" charset="0"/>
+              </a:rPr>
+              <a:t>7</a:t>
+            </a:r>
+            <a:r>
+              <a:rPr lang="en-US" altLang="ko-KR" dirty="0">
+                <a:solidFill>
+                  <a:srgbClr val="D4D4D4"/>
+                </a:solidFill>
+                <a:latin typeface="Consolas" panose="020B0609020204030204" pitchFamily="49" charset="0"/>
+              </a:rPr>
+              <a:t>)</a:t>
+            </a:r>
+          </a:p>
+          <a:p>
+            <a:r>
+              <a:rPr lang="en-US" altLang="ko-KR" dirty="0">
+                <a:solidFill>
+                  <a:srgbClr val="DCDCAA"/>
+                </a:solidFill>
+                <a:latin typeface="Consolas" panose="020B0609020204030204" pitchFamily="49" charset="0"/>
+              </a:rPr>
+              <a:t>print</a:t>
+            </a:r>
+            <a:r>
+              <a:rPr lang="en-US" altLang="ko-KR" dirty="0">
+                <a:solidFill>
+                  <a:srgbClr val="D4D4D4"/>
+                </a:solidFill>
+                <a:latin typeface="Consolas" panose="020B0609020204030204" pitchFamily="49" charset="0"/>
+              </a:rPr>
+              <a:t>(</a:t>
+            </a:r>
+            <a:r>
+              <a:rPr lang="en-US" altLang="ko-KR" dirty="0">
+                <a:solidFill>
+                  <a:srgbClr val="B5CEA8"/>
+                </a:solidFill>
+                <a:latin typeface="Consolas" panose="020B0609020204030204" pitchFamily="49" charset="0"/>
+              </a:rPr>
+              <a:t>1</a:t>
+            </a:r>
+            <a:r>
+              <a:rPr lang="en-US" altLang="ko-KR" dirty="0">
+                <a:solidFill>
+                  <a:srgbClr val="D4D4D4"/>
+                </a:solidFill>
+                <a:latin typeface="Consolas" panose="020B0609020204030204" pitchFamily="49" charset="0"/>
+              </a:rPr>
+              <a:t> == </a:t>
+            </a:r>
+            <a:r>
+              <a:rPr lang="en-US" altLang="ko-KR" dirty="0">
+                <a:solidFill>
+                  <a:srgbClr val="B5CEA8"/>
+                </a:solidFill>
+                <a:latin typeface="Consolas" panose="020B0609020204030204" pitchFamily="49" charset="0"/>
+              </a:rPr>
+              <a:t>1</a:t>
+            </a:r>
+            <a:r>
+              <a:rPr lang="en-US" altLang="ko-KR" dirty="0">
+                <a:solidFill>
+                  <a:srgbClr val="D4D4D4"/>
+                </a:solidFill>
+                <a:latin typeface="Consolas" panose="020B0609020204030204" pitchFamily="49" charset="0"/>
+              </a:rPr>
+              <a:t> </a:t>
+            </a:r>
+            <a:r>
+              <a:rPr lang="en-US" altLang="ko-KR" dirty="0">
+                <a:solidFill>
+                  <a:srgbClr val="C586C0"/>
+                </a:solidFill>
+                <a:latin typeface="Consolas" panose="020B0609020204030204" pitchFamily="49" charset="0"/>
+              </a:rPr>
+              <a:t>and</a:t>
+            </a:r>
+            <a:r>
+              <a:rPr lang="en-US" altLang="ko-KR" dirty="0">
+                <a:solidFill>
+                  <a:srgbClr val="D4D4D4"/>
+                </a:solidFill>
+                <a:latin typeface="Consolas" panose="020B0609020204030204" pitchFamily="49" charset="0"/>
+              </a:rPr>
+              <a:t> </a:t>
+            </a:r>
+            <a:r>
+              <a:rPr lang="en-US" altLang="ko-KR" dirty="0">
+                <a:solidFill>
+                  <a:srgbClr val="B5CEA8"/>
+                </a:solidFill>
+                <a:latin typeface="Consolas" panose="020B0609020204030204" pitchFamily="49" charset="0"/>
+              </a:rPr>
+              <a:t>4</a:t>
+            </a:r>
+            <a:r>
+              <a:rPr lang="en-US" altLang="ko-KR" dirty="0">
+                <a:solidFill>
+                  <a:srgbClr val="D4D4D4"/>
+                </a:solidFill>
+                <a:latin typeface="Consolas" panose="020B0609020204030204" pitchFamily="49" charset="0"/>
+              </a:rPr>
+              <a:t> &gt;= </a:t>
+            </a:r>
+            <a:r>
+              <a:rPr lang="en-US" altLang="ko-KR" dirty="0">
+                <a:solidFill>
+                  <a:srgbClr val="B5CEA8"/>
+                </a:solidFill>
+                <a:latin typeface="Consolas" panose="020B0609020204030204" pitchFamily="49" charset="0"/>
+              </a:rPr>
+              <a:t>7</a:t>
+            </a:r>
+            <a:r>
+              <a:rPr lang="en-US" altLang="ko-KR" dirty="0">
+                <a:solidFill>
+                  <a:srgbClr val="D4D4D4"/>
+                </a:solidFill>
+                <a:latin typeface="Consolas" panose="020B0609020204030204" pitchFamily="49" charset="0"/>
+              </a:rPr>
+              <a:t>)</a:t>
+            </a:r>
+          </a:p>
+          <a:p>
+            <a:r>
+              <a:rPr lang="en-US" altLang="ko-KR" dirty="0">
+                <a:solidFill>
+                  <a:srgbClr val="DCDCAA"/>
+                </a:solidFill>
+                <a:latin typeface="Consolas" panose="020B0609020204030204" pitchFamily="49" charset="0"/>
+              </a:rPr>
+              <a:t>print</a:t>
+            </a:r>
+            <a:r>
+              <a:rPr lang="en-US" altLang="ko-KR" dirty="0">
+                <a:solidFill>
+                  <a:srgbClr val="D4D4D4"/>
+                </a:solidFill>
+                <a:latin typeface="Consolas" panose="020B0609020204030204" pitchFamily="49" charset="0"/>
+              </a:rPr>
+              <a:t>(</a:t>
+            </a:r>
+            <a:r>
+              <a:rPr lang="en-US" altLang="ko-KR" dirty="0">
+                <a:solidFill>
+                  <a:srgbClr val="CE9178"/>
+                </a:solidFill>
+                <a:latin typeface="Consolas" panose="020B0609020204030204" pitchFamily="49" charset="0"/>
+              </a:rPr>
+              <a:t>"hello"</a:t>
+            </a:r>
+            <a:r>
+              <a:rPr lang="en-US" altLang="ko-KR" dirty="0">
+                <a:solidFill>
+                  <a:srgbClr val="D4D4D4"/>
+                </a:solidFill>
+                <a:latin typeface="Consolas" panose="020B0609020204030204" pitchFamily="49" charset="0"/>
+              </a:rPr>
+              <a:t> == </a:t>
+            </a:r>
+            <a:r>
+              <a:rPr lang="en-US" altLang="ko-KR" dirty="0">
+                <a:solidFill>
+                  <a:srgbClr val="CE9178"/>
+                </a:solidFill>
+                <a:latin typeface="Consolas" panose="020B0609020204030204" pitchFamily="49" charset="0"/>
+              </a:rPr>
+              <a:t>"hello"</a:t>
+            </a:r>
+            <a:r>
+              <a:rPr lang="en-US" altLang="ko-KR" dirty="0">
+                <a:solidFill>
+                  <a:srgbClr val="D4D4D4"/>
+                </a:solidFill>
+                <a:latin typeface="Consolas" panose="020B0609020204030204" pitchFamily="49" charset="0"/>
+              </a:rPr>
+              <a:t> </a:t>
+            </a:r>
+            <a:r>
+              <a:rPr lang="en-US" altLang="ko-KR" dirty="0">
+                <a:solidFill>
+                  <a:srgbClr val="C586C0"/>
+                </a:solidFill>
+                <a:latin typeface="Consolas" panose="020B0609020204030204" pitchFamily="49" charset="0"/>
+              </a:rPr>
+              <a:t>or</a:t>
+            </a:r>
+            <a:r>
+              <a:rPr lang="en-US" altLang="ko-KR" dirty="0">
+                <a:solidFill>
+                  <a:srgbClr val="D4D4D4"/>
+                </a:solidFill>
+                <a:latin typeface="Consolas" panose="020B0609020204030204" pitchFamily="49" charset="0"/>
+              </a:rPr>
+              <a:t> </a:t>
+            </a:r>
+            <a:r>
+              <a:rPr lang="en-US" altLang="ko-KR" dirty="0">
+                <a:solidFill>
+                  <a:srgbClr val="CE9178"/>
+                </a:solidFill>
+                <a:latin typeface="Consolas" panose="020B0609020204030204" pitchFamily="49" charset="0"/>
+              </a:rPr>
+              <a:t>"</a:t>
+            </a:r>
+            <a:r>
+              <a:rPr lang="en-US" altLang="ko-KR" dirty="0" err="1">
+                <a:solidFill>
+                  <a:srgbClr val="CE9178"/>
+                </a:solidFill>
+                <a:latin typeface="Consolas" panose="020B0609020204030204" pitchFamily="49" charset="0"/>
+              </a:rPr>
+              <a:t>santa</a:t>
+            </a:r>
+            <a:r>
+              <a:rPr lang="en-US" altLang="ko-KR" dirty="0">
+                <a:solidFill>
+                  <a:srgbClr val="CE9178"/>
+                </a:solidFill>
+                <a:latin typeface="Consolas" panose="020B0609020204030204" pitchFamily="49" charset="0"/>
+              </a:rPr>
+              <a:t>"</a:t>
+            </a:r>
+            <a:r>
+              <a:rPr lang="en-US" altLang="ko-KR" dirty="0">
+                <a:solidFill>
+                  <a:srgbClr val="D4D4D4"/>
+                </a:solidFill>
+                <a:latin typeface="Consolas" panose="020B0609020204030204" pitchFamily="49" charset="0"/>
+              </a:rPr>
+              <a:t> != </a:t>
+            </a:r>
+            <a:r>
+              <a:rPr lang="en-US" altLang="ko-KR" dirty="0">
+                <a:solidFill>
+                  <a:srgbClr val="CE9178"/>
+                </a:solidFill>
+                <a:latin typeface="Consolas" panose="020B0609020204030204" pitchFamily="49" charset="0"/>
+              </a:rPr>
+              <a:t>"</a:t>
+            </a:r>
+            <a:r>
+              <a:rPr lang="en-US" altLang="ko-KR" dirty="0" err="1">
+                <a:solidFill>
+                  <a:srgbClr val="CE9178"/>
+                </a:solidFill>
+                <a:latin typeface="Consolas" panose="020B0609020204030204" pitchFamily="49" charset="0"/>
+              </a:rPr>
+              <a:t>santa</a:t>
+            </a:r>
+            <a:r>
+              <a:rPr lang="en-US" altLang="ko-KR" dirty="0">
+                <a:solidFill>
+                  <a:srgbClr val="CE9178"/>
+                </a:solidFill>
+                <a:latin typeface="Consolas" panose="020B0609020204030204" pitchFamily="49" charset="0"/>
+              </a:rPr>
+              <a:t>"</a:t>
+            </a:r>
+            <a:r>
+              <a:rPr lang="en-US" altLang="ko-KR" dirty="0">
+                <a:solidFill>
+                  <a:srgbClr val="D4D4D4"/>
+                </a:solidFill>
+                <a:latin typeface="Consolas" panose="020B0609020204030204" pitchFamily="49" charset="0"/>
+              </a:rPr>
+              <a:t>)</a:t>
+            </a:r>
+          </a:p>
+          <a:p>
+            <a:r>
+              <a:rPr lang="en-US" altLang="ko-KR" dirty="0">
+                <a:solidFill>
+                  <a:srgbClr val="DCDCAA"/>
+                </a:solidFill>
+                <a:latin typeface="Consolas" panose="020B0609020204030204" pitchFamily="49" charset="0"/>
+              </a:rPr>
+              <a:t>print</a:t>
+            </a:r>
+            <a:r>
+              <a:rPr lang="en-US" altLang="ko-KR" dirty="0">
+                <a:solidFill>
+                  <a:srgbClr val="D4D4D4"/>
+                </a:solidFill>
+                <a:latin typeface="Consolas" panose="020B0609020204030204" pitchFamily="49" charset="0"/>
+              </a:rPr>
+              <a:t>(</a:t>
+            </a:r>
+            <a:r>
+              <a:rPr lang="en-US" altLang="ko-KR" dirty="0">
+                <a:solidFill>
+                  <a:srgbClr val="C586C0"/>
+                </a:solidFill>
+                <a:latin typeface="Consolas" panose="020B0609020204030204" pitchFamily="49" charset="0"/>
+              </a:rPr>
+              <a:t>not</a:t>
+            </a:r>
+            <a:r>
+              <a:rPr lang="en-US" altLang="ko-KR" dirty="0">
+                <a:solidFill>
+                  <a:srgbClr val="D4D4D4"/>
+                </a:solidFill>
+                <a:latin typeface="Consolas" panose="020B0609020204030204" pitchFamily="49" charset="0"/>
+              </a:rPr>
+              <a:t> </a:t>
+            </a:r>
+            <a:r>
+              <a:rPr lang="en-US" altLang="ko-KR" dirty="0">
+                <a:solidFill>
+                  <a:srgbClr val="B5CEA8"/>
+                </a:solidFill>
+                <a:latin typeface="Consolas" panose="020B0609020204030204" pitchFamily="49" charset="0"/>
+              </a:rPr>
+              <a:t>1</a:t>
+            </a:r>
+            <a:r>
+              <a:rPr lang="en-US" altLang="ko-KR" dirty="0">
+                <a:solidFill>
+                  <a:srgbClr val="D4D4D4"/>
+                </a:solidFill>
+                <a:latin typeface="Consolas" panose="020B0609020204030204" pitchFamily="49" charset="0"/>
+              </a:rPr>
+              <a:t> == </a:t>
+            </a:r>
+            <a:r>
+              <a:rPr lang="en-US" altLang="ko-KR" dirty="0">
+                <a:solidFill>
+                  <a:srgbClr val="B5CEA8"/>
+                </a:solidFill>
+                <a:latin typeface="Consolas" panose="020B0609020204030204" pitchFamily="49" charset="0"/>
+              </a:rPr>
+              <a:t>2</a:t>
+            </a:r>
+            <a:r>
+              <a:rPr lang="en-US" altLang="ko-KR" dirty="0">
+                <a:solidFill>
+                  <a:srgbClr val="D4D4D4"/>
+                </a:solidFill>
+                <a:latin typeface="Consolas" panose="020B0609020204030204" pitchFamily="49" charset="0"/>
+              </a:rPr>
+              <a:t>)</a:t>
+            </a:r>
+          </a:p>
+        </p:txBody>
+      </p:sp>
+      <p:sp>
+        <p:nvSpPr>
+          <p:cNvPr id="8" name="제목 1">
+            <a:extLst>
+              <a:ext uri="{FF2B5EF4-FFF2-40B4-BE49-F238E27FC236}">
+                <a16:creationId xmlns:a16="http://schemas.microsoft.com/office/drawing/2014/main" id="{A4BF065C-D7DA-4806-990A-824F7D09580C}"/>
+              </a:ext>
+            </a:extLst>
+          </p:cNvPr>
+          <p:cNvSpPr txBox="1">
+            <a:spLocks/>
+          </p:cNvSpPr>
+          <p:nvPr/>
+        </p:nvSpPr>
+        <p:spPr>
+          <a:xfrm>
+            <a:off x="685800" y="478579"/>
+            <a:ext cx="7772400" cy="1470025"/>
+          </a:xfrm>
+          <a:prstGeom prst="rect">
+            <a:avLst/>
+          </a:prstGeom>
+        </p:spPr>
+        <p:txBody>
+          <a:bodyPr vert="horz" lIns="91440" tIns="45720" rIns="91440" bIns="45720" rtlCol="0" anchor="ctr">
+            <a:normAutofit/>
+          </a:bodyPr>
+          <a:lstStyle>
+            <a:lvl1pPr algn="ctr" defTabSz="914400" rtl="0" eaLnBrk="1" latinLnBrk="1" hangingPunct="1">
+              <a:spcBef>
+                <a:spcPct val="0"/>
+              </a:spcBef>
+              <a:buNone/>
+              <a:defRPr sz="4400" kern="1200">
+                <a:solidFill>
+                  <a:schemeClr val="tx1"/>
+                </a:solidFill>
+                <a:latin typeface="+mj-lt"/>
+                <a:ea typeface="+mj-ea"/>
+                <a:cs typeface="+mj-cs"/>
+              </a:defRPr>
+            </a:lvl1pPr>
+          </a:lstStyle>
+          <a:p>
+            <a:r>
+              <a:rPr lang="en-US" altLang="ko-KR" dirty="0">
+                <a:latin typeface="배달의민족 주아" pitchFamily="18" charset="-127"/>
+                <a:ea typeface="배달의민족 주아" pitchFamily="18" charset="-127"/>
+              </a:rPr>
+              <a:t>QUIZ 3)</a:t>
+            </a:r>
+            <a:endParaRPr lang="ko-KR" altLang="en-US" dirty="0">
+              <a:latin typeface="배달의민족 주아" pitchFamily="18" charset="-127"/>
+              <a:ea typeface="배달의민족 주아" pitchFamily="18" charset="-127"/>
+            </a:endParaRPr>
+          </a:p>
+        </p:txBody>
+      </p:sp>
+    </p:spTree>
+    <p:extLst>
+      <p:ext uri="{BB962C8B-B14F-4D97-AF65-F5344CB8AC3E}">
+        <p14:creationId xmlns:p14="http://schemas.microsoft.com/office/powerpoint/2010/main" val="2153980766"/>
+      </p:ext>
+    </p:extLst>
+  </p:cSld>
+  <p:clrMapOvr>
+    <a:masterClrMapping/>
+  </p:clrMapOvr>
+</p:sld>
+</file>
+
+<file path=ppt/slides/slide21.xml><?xml version="1.0" encoding="utf-8"?>
+<p:sld xmlns:a="http://schemas.openxmlformats.org/drawingml/2006/main" xmlns:r="http://schemas.openxmlformats.org/officeDocument/2006/relationships" xmlns:p="http://schemas.openxmlformats.org/presentationml/2006/main">
+  <p:cSld>
+    <p:spTree>
+      <p:nvGrpSpPr>
+        <p:cNvPr id="1" name=""/>
+        <p:cNvGrpSpPr/>
+        <p:nvPr/>
+      </p:nvGrpSpPr>
+      <p:grpSpPr>
+        <a:xfrm>
+          <a:off x="0" y="0"/>
+          <a:ext cx="0" cy="0"/>
+          <a:chOff x="0" y="0"/>
+          <a:chExt cx="0" cy="0"/>
+        </a:xfrm>
+      </p:grpSpPr>
+      <p:sp>
+        <p:nvSpPr>
+          <p:cNvPr id="5" name="제목 1"/>
+          <p:cNvSpPr txBox="1">
+            <a:spLocks/>
+          </p:cNvSpPr>
+          <p:nvPr/>
+        </p:nvSpPr>
+        <p:spPr>
+          <a:xfrm>
+            <a:off x="827584" y="2204864"/>
+            <a:ext cx="7772400" cy="1470025"/>
+          </a:xfrm>
+          <a:prstGeom prst="rect">
+            <a:avLst/>
+          </a:prstGeom>
+        </p:spPr>
+        <p:txBody>
+          <a:bodyPr vert="horz" lIns="91440" tIns="45720" rIns="91440" bIns="45720" rtlCol="0" anchor="ctr">
+            <a:normAutofit/>
+          </a:bodyPr>
+          <a:lstStyle>
+            <a:lvl1pPr algn="ctr" defTabSz="914400" rtl="0" eaLnBrk="1" latinLnBrk="1" hangingPunct="1">
+              <a:spcBef>
+                <a:spcPct val="0"/>
+              </a:spcBef>
+              <a:buNone/>
+              <a:defRPr sz="4400" kern="1200">
+                <a:solidFill>
+                  <a:schemeClr val="tx1"/>
+                </a:solidFill>
+                <a:latin typeface="+mj-lt"/>
+                <a:ea typeface="+mj-ea"/>
+                <a:cs typeface="+mj-cs"/>
+              </a:defRPr>
+            </a:lvl1pPr>
+          </a:lstStyle>
+          <a:p>
+            <a:r>
+              <a:rPr lang="ko-KR" altLang="en-US" dirty="0">
+                <a:latin typeface="배달의민족 주아" pitchFamily="18" charset="-127"/>
+                <a:ea typeface="배달의민족 주아" pitchFamily="18" charset="-127"/>
+              </a:rPr>
+              <a:t>감사합니다</a:t>
+            </a:r>
+          </a:p>
+        </p:txBody>
+      </p:sp>
+      <p:sp>
+        <p:nvSpPr>
+          <p:cNvPr id="3" name="TextBox 2"/>
+          <p:cNvSpPr txBox="1"/>
+          <p:nvPr/>
+        </p:nvSpPr>
+        <p:spPr>
+          <a:xfrm>
+            <a:off x="6588224" y="6165304"/>
+            <a:ext cx="1838965" cy="369332"/>
+          </a:xfrm>
+          <a:prstGeom prst="rect">
+            <a:avLst/>
+          </a:prstGeom>
+          <a:noFill/>
+        </p:spPr>
+        <p:txBody>
+          <a:bodyPr wrap="none" rtlCol="0">
+            <a:spAutoFit/>
+          </a:bodyPr>
+          <a:lstStyle/>
+          <a:p>
+            <a:r>
+              <a:rPr lang="en-US" altLang="ko-KR" dirty="0">
+                <a:solidFill>
+                  <a:schemeClr val="accent5"/>
+                </a:solidFill>
+                <a:latin typeface="배달의민족 도현" pitchFamily="50" charset="-127"/>
+                <a:ea typeface="배달의민족 도현" pitchFamily="50" charset="-127"/>
+              </a:rPr>
+              <a:t>S</a:t>
+            </a:r>
+            <a:r>
+              <a:rPr lang="en-US" altLang="ko-KR" dirty="0">
+                <a:latin typeface="배달의민족 도현" pitchFamily="50" charset="-127"/>
+                <a:ea typeface="배달의민족 도현" pitchFamily="50" charset="-127"/>
+              </a:rPr>
+              <a:t>TART</a:t>
+            </a:r>
+            <a:r>
+              <a:rPr lang="en-US" altLang="ko-KR" dirty="0">
+                <a:solidFill>
+                  <a:schemeClr val="accent5"/>
+                </a:solidFill>
+                <a:latin typeface="배달의민족 도현" pitchFamily="50" charset="-127"/>
+                <a:ea typeface="배달의민족 도현" pitchFamily="50" charset="-127"/>
+              </a:rPr>
+              <a:t>C</a:t>
+            </a:r>
+            <a:r>
+              <a:rPr lang="en-US" altLang="ko-KR" dirty="0">
+                <a:latin typeface="배달의민족 도현" pitchFamily="50" charset="-127"/>
+                <a:ea typeface="배달의민족 도현" pitchFamily="50" charset="-127"/>
+              </a:rPr>
+              <a:t>ODING</a:t>
+            </a:r>
+            <a:endParaRPr lang="ko-KR" altLang="en-US" dirty="0">
+              <a:latin typeface="배달의민족 도현" pitchFamily="50" charset="-127"/>
+              <a:ea typeface="배달의민족 도현" pitchFamily="50" charset="-127"/>
+            </a:endParaRPr>
+          </a:p>
+        </p:txBody>
+      </p:sp>
+      <p:sp>
+        <p:nvSpPr>
+          <p:cNvPr id="4" name="직사각형 3"/>
+          <p:cNvSpPr/>
+          <p:nvPr/>
+        </p:nvSpPr>
+        <p:spPr>
+          <a:xfrm>
+            <a:off x="3054547" y="5723964"/>
+            <a:ext cx="3171061" cy="369332"/>
+          </a:xfrm>
+          <a:prstGeom prst="rect">
+            <a:avLst/>
+          </a:prstGeom>
+        </p:spPr>
+        <p:txBody>
+          <a:bodyPr wrap="none">
+            <a:spAutoFit/>
+          </a:bodyPr>
+          <a:lstStyle/>
+          <a:p>
+            <a:r>
+              <a:rPr lang="en-US" altLang="ko-KR" i="1" dirty="0">
+                <a:latin typeface="Adobe Ming Std L" pitchFamily="18" charset="-128"/>
+                <a:ea typeface="Adobe Ming Std L" pitchFamily="18" charset="-128"/>
+              </a:rPr>
+              <a:t>design icon from flaticon.com</a:t>
+            </a:r>
+            <a:endParaRPr lang="ko-KR" altLang="en-US" i="1" dirty="0">
+              <a:latin typeface="Adobe Ming Std L" pitchFamily="18" charset="-128"/>
+            </a:endParaRPr>
+          </a:p>
+        </p:txBody>
+      </p:sp>
+    </p:spTree>
+    <p:extLst>
+      <p:ext uri="{BB962C8B-B14F-4D97-AF65-F5344CB8AC3E}">
+        <p14:creationId xmlns:p14="http://schemas.microsoft.com/office/powerpoint/2010/main" val="984902709"/>
       </p:ext>
     </p:extLst>
   </p:cSld>
@@ -8832,13 +10211,13 @@
           </a:prstGeom>
         </p:spPr>
         <p:style>
-          <a:lnRef idx="1">
+          <a:lnRef idx="3">
             <a:schemeClr val="accent6"/>
           </a:lnRef>
           <a:fillRef idx="0">
             <a:schemeClr val="accent6"/>
           </a:fillRef>
-          <a:effectRef idx="0">
+          <a:effectRef idx="2">
             <a:schemeClr val="accent6"/>
           </a:effectRef>
           <a:fontRef idx="minor">
@@ -8862,13 +10241,13 @@
           </a:prstGeom>
         </p:spPr>
         <p:style>
-          <a:lnRef idx="1">
+          <a:lnRef idx="3">
             <a:schemeClr val="accent6"/>
           </a:lnRef>
           <a:fillRef idx="0">
             <a:schemeClr val="accent6"/>
           </a:fillRef>
-          <a:effectRef idx="0">
+          <a:effectRef idx="2">
             <a:schemeClr val="accent6"/>
           </a:effectRef>
           <a:fontRef idx="minor">
@@ -8892,13 +10271,13 @@
           </a:prstGeom>
         </p:spPr>
         <p:style>
-          <a:lnRef idx="1">
+          <a:lnRef idx="3">
             <a:schemeClr val="accent6"/>
           </a:lnRef>
           <a:fillRef idx="0">
             <a:schemeClr val="accent6"/>
           </a:fillRef>
-          <a:effectRef idx="0">
+          <a:effectRef idx="2">
             <a:schemeClr val="accent6"/>
           </a:effectRef>
           <a:fontRef idx="minor">
@@ -10298,7 +11677,7 @@
         </p:nvSpPr>
         <p:spPr>
           <a:xfrm>
-            <a:off x="685800" y="1628800"/>
+            <a:off x="685800" y="260648"/>
             <a:ext cx="7772400" cy="1470025"/>
           </a:xfrm>
         </p:spPr>
@@ -10311,8 +11690,19 @@
                 <a:latin typeface="배달의민족 주아" pitchFamily="18" charset="-127"/>
                 <a:ea typeface="배달의민족 주아" pitchFamily="18" charset="-127"/>
               </a:rPr>
-              <a:t>문자열연산</a:t>
-            </a:r>
+              <a:t>사용자로부터 </a:t>
+            </a:r>
+            <a:r>
+              <a:rPr lang="ko-KR" altLang="en-US" dirty="0" err="1">
+                <a:latin typeface="배달의민족 주아" pitchFamily="18" charset="-127"/>
+                <a:ea typeface="배달의민족 주아" pitchFamily="18" charset="-127"/>
+              </a:rPr>
+              <a:t>입력받기</a:t>
+            </a:r>
+            <a:endParaRPr lang="ko-KR" altLang="en-US" dirty="0">
+              <a:latin typeface="배달의민족 주아" pitchFamily="18" charset="-127"/>
+              <a:ea typeface="배달의민족 주아" pitchFamily="18" charset="-127"/>
+            </a:endParaRPr>
           </a:p>
         </p:txBody>
       </p:sp>
@@ -10381,7 +11771,59 @@
       </p:sp>
       <p:sp>
         <p:nvSpPr>
-          <p:cNvPr id="6" name="제목 1"/>
+          <p:cNvPr id="8" name="직사각형 7"/>
+          <p:cNvSpPr/>
+          <p:nvPr/>
+        </p:nvSpPr>
+        <p:spPr>
+          <a:xfrm>
+            <a:off x="107504" y="116632"/>
+            <a:ext cx="2592288" cy="369332"/>
+          </a:xfrm>
+          <a:prstGeom prst="rect">
+            <a:avLst/>
+          </a:prstGeom>
+        </p:spPr>
+        <p:txBody>
+          <a:bodyPr wrap="square">
+            <a:spAutoFit/>
+          </a:bodyPr>
+          <a:lstStyle/>
+          <a:p>
+            <a:r>
+              <a:rPr lang="en-US" altLang="ko-KR" dirty="0">
+                <a:latin typeface="배달의민족 주아" pitchFamily="18" charset="-127"/>
+                <a:ea typeface="배달의민족 주아" pitchFamily="18" charset="-127"/>
+              </a:rPr>
+              <a:t>2</a:t>
+            </a:r>
+            <a:r>
+              <a:rPr lang="en-US" altLang="ko-KR">
+                <a:latin typeface="배달의민족 주아" pitchFamily="18" charset="-127"/>
+                <a:ea typeface="배달의민족 주아" pitchFamily="18" charset="-127"/>
+              </a:rPr>
+              <a:t>. </a:t>
+            </a:r>
+            <a:r>
+              <a:rPr lang="ko-KR" altLang="en-US" dirty="0">
+                <a:latin typeface="배달의민족 주아" pitchFamily="18" charset="-127"/>
+                <a:ea typeface="배달의민족 주아" pitchFamily="18" charset="-127"/>
+              </a:rPr>
+              <a:t>산술연산</a:t>
+            </a:r>
+            <a:endParaRPr lang="ko-KR" altLang="en-US" dirty="0"/>
+          </a:p>
+        </p:txBody>
+      </p:sp>
+      <p:sp>
+        <p:nvSpPr>
+          <p:cNvPr id="6" name="제목 1">
+            <a:extLst>
+              <a:ext uri="{FF2B5EF4-FFF2-40B4-BE49-F238E27FC236}">
+                <a16:creationId xmlns:a16="http://schemas.microsoft.com/office/drawing/2014/main" id="{0495BD54-2FB8-48CA-9AC2-8E6FAC9BC916}"/>
+              </a:ext>
+            </a:extLst>
+          </p:cNvPr>
           <p:cNvSpPr txBox="1">
             <a:spLocks/>
           </p:cNvSpPr>
@@ -10389,7 +11831,7 @@
         </p:nvSpPr>
         <p:spPr>
           <a:xfrm>
-            <a:off x="1331640" y="2780928"/>
+            <a:off x="1401052" y="1628800"/>
             <a:ext cx="6336703" cy="1470025"/>
           </a:xfrm>
           <a:prstGeom prst="rect">
@@ -10418,51 +11860,27 @@
           </a:lstStyle>
           <a:p>
             <a:r>
-              <a:rPr lang="en-US" altLang="ko-KR" sz="4000" dirty="0" err="1">
+              <a:rPr lang="en-US" altLang="ko-KR" sz="4000" dirty="0">
                 <a:solidFill>
                   <a:schemeClr val="accent6"/>
                 </a:solidFill>
                 <a:latin typeface="배달의민족 주아" pitchFamily="18" charset="-127"/>
                 <a:ea typeface="배달의민족 주아" pitchFamily="18" charset="-127"/>
               </a:rPr>
-              <a:t>nickName</a:t>
-            </a:r>
-            <a:r>
-              <a:rPr lang="en-US" altLang="ko-KR" sz="4000" dirty="0">
-                <a:solidFill>
-                  <a:schemeClr val="accent6"/>
-                </a:solidFill>
-                <a:latin typeface="배달의민족 주아" pitchFamily="18" charset="-127"/>
-                <a:ea typeface="배달의민족 주아" pitchFamily="18" charset="-127"/>
-              </a:rPr>
-              <a:t> = "</a:t>
-            </a:r>
-            <a:r>
-              <a:rPr lang="ko-KR" altLang="en-US" sz="4000" dirty="0" err="1">
-                <a:solidFill>
-                  <a:schemeClr val="accent6"/>
-                </a:solidFill>
-                <a:latin typeface="배달의민족 주아" pitchFamily="18" charset="-127"/>
-                <a:ea typeface="배달의민족 주아" pitchFamily="18" charset="-127"/>
-              </a:rPr>
-              <a:t>이근대위</a:t>
-            </a:r>
-            <a:r>
-              <a:rPr lang="en-US" altLang="ko-KR" sz="4000" dirty="0">
-                <a:solidFill>
-                  <a:schemeClr val="accent6"/>
-                </a:solidFill>
-                <a:latin typeface="배달의민족 주아" pitchFamily="18" charset="-127"/>
-                <a:ea typeface="배달의민족 주아" pitchFamily="18" charset="-127"/>
-              </a:rPr>
-              <a:t>";</a:t>
-            </a:r>
-          </a:p>
-        </p:txBody>
-      </p:sp>
-      <p:sp>
-        <p:nvSpPr>
-          <p:cNvPr id="7" name="제목 1"/>
+              <a:t>x = input()</a:t>
+            </a:r>
+          </a:p>
+        </p:txBody>
+      </p:sp>
+      <p:sp>
+        <p:nvSpPr>
+          <p:cNvPr id="7" name="제목 1">
+            <a:extLst>
+              <a:ext uri="{FF2B5EF4-FFF2-40B4-BE49-F238E27FC236}">
+                <a16:creationId xmlns:a16="http://schemas.microsoft.com/office/drawing/2014/main" id="{B928C3B0-93EF-4BC6-9ECE-CE3EABC03CDA}"/>
+              </a:ext>
+            </a:extLst>
+          </p:cNvPr>
           <p:cNvSpPr txBox="1">
             <a:spLocks/>
           </p:cNvSpPr>
@@ -10470,8 +11888,8 @@
         </p:nvSpPr>
         <p:spPr>
           <a:xfrm>
-            <a:off x="1547665" y="4005064"/>
-            <a:ext cx="6120678" cy="1656184"/>
+            <a:off x="1403648" y="3429000"/>
+            <a:ext cx="6696744" cy="1944216"/>
           </a:xfrm>
           <a:prstGeom prst="rect">
             <a:avLst/>
@@ -10479,7 +11897,7 @@
         </p:spPr>
         <p:txBody>
           <a:bodyPr vert="horz" lIns="91440" tIns="45720" rIns="91440" bIns="45720" rtlCol="0" anchor="ctr">
-            <a:normAutofit/>
+            <a:normAutofit fontScale="62500" lnSpcReduction="20000"/>
           </a:bodyPr>
           <a:lstStyle>
             <a:lvl1pPr algn="ctr" defTabSz="914400" rtl="0" eaLnBrk="1" latinLnBrk="1" hangingPunct="1">
@@ -10498,91 +11916,112 @@
             </a:lvl1pPr>
           </a:lstStyle>
           <a:p>
-            <a:r>
-              <a:rPr lang="en-US" altLang="ko-KR" sz="2800" dirty="0">
-                <a:latin typeface="배달의민족 주아" pitchFamily="18" charset="-127"/>
-                <a:ea typeface="배달의민족 주아" pitchFamily="18" charset="-127"/>
-              </a:rPr>
-              <a:t>console.log(</a:t>
-            </a:r>
-            <a:r>
-              <a:rPr lang="en-US" altLang="ko-KR" sz="2800" dirty="0" err="1">
-                <a:latin typeface="배달의민족 주아" pitchFamily="18" charset="-127"/>
-                <a:ea typeface="배달의민족 주아" pitchFamily="18" charset="-127"/>
-              </a:rPr>
-              <a:t>nickName</a:t>
-            </a:r>
-            <a:r>
-              <a:rPr lang="en-US" altLang="ko-KR" sz="2800" dirty="0">
-                <a:latin typeface="배달의민족 주아" pitchFamily="18" charset="-127"/>
-                <a:ea typeface="배달의민족 주아" pitchFamily="18" charset="-127"/>
-              </a:rPr>
-              <a:t>+"</a:t>
-            </a:r>
-            <a:r>
-              <a:rPr lang="ko-KR" altLang="en-US" sz="2800" dirty="0">
-                <a:latin typeface="배달의민족 주아" pitchFamily="18" charset="-127"/>
-                <a:ea typeface="배달의민족 주아" pitchFamily="18" charset="-127"/>
-              </a:rPr>
-              <a:t>님 반갑습니다</a:t>
-            </a:r>
-            <a:r>
-              <a:rPr lang="en-US" altLang="ko-KR" sz="2800" dirty="0">
-                <a:latin typeface="배달의민족 주아" pitchFamily="18" charset="-127"/>
-                <a:ea typeface="배달의민족 주아" pitchFamily="18" charset="-127"/>
-              </a:rPr>
-              <a:t>.");</a:t>
-            </a:r>
-            <a:endParaRPr lang="ko-KR" altLang="en-US" sz="2800" dirty="0">
+            <a:pPr marL="742950" indent="-742950" algn="l">
+              <a:buAutoNum type="arabicPeriod"/>
+            </a:pPr>
+            <a:r>
+              <a:rPr lang="ko-KR" altLang="en-US" sz="4000" dirty="0">
+                <a:latin typeface="배달의민족 주아" pitchFamily="18" charset="-127"/>
+                <a:ea typeface="배달의민족 주아" pitchFamily="18" charset="-127"/>
+              </a:rPr>
+              <a:t>등호 오른쪽부터 실행</a:t>
+            </a:r>
+            <a:endParaRPr lang="en-US" altLang="ko-KR" sz="4000" dirty="0">
               <a:latin typeface="배달의민족 주아" pitchFamily="18" charset="-127"/>
               <a:ea typeface="배달의민족 주아" pitchFamily="18" charset="-127"/>
             </a:endParaRPr>
           </a:p>
-        </p:txBody>
-      </p:sp>
-      <p:sp>
-        <p:nvSpPr>
-          <p:cNvPr id="8" name="직사각형 7"/>
-          <p:cNvSpPr/>
-          <p:nvPr/>
-        </p:nvSpPr>
-        <p:spPr>
-          <a:xfrm>
-            <a:off x="107504" y="116632"/>
-            <a:ext cx="2592288" cy="369332"/>
-          </a:xfrm>
-          <a:prstGeom prst="rect">
-            <a:avLst/>
-          </a:prstGeom>
-        </p:spPr>
-        <p:txBody>
-          <a:bodyPr wrap="square">
-            <a:spAutoFit/>
-          </a:bodyPr>
-          <a:lstStyle/>
-          <a:p>
-            <a:r>
-              <a:rPr lang="en-US" altLang="ko-KR" dirty="0">
-                <a:latin typeface="배달의민족 주아" pitchFamily="18" charset="-127"/>
-                <a:ea typeface="배달의민족 주아" pitchFamily="18" charset="-127"/>
-              </a:rPr>
-              <a:t>2. </a:t>
-            </a:r>
-            <a:r>
-              <a:rPr lang="ko-KR" altLang="en-US" dirty="0">
-                <a:latin typeface="배달의민족 주아" pitchFamily="18" charset="-127"/>
-                <a:ea typeface="배달의민족 주아" pitchFamily="18" charset="-127"/>
-              </a:rPr>
-              <a:t>산술연산</a:t>
-            </a:r>
-            <a:endParaRPr lang="ko-KR" altLang="en-US" dirty="0"/>
+          <a:p>
+            <a:pPr marL="742950" indent="-742950" algn="l">
+              <a:buAutoNum type="arabicPeriod"/>
+            </a:pPr>
+            <a:endParaRPr lang="en-US" altLang="ko-KR" sz="4000" dirty="0">
+              <a:latin typeface="배달의민족 주아" pitchFamily="18" charset="-127"/>
+              <a:ea typeface="배달의민족 주아" pitchFamily="18" charset="-127"/>
+            </a:endParaRPr>
+          </a:p>
+          <a:p>
+            <a:pPr marL="742950" indent="-742950" algn="l">
+              <a:buAutoNum type="arabicPeriod"/>
+            </a:pPr>
+            <a:r>
+              <a:rPr lang="en-US" altLang="ko-KR" sz="4000" dirty="0">
+                <a:latin typeface="배달의민족 주아" pitchFamily="18" charset="-127"/>
+                <a:ea typeface="배달의민족 주아" pitchFamily="18" charset="-127"/>
+              </a:rPr>
+              <a:t>input()  -&gt; </a:t>
+            </a:r>
+            <a:r>
+              <a:rPr lang="ko-KR" altLang="en-US" sz="4000" dirty="0">
+                <a:latin typeface="배달의민족 주아" pitchFamily="18" charset="-127"/>
+                <a:ea typeface="배달의민족 주아" pitchFamily="18" charset="-127"/>
+              </a:rPr>
+              <a:t>사용자로부터 입력을 받고</a:t>
+            </a:r>
+            <a:r>
+              <a:rPr lang="en-US" altLang="ko-KR" sz="4000" dirty="0">
+                <a:latin typeface="배달의민족 주아" pitchFamily="18" charset="-127"/>
+                <a:ea typeface="배달의민족 주아" pitchFamily="18" charset="-127"/>
+              </a:rPr>
+              <a:t>,</a:t>
+            </a:r>
+            <a:r>
+              <a:rPr lang="ko-KR" altLang="en-US" sz="4000" dirty="0">
+                <a:latin typeface="배달의민족 주아" pitchFamily="18" charset="-127"/>
+                <a:ea typeface="배달의민족 주아" pitchFamily="18" charset="-127"/>
+              </a:rPr>
+              <a:t> 입력 받은 값을 반환</a:t>
+            </a:r>
+            <a:endParaRPr lang="en-US" altLang="ko-KR" sz="4000" dirty="0">
+              <a:latin typeface="배달의민족 주아" pitchFamily="18" charset="-127"/>
+              <a:ea typeface="배달의민족 주아" pitchFamily="18" charset="-127"/>
+            </a:endParaRPr>
+          </a:p>
+          <a:p>
+            <a:pPr marL="742950" indent="-742950" algn="l">
+              <a:buAutoNum type="arabicPeriod"/>
+            </a:pPr>
+            <a:endParaRPr lang="en-US" altLang="ko-KR" sz="4000" dirty="0">
+              <a:latin typeface="배달의민족 주아" pitchFamily="18" charset="-127"/>
+              <a:ea typeface="배달의민족 주아" pitchFamily="18" charset="-127"/>
+            </a:endParaRPr>
+          </a:p>
+          <a:p>
+            <a:pPr marL="742950" indent="-742950" algn="l">
+              <a:buAutoNum type="arabicPeriod"/>
+            </a:pPr>
+            <a:r>
+              <a:rPr lang="ko-KR" altLang="en-US" sz="4000" dirty="0">
+                <a:latin typeface="배달의민족 주아" pitchFamily="18" charset="-127"/>
+                <a:ea typeface="배달의민족 주아" pitchFamily="18" charset="-127"/>
+              </a:rPr>
+              <a:t>오른쪽에 있는 반환된 값을 왼쪽 </a:t>
+            </a:r>
+            <a:r>
+              <a:rPr lang="en-US" altLang="ko-KR" sz="4000" dirty="0">
+                <a:latin typeface="배달의민족 주아" pitchFamily="18" charset="-127"/>
+                <a:ea typeface="배달의민족 주아" pitchFamily="18" charset="-127"/>
+              </a:rPr>
+              <a:t>x</a:t>
+            </a:r>
+            <a:r>
+              <a:rPr lang="ko-KR" altLang="en-US" sz="4000" dirty="0">
+                <a:latin typeface="배달의민족 주아" pitchFamily="18" charset="-127"/>
+                <a:ea typeface="배달의민족 주아" pitchFamily="18" charset="-127"/>
+              </a:rPr>
+              <a:t>변수에 저장</a:t>
+            </a:r>
+            <a:endParaRPr lang="en-US" altLang="ko-KR" sz="4000" dirty="0">
+              <a:latin typeface="배달의민족 주아" pitchFamily="18" charset="-127"/>
+              <a:ea typeface="배달의민족 주아" pitchFamily="18" charset="-127"/>
+            </a:endParaRPr>
           </a:p>
         </p:txBody>
       </p:sp>
     </p:spTree>
     <p:extLst>
       <p:ext uri="{BB962C8B-B14F-4D97-AF65-F5344CB8AC3E}">
-        <p14:creationId xmlns:p14="http://schemas.microsoft.com/office/powerpoint/2010/main" val="1182594767"/>
+        <p14:creationId xmlns:p14="http://schemas.microsoft.com/office/powerpoint/2010/main" val="3574385413"/>
       </p:ext>
     </p:extLst>
   </p:cSld>
@@ -10761,7 +12200,7 @@
         </p:nvSpPr>
         <p:spPr>
           <a:xfrm>
-            <a:off x="685800" y="1340768"/>
+            <a:off x="685800" y="620688"/>
             <a:ext cx="7772400" cy="1470025"/>
           </a:xfrm>
         </p:spPr>
@@ -10770,12 +12209,16 @@
           <a:lstStyle/>
           <a:p>
             <a:r>
-              <a:rPr lang="ko-KR" altLang="en-US" dirty="0">
-                <a:latin typeface="배달의민족 주아" pitchFamily="18" charset="-127"/>
-                <a:ea typeface="배달의민족 주아" pitchFamily="18" charset="-127"/>
-              </a:rPr>
-              <a:t>비교연산</a:t>
-            </a:r>
+              <a:rPr lang="en-US" altLang="ko-KR" dirty="0">
+                <a:latin typeface="배달의민족 주아" pitchFamily="18" charset="-127"/>
+                <a:ea typeface="배달의민족 주아" pitchFamily="18" charset="-127"/>
+              </a:rPr>
+              <a:t>QUIZ 1)</a:t>
+            </a:r>
+            <a:endParaRPr lang="ko-KR" altLang="en-US" dirty="0">
+              <a:latin typeface="배달의민족 주아" pitchFamily="18" charset="-127"/>
+              <a:ea typeface="배달의민족 주아" pitchFamily="18" charset="-127"/>
+            </a:endParaRPr>
           </a:p>
         </p:txBody>
       </p:sp>
@@ -10842,140 +12285,6 @@
           </a:p>
         </p:txBody>
       </p:sp>
-      <p:pic>
-        <p:nvPicPr>
-          <p:cNvPr id="5" name="Picture 3" descr="C:\Users\Administrator\Downloads\free-icon-shirt-892458.png"/>
-          <p:cNvPicPr>
-            <a:picLocks noChangeAspect="1" noChangeArrowheads="1"/>
-          </p:cNvPicPr>
-          <p:nvPr/>
-        </p:nvPicPr>
-        <p:blipFill>
-          <a:blip r:embed="rId2" cstate="print">
-            <a:extLst>
-              <a:ext uri="{28A0092B-C50C-407E-A947-70E740481C1C}">
-                <a14:useLocalDpi xmlns:a14="http://schemas.microsoft.com/office/drawing/2010/main" val="0"/>
-              </a:ext>
-            </a:extLst>
-          </a:blip>
-          <a:srcRect/>
-          <a:stretch>
-            <a:fillRect/>
-          </a:stretch>
-        </p:blipFill>
-        <p:spPr bwMode="auto">
-          <a:xfrm>
-            <a:off x="3131840" y="3100098"/>
-            <a:ext cx="800125" cy="800125"/>
-          </a:xfrm>
-          <a:prstGeom prst="rect">
-            <a:avLst/>
-          </a:prstGeom>
-          <a:noFill/>
-          <a:extLst>
-            <a:ext uri="{909E8E84-426E-40DD-AFC4-6F175D3DCCD1}">
-              <a14:hiddenFill xmlns:a14="http://schemas.microsoft.com/office/drawing/2010/main">
-                <a:solidFill>
-                  <a:srgbClr val="FFFFFF"/>
-                </a:solidFill>
-              </a14:hiddenFill>
-            </a:ext>
-          </a:extLst>
-        </p:spPr>
-      </p:pic>
-      <p:pic>
-        <p:nvPicPr>
-          <p:cNvPr id="6" name="Picture 2" descr="C:\Users\Administrator\Downloads\free-icon-shirt-941419.png"/>
-          <p:cNvPicPr>
-            <a:picLocks noChangeAspect="1" noChangeArrowheads="1"/>
-          </p:cNvPicPr>
-          <p:nvPr/>
-        </p:nvPicPr>
-        <p:blipFill>
-          <a:blip r:embed="rId3" cstate="print">
-            <a:extLst>
-              <a:ext uri="{28A0092B-C50C-407E-A947-70E740481C1C}">
-                <a14:useLocalDpi xmlns:a14="http://schemas.microsoft.com/office/drawing/2010/main" val="0"/>
-              </a:ext>
-            </a:extLst>
-          </a:blip>
-          <a:srcRect/>
-          <a:stretch>
-            <a:fillRect/>
-          </a:stretch>
-        </p:blipFill>
-        <p:spPr bwMode="auto">
-          <a:xfrm>
-            <a:off x="5151622" y="3068960"/>
-            <a:ext cx="860538" cy="860538"/>
-          </a:xfrm>
-          <a:prstGeom prst="rect">
-            <a:avLst/>
-          </a:prstGeom>
-          <a:noFill/>
-          <a:extLst>
-            <a:ext uri="{909E8E84-426E-40DD-AFC4-6F175D3DCCD1}">
-              <a14:hiddenFill xmlns:a14="http://schemas.microsoft.com/office/drawing/2010/main">
-                <a:solidFill>
-                  <a:srgbClr val="FFFFFF"/>
-                </a:solidFill>
-              </a14:hiddenFill>
-            </a:ext>
-          </a:extLst>
-        </p:spPr>
-      </p:pic>
-      <p:sp>
-        <p:nvSpPr>
-          <p:cNvPr id="7" name="제목 1"/>
-          <p:cNvSpPr txBox="1">
-            <a:spLocks/>
-          </p:cNvSpPr>
-          <p:nvPr/>
-        </p:nvSpPr>
-        <p:spPr>
-          <a:xfrm>
-            <a:off x="674964" y="2852936"/>
-            <a:ext cx="7772400" cy="1470025"/>
-          </a:xfrm>
-          <a:prstGeom prst="rect">
-            <a:avLst/>
-          </a:prstGeom>
-        </p:spPr>
-        <p:txBody>
-          <a:bodyPr vert="horz" lIns="91440" tIns="45720" rIns="91440" bIns="45720" rtlCol="0" anchor="ctr">
-            <a:normAutofit/>
-          </a:bodyPr>
-          <a:lstStyle>
-            <a:lvl1pPr algn="ctr" defTabSz="914400" rtl="0" eaLnBrk="1" latinLnBrk="1" hangingPunct="1">
-              <a:spcBef>
-                <a:spcPct val="0"/>
-              </a:spcBef>
-              <a:buNone/>
-              <a:defRPr sz="4400" kern="1200">
-                <a:solidFill>
-                  <a:schemeClr val="tx1"/>
-                </a:solidFill>
-                <a:latin typeface="+mj-lt"/>
-                <a:ea typeface="+mj-ea"/>
-                <a:cs typeface="+mj-cs"/>
-              </a:defRPr>
-            </a:lvl1pPr>
-          </a:lstStyle>
-          <a:p>
-            <a:r>
-              <a:rPr lang="en-US" altLang="ko-KR" dirty="0">
-                <a:latin typeface="배달의민족 주아" pitchFamily="18" charset="-127"/>
-                <a:ea typeface="배달의민족 주아" pitchFamily="18" charset="-127"/>
-              </a:rPr>
-              <a:t>?</a:t>
-            </a:r>
-            <a:endParaRPr lang="ko-KR" altLang="en-US" dirty="0">
-              <a:latin typeface="배달의민족 주아" pitchFamily="18" charset="-127"/>
-              <a:ea typeface="배달의민족 주아" pitchFamily="18" charset="-127"/>
-            </a:endParaRPr>
-          </a:p>
-        </p:txBody>
-      </p:sp>
       <p:sp>
         <p:nvSpPr>
           <p:cNvPr id="8" name="직사각형 7"/>
@@ -11002,500 +12311,119 @@
                 <a:latin typeface="배달의민족 주아" pitchFamily="18" charset="-127"/>
                 <a:ea typeface="배달의민족 주아" pitchFamily="18" charset="-127"/>
               </a:rPr>
-              <a:t>3. </a:t>
+              <a:t>2</a:t>
+            </a:r>
+            <a:r>
+              <a:rPr lang="en-US" altLang="ko-KR">
+                <a:latin typeface="배달의민족 주아" pitchFamily="18" charset="-127"/>
+                <a:ea typeface="배달의민족 주아" pitchFamily="18" charset="-127"/>
+              </a:rPr>
+              <a:t>. </a:t>
             </a:r>
             <a:r>
               <a:rPr lang="ko-KR" altLang="en-US" dirty="0">
                 <a:latin typeface="배달의민족 주아" pitchFamily="18" charset="-127"/>
                 <a:ea typeface="배달의민족 주아" pitchFamily="18" charset="-127"/>
               </a:rPr>
-              <a:t>비교연산</a:t>
+              <a:t>산술연산</a:t>
             </a:r>
             <a:endParaRPr lang="ko-KR" altLang="en-US" dirty="0"/>
           </a:p>
         </p:txBody>
       </p:sp>
-    </p:spTree>
-    <p:extLst>
-      <p:ext uri="{BB962C8B-B14F-4D97-AF65-F5344CB8AC3E}">
-        <p14:creationId xmlns:p14="http://schemas.microsoft.com/office/powerpoint/2010/main" val="1463895024"/>
-      </p:ext>
-    </p:extLst>
-  </p:cSld>
-  <p:clrMapOvr>
-    <a:masterClrMapping/>
-  </p:clrMapOvr>
-</p:sld>
-</file>
-
-<file path=ppt/slides/slide9.xml><?xml version="1.0" encoding="utf-8"?>
-<p:sld xmlns:a="http://schemas.openxmlformats.org/drawingml/2006/main" xmlns:r="http://schemas.openxmlformats.org/officeDocument/2006/relationships" xmlns:p="http://schemas.openxmlformats.org/presentationml/2006/main">
-  <p:cSld>
-    <p:spTree>
-      <p:nvGrpSpPr>
-        <p:cNvPr id="1" name=""/>
-        <p:cNvGrpSpPr/>
-        <p:nvPr/>
-      </p:nvGrpSpPr>
-      <p:grpSpPr>
-        <a:xfrm>
-          <a:off x="0" y="0"/>
-          <a:ext cx="0" cy="0"/>
-          <a:chOff x="0" y="0"/>
-          <a:chExt cx="0" cy="0"/>
-        </a:xfrm>
-      </p:grpSpPr>
-      <p:sp>
-        <p:nvSpPr>
-          <p:cNvPr id="2" name="제목 1"/>
-          <p:cNvSpPr>
-            <a:spLocks noGrp="1"/>
+      <p:sp>
+        <p:nvSpPr>
+          <p:cNvPr id="6" name="제목 1">
+            <a:extLst>
+              <a:ext uri="{FF2B5EF4-FFF2-40B4-BE49-F238E27FC236}">
+                <a16:creationId xmlns:a16="http://schemas.microsoft.com/office/drawing/2014/main" id="{0495BD54-2FB8-48CA-9AC2-8E6FAC9BC916}"/>
+              </a:ext>
+            </a:extLst>
+          </p:cNvPr>
+          <p:cNvSpPr txBox="1">
+            <a:spLocks/>
           </p:cNvSpPr>
-          <p:nvPr>
-            <p:ph type="ctrTitle"/>
-          </p:nvPr>
+          <p:nvPr/>
         </p:nvSpPr>
         <p:spPr>
           <a:xfrm>
-            <a:off x="685800" y="1340768"/>
-            <a:ext cx="7772400" cy="1470025"/>
-          </a:xfrm>
-        </p:spPr>
-        <p:txBody>
-          <a:bodyPr/>
-          <a:lstStyle/>
-          <a:p>
-            <a:r>
-              <a:rPr lang="ko-KR" altLang="en-US" dirty="0">
-                <a:latin typeface="배달의민족 주아" pitchFamily="18" charset="-127"/>
-                <a:ea typeface="배달의민족 주아" pitchFamily="18" charset="-127"/>
-              </a:rPr>
-              <a:t>비교연산</a:t>
-            </a:r>
-          </a:p>
-        </p:txBody>
-      </p:sp>
-      <p:sp>
-        <p:nvSpPr>
-          <p:cNvPr id="3" name="TextBox 2"/>
-          <p:cNvSpPr txBox="1"/>
-          <p:nvPr/>
-        </p:nvSpPr>
-        <p:spPr>
-          <a:xfrm>
-            <a:off x="6588224" y="6165304"/>
-            <a:ext cx="1838965" cy="369332"/>
-          </a:xfrm>
-          <a:prstGeom prst="rect">
-            <a:avLst/>
-          </a:prstGeom>
-          <a:noFill/>
-        </p:spPr>
-        <p:txBody>
-          <a:bodyPr wrap="none" rtlCol="0">
-            <a:spAutoFit/>
-          </a:bodyPr>
-          <a:lstStyle/>
-          <a:p>
-            <a:r>
-              <a:rPr lang="en-US" altLang="ko-KR" dirty="0">
-                <a:solidFill>
-                  <a:schemeClr val="accent5"/>
-                </a:solidFill>
-                <a:latin typeface="배달의민족 도현" pitchFamily="50" charset="-127"/>
-                <a:ea typeface="배달의민족 도현" pitchFamily="50" charset="-127"/>
-              </a:rPr>
-              <a:t>S</a:t>
-            </a:r>
-            <a:r>
-              <a:rPr lang="en-US" altLang="ko-KR" dirty="0">
-                <a:latin typeface="배달의민족 도현" pitchFamily="50" charset="-127"/>
-                <a:ea typeface="배달의민족 도현" pitchFamily="50" charset="-127"/>
-              </a:rPr>
-              <a:t>TART</a:t>
-            </a:r>
-            <a:r>
-              <a:rPr lang="en-US" altLang="ko-KR" dirty="0">
-                <a:solidFill>
-                  <a:schemeClr val="accent5"/>
-                </a:solidFill>
-                <a:latin typeface="배달의민족 도현" pitchFamily="50" charset="-127"/>
-                <a:ea typeface="배달의민족 도현" pitchFamily="50" charset="-127"/>
-              </a:rPr>
-              <a:t>C</a:t>
-            </a:r>
-            <a:r>
-              <a:rPr lang="en-US" altLang="ko-KR" dirty="0">
-                <a:latin typeface="배달의민족 도현" pitchFamily="50" charset="-127"/>
-                <a:ea typeface="배달의민족 도현" pitchFamily="50" charset="-127"/>
-              </a:rPr>
-              <a:t>ODING</a:t>
-            </a:r>
-            <a:endParaRPr lang="ko-KR" altLang="en-US" dirty="0">
-              <a:latin typeface="배달의민족 도현" pitchFamily="50" charset="-127"/>
-              <a:ea typeface="배달의민족 도현" pitchFamily="50" charset="-127"/>
-            </a:endParaRPr>
-          </a:p>
-        </p:txBody>
-      </p:sp>
-      <p:graphicFrame>
-        <p:nvGraphicFramePr>
-          <p:cNvPr id="4" name="표 3"/>
-          <p:cNvGraphicFramePr>
-            <a:graphicFrameLocks noGrp="1"/>
-          </p:cNvGraphicFramePr>
-          <p:nvPr/>
-        </p:nvGraphicFramePr>
-        <p:xfrm>
-          <a:off x="1547664" y="2636912"/>
-          <a:ext cx="6096000" cy="2595880"/>
-        </p:xfrm>
-        <a:graphic>
-          <a:graphicData uri="http://schemas.openxmlformats.org/drawingml/2006/table">
-            <a:tbl>
-              <a:tblPr firstRow="1" bandRow="1">
-                <a:tableStyleId>{5C22544A-7EE6-4342-B048-85BDC9FD1C3A}</a:tableStyleId>
-              </a:tblPr>
-              <a:tblGrid>
-                <a:gridCol w="3048000">
-                  <a:extLst>
-                    <a:ext uri="{9D8B030D-6E8A-4147-A177-3AD203B41FA5}">
-                      <a16:colId xmlns:a16="http://schemas.microsoft.com/office/drawing/2014/main" val="20000"/>
-                    </a:ext>
-                  </a:extLst>
-                </a:gridCol>
-                <a:gridCol w="3048000">
-                  <a:extLst>
-                    <a:ext uri="{9D8B030D-6E8A-4147-A177-3AD203B41FA5}">
-                      <a16:colId xmlns:a16="http://schemas.microsoft.com/office/drawing/2014/main" val="20001"/>
-                    </a:ext>
-                  </a:extLst>
-                </a:gridCol>
-              </a:tblGrid>
-              <a:tr h="370840">
-                <a:tc>
-                  <a:txBody>
-                    <a:bodyPr/>
-                    <a:lstStyle/>
-                    <a:p>
-                      <a:pPr algn="ctr" latinLnBrk="1"/>
-                      <a:r>
-                        <a:rPr lang="ko-KR" altLang="en-US" dirty="0"/>
-                        <a:t>연산자</a:t>
-                      </a:r>
-                      <a:r>
-                        <a:rPr lang="en-US" altLang="ko-KR" dirty="0"/>
-                        <a:t>(</a:t>
-                      </a:r>
-                      <a:r>
-                        <a:rPr lang="ko-KR" altLang="en-US" dirty="0"/>
-                        <a:t>연산기호</a:t>
-                      </a:r>
-                      <a:r>
-                        <a:rPr lang="en-US" altLang="ko-KR" dirty="0"/>
-                        <a:t>)</a:t>
-                      </a:r>
-                      <a:endParaRPr lang="ko-KR" altLang="en-US" dirty="0"/>
-                    </a:p>
-                  </a:txBody>
-                  <a:tcPr/>
-                </a:tc>
-                <a:tc>
-                  <a:txBody>
-                    <a:bodyPr/>
-                    <a:lstStyle/>
-                    <a:p>
-                      <a:pPr algn="ctr" latinLnBrk="1"/>
-                      <a:r>
-                        <a:rPr lang="ko-KR" altLang="en-US" dirty="0"/>
-                        <a:t>설명</a:t>
-                      </a:r>
-                      <a:r>
-                        <a:rPr lang="en-US" altLang="ko-KR" dirty="0"/>
-                        <a:t>(</a:t>
-                      </a:r>
-                      <a:r>
-                        <a:rPr lang="ko-KR" altLang="en-US" dirty="0"/>
-                        <a:t>왼쪽이 오른쪽보다</a:t>
-                      </a:r>
-                      <a:r>
-                        <a:rPr lang="en-US" altLang="ko-KR" dirty="0"/>
-                        <a:t>)</a:t>
-                      </a:r>
-                      <a:endParaRPr lang="ko-KR" altLang="en-US" dirty="0"/>
-                    </a:p>
-                  </a:txBody>
-                  <a:tcPr/>
-                </a:tc>
-                <a:extLst>
-                  <a:ext uri="{0D108BD9-81ED-4DB2-BD59-A6C34878D82A}">
-                    <a16:rowId xmlns:a16="http://schemas.microsoft.com/office/drawing/2014/main" val="10000"/>
-                  </a:ext>
-                </a:extLst>
-              </a:tr>
-              <a:tr h="370840">
-                <a:tc>
-                  <a:txBody>
-                    <a:bodyPr/>
-                    <a:lstStyle/>
-                    <a:p>
-                      <a:pPr algn="ctr" latinLnBrk="1"/>
-                      <a:r>
-                        <a:rPr lang="en-US" altLang="ko-KR" dirty="0"/>
-                        <a:t>&gt;</a:t>
-                      </a:r>
-                      <a:endParaRPr lang="ko-KR" altLang="en-US" dirty="0"/>
-                    </a:p>
-                  </a:txBody>
-                  <a:tcPr/>
-                </a:tc>
-                <a:tc>
-                  <a:txBody>
-                    <a:bodyPr/>
-                    <a:lstStyle/>
-                    <a:p>
-                      <a:pPr algn="ctr" latinLnBrk="1"/>
-                      <a:r>
-                        <a:rPr lang="ko-KR" altLang="en-US" dirty="0"/>
-                        <a:t>크다</a:t>
-                      </a:r>
-                    </a:p>
-                  </a:txBody>
-                  <a:tcPr/>
-                </a:tc>
-                <a:extLst>
-                  <a:ext uri="{0D108BD9-81ED-4DB2-BD59-A6C34878D82A}">
-                    <a16:rowId xmlns:a16="http://schemas.microsoft.com/office/drawing/2014/main" val="10001"/>
-                  </a:ext>
-                </a:extLst>
-              </a:tr>
-              <a:tr h="370840">
-                <a:tc>
-                  <a:txBody>
-                    <a:bodyPr/>
-                    <a:lstStyle/>
-                    <a:p>
-                      <a:pPr algn="ctr" latinLnBrk="1"/>
-                      <a:r>
-                        <a:rPr lang="en-US" altLang="ko-KR" dirty="0"/>
-                        <a:t>&lt;</a:t>
-                      </a:r>
-                      <a:endParaRPr lang="ko-KR" altLang="en-US" dirty="0"/>
-                    </a:p>
-                  </a:txBody>
-                  <a:tcPr/>
-                </a:tc>
-                <a:tc>
-                  <a:txBody>
-                    <a:bodyPr/>
-                    <a:lstStyle/>
-                    <a:p>
-                      <a:pPr algn="ctr" latinLnBrk="1"/>
-                      <a:r>
-                        <a:rPr lang="ko-KR" altLang="en-US" dirty="0"/>
-                        <a:t>작다</a:t>
-                      </a:r>
-                    </a:p>
-                  </a:txBody>
-                  <a:tcPr/>
-                </a:tc>
-                <a:extLst>
-                  <a:ext uri="{0D108BD9-81ED-4DB2-BD59-A6C34878D82A}">
-                    <a16:rowId xmlns:a16="http://schemas.microsoft.com/office/drawing/2014/main" val="10002"/>
-                  </a:ext>
-                </a:extLst>
-              </a:tr>
-              <a:tr h="370840">
-                <a:tc>
-                  <a:txBody>
-                    <a:bodyPr/>
-                    <a:lstStyle/>
-                    <a:p>
-                      <a:pPr algn="ctr" latinLnBrk="1"/>
-                      <a:r>
-                        <a:rPr lang="en-US" altLang="ko-KR" dirty="0"/>
-                        <a:t>&gt;=</a:t>
-                      </a:r>
-                      <a:endParaRPr lang="ko-KR" altLang="en-US" dirty="0"/>
-                    </a:p>
-                  </a:txBody>
-                  <a:tcPr/>
-                </a:tc>
-                <a:tc>
-                  <a:txBody>
-                    <a:bodyPr/>
-                    <a:lstStyle/>
-                    <a:p>
-                      <a:pPr algn="ctr" latinLnBrk="1"/>
-                      <a:r>
-                        <a:rPr lang="ko-KR" altLang="en-US" dirty="0"/>
-                        <a:t>크거나 같다</a:t>
-                      </a:r>
-                    </a:p>
-                  </a:txBody>
-                  <a:tcPr/>
-                </a:tc>
-                <a:extLst>
-                  <a:ext uri="{0D108BD9-81ED-4DB2-BD59-A6C34878D82A}">
-                    <a16:rowId xmlns:a16="http://schemas.microsoft.com/office/drawing/2014/main" val="10003"/>
-                  </a:ext>
-                </a:extLst>
-              </a:tr>
-              <a:tr h="370840">
-                <a:tc>
-                  <a:txBody>
-                    <a:bodyPr/>
-                    <a:lstStyle/>
-                    <a:p>
-                      <a:pPr algn="ctr" latinLnBrk="1"/>
-                      <a:r>
-                        <a:rPr lang="en-US" altLang="ko-KR" dirty="0"/>
-                        <a:t>&lt;=</a:t>
-                      </a:r>
-                      <a:endParaRPr lang="ko-KR" altLang="en-US" dirty="0"/>
-                    </a:p>
-                  </a:txBody>
-                  <a:tcPr/>
-                </a:tc>
-                <a:tc>
-                  <a:txBody>
-                    <a:bodyPr/>
-                    <a:lstStyle/>
-                    <a:p>
-                      <a:pPr algn="ctr" latinLnBrk="1"/>
-                      <a:r>
-                        <a:rPr lang="ko-KR" altLang="en-US" dirty="0"/>
-                        <a:t>작거나 같다</a:t>
-                      </a:r>
-                    </a:p>
-                  </a:txBody>
-                  <a:tcPr/>
-                </a:tc>
-                <a:extLst>
-                  <a:ext uri="{0D108BD9-81ED-4DB2-BD59-A6C34878D82A}">
-                    <a16:rowId xmlns:a16="http://schemas.microsoft.com/office/drawing/2014/main" val="10004"/>
-                  </a:ext>
-                </a:extLst>
-              </a:tr>
-              <a:tr h="370840">
-                <a:tc>
-                  <a:txBody>
-                    <a:bodyPr/>
-                    <a:lstStyle/>
-                    <a:p>
-                      <a:pPr algn="ctr" latinLnBrk="1"/>
-                      <a:r>
-                        <a:rPr lang="en-US" altLang="ko-KR" dirty="0"/>
-                        <a:t>===</a:t>
-                      </a:r>
-                      <a:endParaRPr lang="ko-KR" altLang="en-US" dirty="0"/>
-                    </a:p>
-                  </a:txBody>
-                  <a:tcPr/>
-                </a:tc>
-                <a:tc>
-                  <a:txBody>
-                    <a:bodyPr/>
-                    <a:lstStyle/>
-                    <a:p>
-                      <a:pPr algn="ctr" latinLnBrk="1"/>
-                      <a:r>
-                        <a:rPr lang="ko-KR" altLang="en-US" dirty="0"/>
-                        <a:t>같다</a:t>
-                      </a:r>
-                    </a:p>
-                  </a:txBody>
-                  <a:tcPr/>
-                </a:tc>
-                <a:extLst>
-                  <a:ext uri="{0D108BD9-81ED-4DB2-BD59-A6C34878D82A}">
-                    <a16:rowId xmlns:a16="http://schemas.microsoft.com/office/drawing/2014/main" val="10005"/>
-                  </a:ext>
-                </a:extLst>
-              </a:tr>
-              <a:tr h="370840">
-                <a:tc>
-                  <a:txBody>
-                    <a:bodyPr/>
-                    <a:lstStyle/>
-                    <a:p>
-                      <a:pPr algn="ctr" latinLnBrk="1"/>
-                      <a:r>
-                        <a:rPr lang="en-US" altLang="ko-KR" dirty="0"/>
-                        <a:t>!==</a:t>
-                      </a:r>
-                      <a:endParaRPr lang="ko-KR" altLang="en-US" dirty="0"/>
-                    </a:p>
-                  </a:txBody>
-                  <a:tcPr/>
-                </a:tc>
-                <a:tc>
-                  <a:txBody>
-                    <a:bodyPr/>
-                    <a:lstStyle/>
-                    <a:p>
-                      <a:pPr algn="ctr" latinLnBrk="1"/>
-                      <a:r>
-                        <a:rPr lang="ko-KR" altLang="en-US" dirty="0"/>
-                        <a:t>다르다</a:t>
-                      </a:r>
-                    </a:p>
-                  </a:txBody>
-                  <a:tcPr/>
-                </a:tc>
-                <a:extLst>
-                  <a:ext uri="{0D108BD9-81ED-4DB2-BD59-A6C34878D82A}">
-                    <a16:rowId xmlns:a16="http://schemas.microsoft.com/office/drawing/2014/main" val="10006"/>
-                  </a:ext>
-                </a:extLst>
-              </a:tr>
-            </a:tbl>
-          </a:graphicData>
-        </a:graphic>
-      </p:graphicFrame>
-      <p:sp>
-        <p:nvSpPr>
-          <p:cNvPr id="5" name="직사각형 4"/>
-          <p:cNvSpPr/>
-          <p:nvPr/>
-        </p:nvSpPr>
-        <p:spPr>
-          <a:xfrm>
-            <a:off x="107504" y="116632"/>
-            <a:ext cx="2592288" cy="369332"/>
+            <a:off x="1403648" y="2693987"/>
+            <a:ext cx="6336703" cy="1470025"/>
           </a:xfrm>
           <a:prstGeom prst="rect">
             <a:avLst/>
           </a:prstGeom>
         </p:spPr>
         <p:txBody>
-          <a:bodyPr wrap="square">
-            <a:spAutoFit/>
+          <a:bodyPr vert="horz" lIns="91440" tIns="45720" rIns="91440" bIns="45720" rtlCol="0" anchor="ctr">
+            <a:normAutofit fontScale="85000" lnSpcReduction="20000"/>
           </a:bodyPr>
-          <a:lstStyle/>
-          <a:p>
-            <a:r>
-              <a:rPr lang="en-US" altLang="ko-KR" dirty="0">
-                <a:latin typeface="배달의민족 주아" pitchFamily="18" charset="-127"/>
-                <a:ea typeface="배달의민족 주아" pitchFamily="18" charset="-127"/>
-              </a:rPr>
-              <a:t>3. </a:t>
-            </a:r>
-            <a:r>
-              <a:rPr lang="ko-KR" altLang="en-US" dirty="0">
-                <a:latin typeface="배달의민족 주아" pitchFamily="18" charset="-127"/>
-                <a:ea typeface="배달의민족 주아" pitchFamily="18" charset="-127"/>
-              </a:rPr>
-              <a:t>비교연산</a:t>
-            </a:r>
-            <a:endParaRPr lang="ko-KR" altLang="en-US" dirty="0"/>
+          <a:lstStyle>
+            <a:lvl1pPr algn="ctr" defTabSz="914400" rtl="0" eaLnBrk="1" latinLnBrk="1" hangingPunct="1">
+              <a:spcBef>
+                <a:spcPct val="0"/>
+              </a:spcBef>
+              <a:buNone/>
+              <a:defRPr sz="4400" kern="1200">
+                <a:solidFill>
+                  <a:schemeClr val="tx1"/>
+                </a:solidFill>
+                <a:latin typeface="+mj-lt"/>
+                <a:ea typeface="+mj-ea"/>
+                <a:cs typeface="+mj-cs"/>
+              </a:defRPr>
+            </a:lvl1pPr>
+          </a:lstStyle>
+          <a:p>
+            <a:r>
+              <a:rPr lang="ko-KR" altLang="en-US" sz="4000" dirty="0">
+                <a:latin typeface="배달의민족 주아" pitchFamily="18" charset="-127"/>
+                <a:ea typeface="배달의민족 주아" pitchFamily="18" charset="-127"/>
+              </a:rPr>
+              <a:t>사용자로부터 두 숫자를 입력 받고</a:t>
+            </a:r>
+            <a:r>
+              <a:rPr lang="en-US" altLang="ko-KR" sz="4000" dirty="0">
+                <a:latin typeface="배달의민족 주아" pitchFamily="18" charset="-127"/>
+                <a:ea typeface="배달의민족 주아" pitchFamily="18" charset="-127"/>
+              </a:rPr>
+              <a:t>,</a:t>
+            </a:r>
+          </a:p>
+          <a:p>
+            <a:endParaRPr lang="en-US" altLang="ko-KR" sz="4000" dirty="0">
+              <a:latin typeface="배달의민족 주아" pitchFamily="18" charset="-127"/>
+              <a:ea typeface="배달의민족 주아" pitchFamily="18" charset="-127"/>
+            </a:endParaRPr>
+          </a:p>
+          <a:p>
+            <a:r>
+              <a:rPr lang="ko-KR" altLang="en-US" sz="4000" dirty="0">
+                <a:latin typeface="배달의민족 주아" pitchFamily="18" charset="-127"/>
+                <a:ea typeface="배달의민족 주아" pitchFamily="18" charset="-127"/>
+              </a:rPr>
+              <a:t>곱한 결과를 출력</a:t>
+            </a:r>
+            <a:endParaRPr lang="en-US" altLang="ko-KR" sz="4000" dirty="0">
+              <a:latin typeface="배달의민족 주아" pitchFamily="18" charset="-127"/>
+              <a:ea typeface="배달의민족 주아" pitchFamily="18" charset="-127"/>
+            </a:endParaRPr>
+          </a:p>
+          <a:p>
+            <a:endParaRPr lang="en-US" altLang="ko-KR" sz="4000" dirty="0">
+              <a:solidFill>
+                <a:schemeClr val="accent6"/>
+              </a:solidFill>
+              <a:latin typeface="배달의민족 주아" pitchFamily="18" charset="-127"/>
+              <a:ea typeface="배달의민족 주아" pitchFamily="18" charset="-127"/>
+            </a:endParaRPr>
           </a:p>
         </p:txBody>
       </p:sp>
     </p:spTree>
     <p:extLst>
       <p:ext uri="{BB962C8B-B14F-4D97-AF65-F5344CB8AC3E}">
-        <p14:creationId xmlns:p14="http://schemas.microsoft.com/office/powerpoint/2010/main" val="688092413"/>
+        <p14:creationId xmlns:p14="http://schemas.microsoft.com/office/powerpoint/2010/main" val="20779976"/>
       </p:ext>
     </p:extLst>
   </p:cSld>
@@ -11523,7 +12451,7 @@
                             </p:stCondLst>
                             <p:childTnLst>
                               <p:par>
-                                <p:cTn id="5" presetID="10" presetClass="entr" presetSubtype="0" fill="hold" nodeType="clickEffect">
+                                <p:cTn id="5" presetID="10" presetClass="entr" presetSubtype="0" fill="hold" grpId="0" nodeType="clickEffect">
                                   <p:stCondLst>
                                     <p:cond delay="0"/>
                                   </p:stCondLst>
@@ -11536,7 +12464,7 @@
                                           </p:stCondLst>
                                         </p:cTn>
                                         <p:tgtEl>
-                                          <p:spTgt spid="4"/>
+                                          <p:spTgt spid="6"/>
                                         </p:tgtEl>
                                         <p:attrNameLst>
                                           <p:attrName>style.visibility</p:attrName>
@@ -11550,7 +12478,7 @@
                                       <p:cBhvr>
                                         <p:cTn id="7" dur="500"/>
                                         <p:tgtEl>
-                                          <p:spTgt spid="4"/>
+                                          <p:spTgt spid="6"/>
                                         </p:tgtEl>
                                       </p:cBhvr>
                                     </p:animEffect>
@@ -11584,6 +12512,472 @@
         </p:cTn>
       </p:par>
     </p:tnLst>
+    <p:bldLst>
+      <p:bldP spid="6" grpId="0"/>
+    </p:bldLst>
+  </p:timing>
+</p:sld>
+</file>
+
+<file path=ppt/slides/slide9.xml><?xml version="1.0" encoding="utf-8"?>
+<p:sld xmlns:a="http://schemas.openxmlformats.org/drawingml/2006/main" xmlns:r="http://schemas.openxmlformats.org/officeDocument/2006/relationships" xmlns:p="http://schemas.openxmlformats.org/presentationml/2006/main">
+  <p:cSld>
+    <p:spTree>
+      <p:nvGrpSpPr>
+        <p:cNvPr id="1" name=""/>
+        <p:cNvGrpSpPr/>
+        <p:nvPr/>
+      </p:nvGrpSpPr>
+      <p:grpSpPr>
+        <a:xfrm>
+          <a:off x="0" y="0"/>
+          <a:ext cx="0" cy="0"/>
+          <a:chOff x="0" y="0"/>
+          <a:chExt cx="0" cy="0"/>
+        </a:xfrm>
+      </p:grpSpPr>
+      <p:sp>
+        <p:nvSpPr>
+          <p:cNvPr id="2" name="제목 1"/>
+          <p:cNvSpPr>
+            <a:spLocks noGrp="1"/>
+          </p:cNvSpPr>
+          <p:nvPr>
+            <p:ph type="ctrTitle"/>
+          </p:nvPr>
+        </p:nvSpPr>
+        <p:spPr>
+          <a:xfrm>
+            <a:off x="685800" y="1628800"/>
+            <a:ext cx="7772400" cy="1470025"/>
+          </a:xfrm>
+        </p:spPr>
+        <p:txBody>
+          <a:bodyPr/>
+          <a:lstStyle/>
+          <a:p>
+            <a:r>
+              <a:rPr lang="ko-KR" altLang="en-US" dirty="0">
+                <a:latin typeface="배달의민족 주아" pitchFamily="18" charset="-127"/>
+                <a:ea typeface="배달의민족 주아" pitchFamily="18" charset="-127"/>
+              </a:rPr>
+              <a:t>문자열연산</a:t>
+            </a:r>
+          </a:p>
+        </p:txBody>
+      </p:sp>
+      <p:sp>
+        <p:nvSpPr>
+          <p:cNvPr id="3" name="TextBox 2"/>
+          <p:cNvSpPr txBox="1"/>
+          <p:nvPr/>
+        </p:nvSpPr>
+        <p:spPr>
+          <a:xfrm>
+            <a:off x="6588224" y="6165304"/>
+            <a:ext cx="1838965" cy="369332"/>
+          </a:xfrm>
+          <a:prstGeom prst="rect">
+            <a:avLst/>
+          </a:prstGeom>
+          <a:noFill/>
+        </p:spPr>
+        <p:txBody>
+          <a:bodyPr wrap="none" rtlCol="0">
+            <a:spAutoFit/>
+          </a:bodyPr>
+          <a:lstStyle/>
+          <a:p>
+            <a:r>
+              <a:rPr lang="en-US" altLang="ko-KR" dirty="0">
+                <a:solidFill>
+                  <a:schemeClr val="accent5"/>
+                </a:solidFill>
+                <a:latin typeface="배달의민족 도현" pitchFamily="50" charset="-127"/>
+                <a:ea typeface="배달의민족 도현" pitchFamily="50" charset="-127"/>
+              </a:rPr>
+              <a:t>S</a:t>
+            </a:r>
+            <a:r>
+              <a:rPr lang="en-US" altLang="ko-KR" dirty="0">
+                <a:latin typeface="배달의민족 도현" pitchFamily="50" charset="-127"/>
+                <a:ea typeface="배달의민족 도현" pitchFamily="50" charset="-127"/>
+              </a:rPr>
+              <a:t>TART</a:t>
+            </a:r>
+            <a:r>
+              <a:rPr lang="en-US" altLang="ko-KR" dirty="0">
+                <a:solidFill>
+                  <a:schemeClr val="accent5"/>
+                </a:solidFill>
+                <a:latin typeface="배달의민족 도현" pitchFamily="50" charset="-127"/>
+                <a:ea typeface="배달의민족 도현" pitchFamily="50" charset="-127"/>
+              </a:rPr>
+              <a:t>C</a:t>
+            </a:r>
+            <a:r>
+              <a:rPr lang="en-US" altLang="ko-KR" dirty="0">
+                <a:latin typeface="배달의민족 도현" pitchFamily="50" charset="-127"/>
+                <a:ea typeface="배달의민족 도현" pitchFamily="50" charset="-127"/>
+              </a:rPr>
+              <a:t>ODING</a:t>
+            </a:r>
+            <a:endParaRPr lang="ko-KR" altLang="en-US" dirty="0">
+              <a:latin typeface="배달의민족 도현" pitchFamily="50" charset="-127"/>
+              <a:ea typeface="배달의민족 도현" pitchFamily="50" charset="-127"/>
+            </a:endParaRPr>
+          </a:p>
+        </p:txBody>
+      </p:sp>
+      <p:sp>
+        <p:nvSpPr>
+          <p:cNvPr id="6" name="제목 1"/>
+          <p:cNvSpPr txBox="1">
+            <a:spLocks/>
+          </p:cNvSpPr>
+          <p:nvPr/>
+        </p:nvSpPr>
+        <p:spPr>
+          <a:xfrm>
+            <a:off x="1331640" y="2780928"/>
+            <a:ext cx="6336703" cy="1470025"/>
+          </a:xfrm>
+          <a:prstGeom prst="rect">
+            <a:avLst/>
+          </a:prstGeom>
+        </p:spPr>
+        <p:txBody>
+          <a:bodyPr vert="horz" lIns="91440" tIns="45720" rIns="91440" bIns="45720" rtlCol="0" anchor="ctr">
+            <a:normAutofit/>
+          </a:bodyPr>
+          <a:lstStyle>
+            <a:lvl1pPr algn="ctr" defTabSz="914400" rtl="0" eaLnBrk="1" latinLnBrk="1" hangingPunct="1">
+              <a:spcBef>
+                <a:spcPct val="0"/>
+              </a:spcBef>
+              <a:buNone/>
+              <a:defRPr sz="4400" kern="1200">
+                <a:solidFill>
+                  <a:schemeClr val="tx1"/>
+                </a:solidFill>
+                <a:latin typeface="+mj-lt"/>
+                <a:ea typeface="+mj-ea"/>
+                <a:cs typeface="+mj-cs"/>
+              </a:defRPr>
+            </a:lvl1pPr>
+          </a:lstStyle>
+          <a:p>
+            <a:r>
+              <a:rPr lang="en-US" altLang="ko-KR" sz="4000" dirty="0" err="1">
+                <a:solidFill>
+                  <a:schemeClr val="accent6"/>
+                </a:solidFill>
+                <a:latin typeface="배달의민족 주아" pitchFamily="18" charset="-127"/>
+                <a:ea typeface="배달의민족 주아" pitchFamily="18" charset="-127"/>
+              </a:rPr>
+              <a:t>nickName</a:t>
+            </a:r>
+            <a:r>
+              <a:rPr lang="en-US" altLang="ko-KR" sz="4000" dirty="0">
+                <a:solidFill>
+                  <a:schemeClr val="accent6"/>
+                </a:solidFill>
+                <a:latin typeface="배달의민족 주아" pitchFamily="18" charset="-127"/>
+                <a:ea typeface="배달의민족 주아" pitchFamily="18" charset="-127"/>
+              </a:rPr>
+              <a:t> = "</a:t>
+            </a:r>
+            <a:r>
+              <a:rPr lang="ko-KR" altLang="en-US" sz="4000" dirty="0" err="1">
+                <a:solidFill>
+                  <a:schemeClr val="accent6"/>
+                </a:solidFill>
+                <a:latin typeface="배달의민족 주아" pitchFamily="18" charset="-127"/>
+                <a:ea typeface="배달의민족 주아" pitchFamily="18" charset="-127"/>
+              </a:rPr>
+              <a:t>이근대위</a:t>
+            </a:r>
+            <a:r>
+              <a:rPr lang="en-US" altLang="ko-KR" sz="4000" dirty="0">
+                <a:solidFill>
+                  <a:schemeClr val="accent6"/>
+                </a:solidFill>
+                <a:latin typeface="배달의민족 주아" pitchFamily="18" charset="-127"/>
+                <a:ea typeface="배달의민족 주아" pitchFamily="18" charset="-127"/>
+              </a:rPr>
+              <a:t>";</a:t>
+            </a:r>
+          </a:p>
+        </p:txBody>
+      </p:sp>
+      <p:sp>
+        <p:nvSpPr>
+          <p:cNvPr id="7" name="제목 1"/>
+          <p:cNvSpPr txBox="1">
+            <a:spLocks/>
+          </p:cNvSpPr>
+          <p:nvPr/>
+        </p:nvSpPr>
+        <p:spPr>
+          <a:xfrm>
+            <a:off x="1547665" y="4005064"/>
+            <a:ext cx="6120678" cy="1656184"/>
+          </a:xfrm>
+          <a:prstGeom prst="rect">
+            <a:avLst/>
+          </a:prstGeom>
+        </p:spPr>
+        <p:txBody>
+          <a:bodyPr vert="horz" lIns="91440" tIns="45720" rIns="91440" bIns="45720" rtlCol="0" anchor="ctr">
+            <a:normAutofit/>
+          </a:bodyPr>
+          <a:lstStyle>
+            <a:lvl1pPr algn="ctr" defTabSz="914400" rtl="0" eaLnBrk="1" latinLnBrk="1" hangingPunct="1">
+              <a:spcBef>
+                <a:spcPct val="0"/>
+              </a:spcBef>
+              <a:buNone/>
+              <a:defRPr sz="4400" kern="1200">
+                <a:solidFill>
+                  <a:schemeClr val="tx1"/>
+                </a:solidFill>
+                <a:latin typeface="+mj-lt"/>
+                <a:ea typeface="+mj-ea"/>
+                <a:cs typeface="+mj-cs"/>
+              </a:defRPr>
+            </a:lvl1pPr>
+          </a:lstStyle>
+          <a:p>
+            <a:r>
+              <a:rPr lang="en-US" altLang="ko-KR" sz="2800" dirty="0">
+                <a:latin typeface="배달의민족 주아" pitchFamily="18" charset="-127"/>
+                <a:ea typeface="배달의민족 주아" pitchFamily="18" charset="-127"/>
+              </a:rPr>
+              <a:t>console.log(</a:t>
+            </a:r>
+            <a:r>
+              <a:rPr lang="en-US" altLang="ko-KR" sz="2800" dirty="0" err="1">
+                <a:latin typeface="배달의민족 주아" pitchFamily="18" charset="-127"/>
+                <a:ea typeface="배달의민족 주아" pitchFamily="18" charset="-127"/>
+              </a:rPr>
+              <a:t>nickName</a:t>
+            </a:r>
+            <a:r>
+              <a:rPr lang="en-US" altLang="ko-KR" sz="2800" dirty="0">
+                <a:latin typeface="배달의민족 주아" pitchFamily="18" charset="-127"/>
+                <a:ea typeface="배달의민족 주아" pitchFamily="18" charset="-127"/>
+              </a:rPr>
+              <a:t>+"</a:t>
+            </a:r>
+            <a:r>
+              <a:rPr lang="ko-KR" altLang="en-US" sz="2800" dirty="0">
+                <a:latin typeface="배달의민족 주아" pitchFamily="18" charset="-127"/>
+                <a:ea typeface="배달의민족 주아" pitchFamily="18" charset="-127"/>
+              </a:rPr>
+              <a:t>님 반갑습니다</a:t>
+            </a:r>
+            <a:r>
+              <a:rPr lang="en-US" altLang="ko-KR" sz="2800" dirty="0">
+                <a:latin typeface="배달의민족 주아" pitchFamily="18" charset="-127"/>
+                <a:ea typeface="배달의민족 주아" pitchFamily="18" charset="-127"/>
+              </a:rPr>
+              <a:t>.");</a:t>
+            </a:r>
+            <a:endParaRPr lang="ko-KR" altLang="en-US" sz="2800" dirty="0">
+              <a:latin typeface="배달의민족 주아" pitchFamily="18" charset="-127"/>
+              <a:ea typeface="배달의민족 주아" pitchFamily="18" charset="-127"/>
+            </a:endParaRPr>
+          </a:p>
+        </p:txBody>
+      </p:sp>
+      <p:sp>
+        <p:nvSpPr>
+          <p:cNvPr id="8" name="직사각형 7"/>
+          <p:cNvSpPr/>
+          <p:nvPr/>
+        </p:nvSpPr>
+        <p:spPr>
+          <a:xfrm>
+            <a:off x="107504" y="116632"/>
+            <a:ext cx="2592288" cy="369332"/>
+          </a:xfrm>
+          <a:prstGeom prst="rect">
+            <a:avLst/>
+          </a:prstGeom>
+        </p:spPr>
+        <p:txBody>
+          <a:bodyPr wrap="square">
+            <a:spAutoFit/>
+          </a:bodyPr>
+          <a:lstStyle/>
+          <a:p>
+            <a:r>
+              <a:rPr lang="en-US" altLang="ko-KR" dirty="0">
+                <a:latin typeface="배달의민족 주아" pitchFamily="18" charset="-127"/>
+                <a:ea typeface="배달의민족 주아" pitchFamily="18" charset="-127"/>
+              </a:rPr>
+              <a:t>2. </a:t>
+            </a:r>
+            <a:r>
+              <a:rPr lang="ko-KR" altLang="en-US" dirty="0">
+                <a:latin typeface="배달의민족 주아" pitchFamily="18" charset="-127"/>
+                <a:ea typeface="배달의민족 주아" pitchFamily="18" charset="-127"/>
+              </a:rPr>
+              <a:t>산술연산</a:t>
+            </a:r>
+            <a:endParaRPr lang="ko-KR" altLang="en-US" dirty="0"/>
+          </a:p>
+        </p:txBody>
+      </p:sp>
+    </p:spTree>
+    <p:extLst>
+      <p:ext uri="{BB962C8B-B14F-4D97-AF65-F5344CB8AC3E}">
+        <p14:creationId xmlns:p14="http://schemas.microsoft.com/office/powerpoint/2010/main" val="1182594767"/>
+      </p:ext>
+    </p:extLst>
+  </p:cSld>
+  <p:clrMapOvr>
+    <a:masterClrMapping/>
+  </p:clrMapOvr>
+  <p:timing>
+    <p:tnLst>
+      <p:par>
+        <p:cTn id="1" dur="indefinite" restart="never" nodeType="tmRoot">
+          <p:childTnLst>
+            <p:seq concurrent="1" nextAc="seek">
+              <p:cTn id="2" dur="indefinite" nodeType="mainSeq">
+                <p:childTnLst>
+                  <p:par>
+                    <p:cTn id="3" fill="hold">
+                      <p:stCondLst>
+                        <p:cond delay="indefinite"/>
+                      </p:stCondLst>
+                      <p:childTnLst>
+                        <p:par>
+                          <p:cTn id="4" fill="hold">
+                            <p:stCondLst>
+                              <p:cond delay="0"/>
+                            </p:stCondLst>
+                            <p:childTnLst>
+                              <p:par>
+                                <p:cTn id="5" presetID="10" presetClass="entr" presetSubtype="0" fill="hold" grpId="0" nodeType="clickEffect">
+                                  <p:stCondLst>
+                                    <p:cond delay="0"/>
+                                  </p:stCondLst>
+                                  <p:childTnLst>
+                                    <p:set>
+                                      <p:cBhvr>
+                                        <p:cTn id="6" dur="1" fill="hold">
+                                          <p:stCondLst>
+                                            <p:cond delay="0"/>
+                                          </p:stCondLst>
+                                        </p:cTn>
+                                        <p:tgtEl>
+                                          <p:spTgt spid="6"/>
+                                        </p:tgtEl>
+                                        <p:attrNameLst>
+                                          <p:attrName>style.visibility</p:attrName>
+                                        </p:attrNameLst>
+                                      </p:cBhvr>
+                                      <p:to>
+                                        <p:strVal val="visible"/>
+                                      </p:to>
+                                    </p:set>
+                                    <p:animEffect transition="in" filter="fade">
+                                      <p:cBhvr>
+                                        <p:cTn id="7" dur="500"/>
+                                        <p:tgtEl>
+                                          <p:spTgt spid="6"/>
+                                        </p:tgtEl>
+                                      </p:cBhvr>
+                                    </p:animEffect>
+                                  </p:childTnLst>
+                                </p:cTn>
+                              </p:par>
+                            </p:childTnLst>
+                          </p:cTn>
+                        </p:par>
+                      </p:childTnLst>
+                    </p:cTn>
+                  </p:par>
+                  <p:par>
+                    <p:cTn id="8" fill="hold">
+                      <p:stCondLst>
+                        <p:cond delay="indefinite"/>
+                      </p:stCondLst>
+                      <p:childTnLst>
+                        <p:par>
+                          <p:cTn id="9" fill="hold">
+                            <p:stCondLst>
+                              <p:cond delay="0"/>
+                            </p:stCondLst>
+                            <p:childTnLst>
+                              <p:par>
+                                <p:cTn id="10" presetID="10" presetClass="entr" presetSubtype="0" fill="hold" grpId="0" nodeType="clickEffect">
+                                  <p:stCondLst>
+                                    <p:cond delay="0"/>
+                                  </p:stCondLst>
+                                  <p:childTnLst>
+                                    <p:set>
+                                      <p:cBhvr>
+                                        <p:cTn id="11" dur="1" fill="hold">
+                                          <p:stCondLst>
+                                            <p:cond delay="0"/>
+                                          </p:stCondLst>
+                                        </p:cTn>
+                                        <p:tgtEl>
+                                          <p:spTgt spid="7"/>
+                                        </p:tgtEl>
+                                        <p:attrNameLst>
+                                          <p:attrName>style.visibility</p:attrName>
+                                        </p:attrNameLst>
+                                      </p:cBhvr>
+                                      <p:to>
+                                        <p:strVal val="visible"/>
+                                      </p:to>
+                                    </p:set>
+                                    <p:animEffect transition="in" filter="fade">
+                                      <p:cBhvr>
+                                        <p:cTn id="12" dur="500"/>
+                                        <p:tgtEl>
+                                          <p:spTgt spid="7"/>
+                                        </p:tgtEl>
+                                      </p:cBhvr>
+                                    </p:animEffect>
+                                  </p:childTnLst>
+                                </p:cTn>
+                              </p:par>
+                            </p:childTnLst>
+                          </p:cTn>
+                        </p:par>
+                      </p:childTnLst>
+                    </p:cTn>
+                  </p:par>
+                </p:childTnLst>
+              </p:cTn>
+              <p:prevCondLst>
+                <p:cond evt="onPrev" delay="0">
+                  <p:tgtEl>
+                    <p:sldTgt/>
+                  </p:tgtEl>
+                </p:cond>
+              </p:prevCondLst>
+              <p:nextCondLst>
+                <p:cond evt="onNext" delay="0">
+                  <p:tgtEl>
+                    <p:sldTgt/>
+                  </p:tgtEl>
+                </p:cond>
+              </p:nextCondLst>
+            </p:seq>
+          </p:childTnLst>
+        </p:cTn>
+      </p:par>
+    </p:tnLst>
+    <p:bldLst>
+      <p:bldP spid="6" grpId="0"/>
+      <p:bldP spid="7" grpId="0"/>
+    </p:bldLst>
   </p:timing>
 </p:sld>
 </file>

--- a/파이썬기초(PPT)/파이썬 기초 3강_연산과 연산자.pptx
+++ b/파이썬기초(PPT)/파이썬 기초 3강_연산과 연산자.pptx
@@ -322,7 +322,7 @@
           <a:p>
             <a:fld id="{FB30EDBD-1C2D-4C1E-B459-B60219FAB484}" type="datetimeFigureOut">
               <a:rPr lang="ko-KR" altLang="en-US" smtClean="0"/>
-              <a:t>2020-11-08</a:t>
+              <a:t>2020-11-15</a:t>
             </a:fld>
             <a:endParaRPr lang="ko-KR" altLang="en-US"/>
           </a:p>
@@ -485,7 +485,7 @@
           <a:p>
             <a:fld id="{FB30EDBD-1C2D-4C1E-B459-B60219FAB484}" type="datetimeFigureOut">
               <a:rPr lang="ko-KR" altLang="en-US" smtClean="0"/>
-              <a:t>2020-11-08</a:t>
+              <a:t>2020-11-15</a:t>
             </a:fld>
             <a:endParaRPr lang="ko-KR" altLang="en-US"/>
           </a:p>
@@ -658,7 +658,7 @@
           <a:p>
             <a:fld id="{FB30EDBD-1C2D-4C1E-B459-B60219FAB484}" type="datetimeFigureOut">
               <a:rPr lang="ko-KR" altLang="en-US" smtClean="0"/>
-              <a:t>2020-11-08</a:t>
+              <a:t>2020-11-15</a:t>
             </a:fld>
             <a:endParaRPr lang="ko-KR" altLang="en-US"/>
           </a:p>
@@ -821,7 +821,7 @@
           <a:p>
             <a:fld id="{FB30EDBD-1C2D-4C1E-B459-B60219FAB484}" type="datetimeFigureOut">
               <a:rPr lang="ko-KR" altLang="en-US" smtClean="0"/>
-              <a:t>2020-11-08</a:t>
+              <a:t>2020-11-15</a:t>
             </a:fld>
             <a:endParaRPr lang="ko-KR" altLang="en-US"/>
           </a:p>
@@ -1061,7 +1061,7 @@
           <a:p>
             <a:fld id="{FB30EDBD-1C2D-4C1E-B459-B60219FAB484}" type="datetimeFigureOut">
               <a:rPr lang="ko-KR" altLang="en-US" smtClean="0"/>
-              <a:t>2020-11-08</a:t>
+              <a:t>2020-11-15</a:t>
             </a:fld>
             <a:endParaRPr lang="ko-KR" altLang="en-US"/>
           </a:p>
@@ -1341,7 +1341,7 @@
           <a:p>
             <a:fld id="{FB30EDBD-1C2D-4C1E-B459-B60219FAB484}" type="datetimeFigureOut">
               <a:rPr lang="ko-KR" altLang="en-US" smtClean="0"/>
-              <a:t>2020-11-08</a:t>
+              <a:t>2020-11-15</a:t>
             </a:fld>
             <a:endParaRPr lang="ko-KR" altLang="en-US"/>
           </a:p>
@@ -1755,7 +1755,7 @@
           <a:p>
             <a:fld id="{FB30EDBD-1C2D-4C1E-B459-B60219FAB484}" type="datetimeFigureOut">
               <a:rPr lang="ko-KR" altLang="en-US" smtClean="0"/>
-              <a:t>2020-11-08</a:t>
+              <a:t>2020-11-15</a:t>
             </a:fld>
             <a:endParaRPr lang="ko-KR" altLang="en-US"/>
           </a:p>
@@ -1867,7 +1867,7 @@
           <a:p>
             <a:fld id="{FB30EDBD-1C2D-4C1E-B459-B60219FAB484}" type="datetimeFigureOut">
               <a:rPr lang="ko-KR" altLang="en-US" smtClean="0"/>
-              <a:t>2020-11-08</a:t>
+              <a:t>2020-11-15</a:t>
             </a:fld>
             <a:endParaRPr lang="ko-KR" altLang="en-US"/>
           </a:p>
@@ -1957,7 +1957,7 @@
           <a:p>
             <a:fld id="{FB30EDBD-1C2D-4C1E-B459-B60219FAB484}" type="datetimeFigureOut">
               <a:rPr lang="ko-KR" altLang="en-US" smtClean="0"/>
-              <a:t>2020-11-08</a:t>
+              <a:t>2020-11-15</a:t>
             </a:fld>
             <a:endParaRPr lang="ko-KR" altLang="en-US"/>
           </a:p>
@@ -2227,7 +2227,7 @@
           <a:p>
             <a:fld id="{FB30EDBD-1C2D-4C1E-B459-B60219FAB484}" type="datetimeFigureOut">
               <a:rPr lang="ko-KR" altLang="en-US" smtClean="0"/>
-              <a:t>2020-11-08</a:t>
+              <a:t>2020-11-15</a:t>
             </a:fld>
             <a:endParaRPr lang="ko-KR" altLang="en-US"/>
           </a:p>
@@ -2474,7 +2474,7 @@
           <a:p>
             <a:fld id="{FB30EDBD-1C2D-4C1E-B459-B60219FAB484}" type="datetimeFigureOut">
               <a:rPr lang="ko-KR" altLang="en-US" smtClean="0"/>
-              <a:t>2020-11-08</a:t>
+              <a:t>2020-11-15</a:t>
             </a:fld>
             <a:endParaRPr lang="ko-KR" altLang="en-US"/>
           </a:p>
@@ -2534,9 +2534,14 @@
 <p:sldMaster xmlns:a="http://schemas.openxmlformats.org/drawingml/2006/main" xmlns:r="http://schemas.openxmlformats.org/officeDocument/2006/relationships" xmlns:p="http://schemas.openxmlformats.org/presentationml/2006/main">
   <p:cSld>
     <p:bg>
-      <p:bgRef idx="1001">
-        <a:schemeClr val="bg1"/>
-      </p:bgRef>
+      <p:bgPr>
+        <a:solidFill>
+          <a:schemeClr val="bg1">
+            <a:lumMod val="85000"/>
+          </a:schemeClr>
+        </a:solidFill>
+        <a:effectLst/>
+      </p:bgPr>
     </p:bg>
     <p:spTree>
       <p:nvGrpSpPr>
@@ -2680,7 +2685,7 @@
           <a:p>
             <a:fld id="{FB30EDBD-1C2D-4C1E-B459-B60219FAB484}" type="datetimeFigureOut">
               <a:rPr lang="ko-KR" altLang="en-US" smtClean="0"/>
-              <a:t>2020-11-08</a:t>
+              <a:t>2020-11-15</a:t>
             </a:fld>
             <a:endParaRPr lang="ko-KR" altLang="en-US"/>
           </a:p>
@@ -3036,14 +3041,6 @@
 <file path=ppt/slides/slide1.xml><?xml version="1.0" encoding="utf-8"?>
 <p:sld xmlns:a="http://schemas.openxmlformats.org/drawingml/2006/main" xmlns:r="http://schemas.openxmlformats.org/officeDocument/2006/relationships" xmlns:p="http://schemas.openxmlformats.org/presentationml/2006/main">
   <p:cSld>
-    <p:bg>
-      <p:bgPr>
-        <a:solidFill>
-          <a:schemeClr val="accent1"/>
-        </a:solidFill>
-        <a:effectLst/>
-      </p:bgPr>
-    </p:bg>
     <p:spTree>
       <p:nvGrpSpPr>
         <p:cNvPr id="1" name=""/>
@@ -5797,7 +5794,7 @@
           <p:nvPr>
             <p:extLst>
               <p:ext uri="{D42A27DB-BD31-4B8C-83A1-F6EECF244321}">
-                <p14:modId xmlns:p14="http://schemas.microsoft.com/office/powerpoint/2010/main" val="972662146"/>
+                <p14:modId xmlns:p14="http://schemas.microsoft.com/office/powerpoint/2010/main" val="2064676117"/>
               </p:ext>
             </p:extLst>
           </p:nvPr>
@@ -5876,7 +5873,7 @@
                       </a:r>
                       <a:r>
                         <a:rPr lang="en-US" altLang="ko-KR" baseline="0" dirty="0"/>
-                        <a:t> &gt; 3);</a:t>
+                        <a:t> &gt; 3)</a:t>
                       </a:r>
                       <a:endParaRPr lang="ko-KR" altLang="en-US" dirty="0"/>
                     </a:p>
@@ -5891,7 +5888,7 @@
                       <a:pPr algn="ctr" latinLnBrk="1"/>
                       <a:r>
                         <a:rPr lang="en-US" altLang="ko-KR" dirty="0"/>
-                        <a:t>false</a:t>
+                        <a:t>False</a:t>
                       </a:r>
                       <a:endParaRPr lang="ko-KR" altLang="en-US" dirty="0"/>
                     </a:p>
@@ -5917,7 +5914,7 @@
                       </a:r>
                       <a:r>
                         <a:rPr lang="en-US" altLang="ko-KR" baseline="0" dirty="0"/>
-                        <a:t> &lt; 30);</a:t>
+                        <a:t> &lt; 30)</a:t>
                       </a:r>
                       <a:endParaRPr lang="ko-KR" altLang="en-US" dirty="0"/>
                     </a:p>
@@ -5932,7 +5929,7 @@
                       <a:pPr algn="ctr" latinLnBrk="1"/>
                       <a:r>
                         <a:rPr lang="en-US" altLang="ko-KR" dirty="0"/>
-                        <a:t>true</a:t>
+                        <a:t>True</a:t>
                       </a:r>
                       <a:endParaRPr lang="ko-KR" altLang="en-US" dirty="0"/>
                     </a:p>
@@ -5958,7 +5955,7 @@
                       </a:r>
                       <a:r>
                         <a:rPr lang="en-US" altLang="ko-KR" baseline="0" dirty="0"/>
-                        <a:t> &gt;= 0);</a:t>
+                        <a:t> &gt;= 0)</a:t>
                       </a:r>
                       <a:endParaRPr lang="ko-KR" altLang="en-US" dirty="0"/>
                     </a:p>
@@ -5973,7 +5970,7 @@
                       <a:pPr algn="ctr" latinLnBrk="1"/>
                       <a:r>
                         <a:rPr lang="en-US" altLang="ko-KR" dirty="0"/>
-                        <a:t>true</a:t>
+                        <a:t>True</a:t>
                       </a:r>
                       <a:endParaRPr lang="ko-KR" altLang="en-US" dirty="0"/>
                     </a:p>
@@ -5995,7 +5992,7 @@
                       <a:pPr algn="ctr" latinLnBrk="1"/>
                       <a:r>
                         <a:rPr lang="en-US" altLang="ko-KR" dirty="0"/>
-                        <a:t>print(3&lt;=3);</a:t>
+                        <a:t>print(3&lt;=3)</a:t>
                       </a:r>
                       <a:endParaRPr lang="ko-KR" altLang="en-US" dirty="0"/>
                     </a:p>
@@ -6010,7 +6007,7 @@
                       <a:pPr algn="ctr" latinLnBrk="1"/>
                       <a:r>
                         <a:rPr lang="en-US" altLang="ko-KR" dirty="0"/>
-                        <a:t>true</a:t>
+                        <a:t>True</a:t>
                       </a:r>
                       <a:endParaRPr lang="ko-KR" altLang="en-US" dirty="0"/>
                     </a:p>
@@ -6032,7 +6029,7 @@
                       <a:pPr algn="ctr" latinLnBrk="1"/>
                       <a:r>
                         <a:rPr lang="en-US" altLang="ko-KR" dirty="0"/>
-                        <a:t>print(“str”==“str2”);</a:t>
+                        <a:t>print(“str”==“str2”)</a:t>
                       </a:r>
                       <a:endParaRPr lang="ko-KR" altLang="en-US" dirty="0"/>
                     </a:p>
@@ -6047,7 +6044,7 @@
                       <a:pPr algn="ctr" latinLnBrk="1"/>
                       <a:r>
                         <a:rPr lang="en-US" altLang="ko-KR" dirty="0"/>
-                        <a:t>false</a:t>
+                        <a:t>False</a:t>
                       </a:r>
                       <a:endParaRPr lang="ko-KR" altLang="en-US" dirty="0"/>
                     </a:p>
@@ -6069,7 +6066,7 @@
                       <a:pPr algn="ctr" latinLnBrk="1"/>
                       <a:r>
                         <a:rPr lang="en-US" altLang="ko-KR" dirty="0"/>
-                        <a:t>print(10 != 10);</a:t>
+                        <a:t>print(10 != 10)</a:t>
                       </a:r>
                       <a:endParaRPr lang="ko-KR" altLang="en-US" dirty="0"/>
                     </a:p>
@@ -6084,7 +6081,7 @@
                       <a:pPr algn="ctr" latinLnBrk="1"/>
                       <a:r>
                         <a:rPr lang="en-US" altLang="ko-KR" dirty="0"/>
-                        <a:t>false</a:t>
+                        <a:t>False</a:t>
                       </a:r>
                       <a:endParaRPr lang="ko-KR" altLang="en-US" dirty="0"/>
                     </a:p>
@@ -7802,7 +7799,13 @@
           <p:cNvGraphicFramePr>
             <a:graphicFrameLocks noGrp="1"/>
           </p:cNvGraphicFramePr>
-          <p:nvPr/>
+          <p:nvPr>
+            <p:extLst>
+              <p:ext uri="{D42A27DB-BD31-4B8C-83A1-F6EECF244321}">
+                <p14:modId xmlns:p14="http://schemas.microsoft.com/office/powerpoint/2010/main" val="3516649658"/>
+              </p:ext>
+            </p:extLst>
+          </p:nvPr>
         </p:nvGraphicFramePr>
         <p:xfrm>
           <a:off x="971600" y="2420888"/>
@@ -7878,7 +7881,7 @@
                       </a:r>
                       <a:r>
                         <a:rPr lang="en-US" altLang="ko-KR" baseline="0" dirty="0"/>
-                        <a:t> &amp;&amp; true</a:t>
+                        <a:t> and true</a:t>
                       </a:r>
                       <a:endParaRPr lang="ko-KR" altLang="en-US" dirty="0"/>
                     </a:p>
@@ -7919,21 +7922,21 @@
                       </a:r>
                       <a:r>
                         <a:rPr lang="en-US" altLang="ko-KR" baseline="0" dirty="0"/>
-                        <a:t> &amp;&amp; false</a:t>
+                        <a:t> and false</a:t>
                       </a:r>
                     </a:p>
                     <a:p>
                       <a:pPr algn="ctr" latinLnBrk="1"/>
                       <a:r>
                         <a:rPr lang="en-US" altLang="ko-KR" baseline="0" dirty="0"/>
-                        <a:t>false &amp;&amp; true</a:t>
+                        <a:t>false and true</a:t>
                       </a:r>
                     </a:p>
                     <a:p>
                       <a:pPr algn="ctr" latinLnBrk="1"/>
                       <a:r>
                         <a:rPr lang="en-US" altLang="ko-KR" baseline="0" dirty="0"/>
-                        <a:t>false &amp;&amp; false</a:t>
+                        <a:t>false and false</a:t>
                       </a:r>
                       <a:endParaRPr lang="ko-KR" altLang="en-US" dirty="0"/>
                     </a:p>
@@ -7990,7 +7993,7 @@
                             <a:schemeClr val="tx1"/>
                           </a:solidFill>
                         </a:rPr>
-                        <a:t>true ||</a:t>
+                        <a:t>true or</a:t>
                       </a:r>
                       <a:r>
                         <a:rPr lang="en-US" altLang="ko-KR" baseline="0" dirty="0">
@@ -8025,7 +8028,7 @@
                             <a:schemeClr val="tx1"/>
                           </a:solidFill>
                         </a:rPr>
-                        <a:t>true || false</a:t>
+                        <a:t>true or false</a:t>
                       </a:r>
                     </a:p>
                     <a:p>
@@ -8052,7 +8055,7 @@
                             <a:schemeClr val="tx1"/>
                           </a:solidFill>
                         </a:rPr>
-                        <a:t>false || true</a:t>
+                        <a:t>false or true</a:t>
                       </a:r>
                     </a:p>
                   </a:txBody>
@@ -8111,12 +8114,20 @@
                         <a:defRPr/>
                       </a:pPr>
                       <a:r>
+                        <a:rPr lang="en-US" altLang="ko-KR" baseline="0">
+                          <a:solidFill>
+                            <a:schemeClr val="tx1"/>
+                          </a:solidFill>
+                        </a:rPr>
+                        <a:t>false or </a:t>
+                      </a:r>
+                      <a:r>
                         <a:rPr lang="en-US" altLang="ko-KR" baseline="0" dirty="0">
                           <a:solidFill>
                             <a:schemeClr val="tx1"/>
                           </a:solidFill>
                         </a:rPr>
-                        <a:t>false || false</a:t>
+                        <a:t>false</a:t>
                       </a:r>
                     </a:p>
                   </a:txBody>
@@ -8300,14 +8311,6 @@
 <file path=ppt/slides/slide2.xml><?xml version="1.0" encoding="utf-8"?>
 <p:sld xmlns:a="http://schemas.openxmlformats.org/drawingml/2006/main" xmlns:r="http://schemas.openxmlformats.org/officeDocument/2006/relationships" xmlns:p="http://schemas.openxmlformats.org/presentationml/2006/main">
   <p:cSld>
-    <p:bg>
-      <p:bgPr>
-        <a:solidFill>
-          <a:schemeClr val="accent1"/>
-        </a:solidFill>
-        <a:effectLst/>
-      </p:bgPr>
-    </p:bg>
     <p:spTree>
       <p:nvGrpSpPr>
         <p:cNvPr id="1" name=""/>
@@ -12705,7 +12708,7 @@
                 <a:latin typeface="배달의민족 주아" pitchFamily="18" charset="-127"/>
                 <a:ea typeface="배달의민족 주아" pitchFamily="18" charset="-127"/>
               </a:rPr>
-              <a:t>";</a:t>
+              <a:t>"</a:t>
             </a:r>
           </a:p>
         </p:txBody>
@@ -12753,7 +12756,7 @@
                 <a:latin typeface="배달의민족 주아" pitchFamily="18" charset="-127"/>
                 <a:ea typeface="배달의민족 주아" pitchFamily="18" charset="-127"/>
               </a:rPr>
-              <a:t>console.log(</a:t>
+              <a:t>print(</a:t>
             </a:r>
             <a:r>
               <a:rPr lang="en-US" altLang="ko-KR" sz="2800" dirty="0" err="1">
@@ -12781,7 +12784,7 @@
                 <a:latin typeface="배달의민족 주아" pitchFamily="18" charset="-127"/>
                 <a:ea typeface="배달의민족 주아" pitchFamily="18" charset="-127"/>
               </a:rPr>
-              <a:t>.");</a:t>
+              <a:t>.")</a:t>
             </a:r>
             <a:endParaRPr lang="ko-KR" altLang="en-US" sz="2800" dirty="0">
               <a:latin typeface="배달의민족 주아" pitchFamily="18" charset="-127"/>
